--- a/SKIT.pptx
+++ b/SKIT.pptx
@@ -46,7 +46,7 @@
             <a:spLocks noGrp="1"/>
           </p:cNvSpPr>
           <p:nvPr>
-            <p:ph type="ftr" idx="2"/>
+            <p:ph type="ftr" idx="1"/>
           </p:nvPr>
         </p:nvSpPr>
         <p:spPr/>
@@ -66,14 +66,14 @@
             <a:spLocks noGrp="1"/>
           </p:cNvSpPr>
           <p:nvPr>
-            <p:ph type="sldNum" idx="3"/>
+            <p:ph type="sldNum" idx="2"/>
           </p:nvPr>
         </p:nvSpPr>
         <p:spPr/>
         <p:txBody>
           <a:bodyPr/>
           <a:p>
-            <a:fld id="{5AD4454E-842D-4C32-B7C6-1FA4EE153091}" type="slidenum">
+            <a:fld id="{A33F1AE5-A570-4928-AA8B-7D225F910C2E}" type="slidenum">
               <a:t>&lt;#&gt;</a:t>
             </a:fld>
           </a:p>
@@ -86,7 +86,7 @@
             <a:spLocks noGrp="1"/>
           </p:cNvSpPr>
           <p:nvPr>
-            <p:ph type="dt" idx="1"/>
+            <p:ph type="dt" idx="3"/>
           </p:nvPr>
         </p:nvSpPr>
         <p:spPr/>
@@ -134,8 +134,8 @@
         </p:nvSpPr>
         <p:spPr>
           <a:xfrm>
-            <a:off x="1605960" y="964800"/>
-            <a:ext cx="5937480" cy="1188360"/>
+            <a:off x="457200" y="273600"/>
+            <a:ext cx="8229240" cy="1144800"/>
           </a:xfrm>
           <a:prstGeom prst="rect">
             <a:avLst/>
@@ -150,11 +150,11 @@
             <a:noAutofit/>
           </a:bodyPr>
           <a:p>
-            <a:endParaRPr b="0" lang="en-US" sz="1800" spc="-1" strike="noStrike">
-              <a:solidFill>
-                <a:srgbClr val="000000"/>
-              </a:solidFill>
-              <a:latin typeface="Gill Sans MT"/>
+            <a:pPr algn="ctr">
+              <a:buNone/>
+            </a:pPr>
+            <a:endParaRPr b="0" lang="en-US" sz="4400" spc="-1" strike="noStrike">
+              <a:latin typeface="Arial"/>
             </a:endParaRPr>
           </a:p>
         </p:txBody>
@@ -171,8 +171,8 @@
         </p:nvSpPr>
         <p:spPr>
           <a:xfrm>
-            <a:off x="1605960" y="2638080"/>
-            <a:ext cx="5937480" cy="1479240"/>
+            <a:off x="457200" y="1604520"/>
+            <a:ext cx="8229240" cy="1896840"/>
           </a:xfrm>
           <a:prstGeom prst="rect">
             <a:avLst/>
@@ -187,11 +187,8 @@
             <a:normAutofit/>
           </a:bodyPr>
           <a:p>
-            <a:endParaRPr b="0" lang="en-US" sz="1800" spc="-1" strike="noStrike">
-              <a:solidFill>
-                <a:srgbClr val="262626"/>
-              </a:solidFill>
-              <a:latin typeface="Gill Sans MT"/>
+            <a:endParaRPr b="0" lang="en-US" sz="3200" spc="-1" strike="noStrike">
+              <a:latin typeface="Arial"/>
             </a:endParaRPr>
           </a:p>
         </p:txBody>
@@ -208,8 +205,8 @@
         </p:nvSpPr>
         <p:spPr>
           <a:xfrm>
-            <a:off x="1605960" y="4258080"/>
-            <a:ext cx="5937480" cy="1479240"/>
+            <a:off x="457200" y="3682080"/>
+            <a:ext cx="8229240" cy="1896840"/>
           </a:xfrm>
           <a:prstGeom prst="rect">
             <a:avLst/>
@@ -224,11 +221,8 @@
             <a:normAutofit/>
           </a:bodyPr>
           <a:p>
-            <a:endParaRPr b="0" lang="en-US" sz="1800" spc="-1" strike="noStrike">
-              <a:solidFill>
-                <a:srgbClr val="262626"/>
-              </a:solidFill>
-              <a:latin typeface="Gill Sans MT"/>
+            <a:endParaRPr b="0" lang="en-US" sz="3200" spc="-1" strike="noStrike">
+              <a:latin typeface="Arial"/>
             </a:endParaRPr>
           </a:p>
         </p:txBody>
@@ -240,7 +234,7 @@
             <a:spLocks noGrp="1"/>
           </p:cNvSpPr>
           <p:nvPr>
-            <p:ph type="ftr" idx="2"/>
+            <p:ph type="ftr" idx="1"/>
           </p:nvPr>
         </p:nvSpPr>
         <p:spPr/>
@@ -260,14 +254,14 @@
             <a:spLocks noGrp="1"/>
           </p:cNvSpPr>
           <p:nvPr>
-            <p:ph type="sldNum" idx="3"/>
+            <p:ph type="sldNum" idx="2"/>
           </p:nvPr>
         </p:nvSpPr>
         <p:spPr/>
         <p:txBody>
           <a:bodyPr/>
           <a:p>
-            <a:fld id="{1DF0F9F5-C87B-4018-8935-E509611FEB38}" type="slidenum">
+            <a:fld id="{EA7C7EF5-1604-4ABB-96C9-C2D19F672850}" type="slidenum">
               <a:t>&lt;#&gt;</a:t>
             </a:fld>
           </a:p>
@@ -280,7 +274,7 @@
             <a:spLocks noGrp="1"/>
           </p:cNvSpPr>
           <p:nvPr>
-            <p:ph type="dt" idx="1"/>
+            <p:ph type="dt" idx="3"/>
           </p:nvPr>
         </p:nvSpPr>
         <p:spPr/>
@@ -328,8 +322,8 @@
         </p:nvSpPr>
         <p:spPr>
           <a:xfrm>
-            <a:off x="1605960" y="964800"/>
-            <a:ext cx="5937480" cy="1188360"/>
+            <a:off x="457200" y="273600"/>
+            <a:ext cx="8229240" cy="1144800"/>
           </a:xfrm>
           <a:prstGeom prst="rect">
             <a:avLst/>
@@ -344,11 +338,11 @@
             <a:noAutofit/>
           </a:bodyPr>
           <a:p>
-            <a:endParaRPr b="0" lang="en-US" sz="1800" spc="-1" strike="noStrike">
-              <a:solidFill>
-                <a:srgbClr val="000000"/>
-              </a:solidFill>
-              <a:latin typeface="Gill Sans MT"/>
+            <a:pPr algn="ctr">
+              <a:buNone/>
+            </a:pPr>
+            <a:endParaRPr b="0" lang="en-US" sz="4400" spc="-1" strike="noStrike">
+              <a:latin typeface="Arial"/>
             </a:endParaRPr>
           </a:p>
         </p:txBody>
@@ -365,8 +359,8 @@
         </p:nvSpPr>
         <p:spPr>
           <a:xfrm>
-            <a:off x="1605960" y="2638080"/>
-            <a:ext cx="2897280" cy="1479240"/>
+            <a:off x="457200" y="1604520"/>
+            <a:ext cx="4015800" cy="1896840"/>
           </a:xfrm>
           <a:prstGeom prst="rect">
             <a:avLst/>
@@ -381,11 +375,8 @@
             <a:normAutofit/>
           </a:bodyPr>
           <a:p>
-            <a:endParaRPr b="0" lang="en-US" sz="1800" spc="-1" strike="noStrike">
-              <a:solidFill>
-                <a:srgbClr val="262626"/>
-              </a:solidFill>
-              <a:latin typeface="Gill Sans MT"/>
+            <a:endParaRPr b="0" lang="en-US" sz="3200" spc="-1" strike="noStrike">
+              <a:latin typeface="Arial"/>
             </a:endParaRPr>
           </a:p>
         </p:txBody>
@@ -402,8 +393,8 @@
         </p:nvSpPr>
         <p:spPr>
           <a:xfrm>
-            <a:off x="4648320" y="2638080"/>
-            <a:ext cx="2897280" cy="1479240"/>
+            <a:off x="4674240" y="1604520"/>
+            <a:ext cx="4015800" cy="1896840"/>
           </a:xfrm>
           <a:prstGeom prst="rect">
             <a:avLst/>
@@ -418,11 +409,8 @@
             <a:normAutofit/>
           </a:bodyPr>
           <a:p>
-            <a:endParaRPr b="0" lang="en-US" sz="1800" spc="-1" strike="noStrike">
-              <a:solidFill>
-                <a:srgbClr val="262626"/>
-              </a:solidFill>
-              <a:latin typeface="Gill Sans MT"/>
+            <a:endParaRPr b="0" lang="en-US" sz="3200" spc="-1" strike="noStrike">
+              <a:latin typeface="Arial"/>
             </a:endParaRPr>
           </a:p>
         </p:txBody>
@@ -439,8 +427,8 @@
         </p:nvSpPr>
         <p:spPr>
           <a:xfrm>
-            <a:off x="1605960" y="4258080"/>
-            <a:ext cx="2897280" cy="1479240"/>
+            <a:off x="457200" y="3682080"/>
+            <a:ext cx="4015800" cy="1896840"/>
           </a:xfrm>
           <a:prstGeom prst="rect">
             <a:avLst/>
@@ -455,11 +443,8 @@
             <a:normAutofit/>
           </a:bodyPr>
           <a:p>
-            <a:endParaRPr b="0" lang="en-US" sz="1800" spc="-1" strike="noStrike">
-              <a:solidFill>
-                <a:srgbClr val="262626"/>
-              </a:solidFill>
-              <a:latin typeface="Gill Sans MT"/>
+            <a:endParaRPr b="0" lang="en-US" sz="3200" spc="-1" strike="noStrike">
+              <a:latin typeface="Arial"/>
             </a:endParaRPr>
           </a:p>
         </p:txBody>
@@ -476,8 +461,8 @@
         </p:nvSpPr>
         <p:spPr>
           <a:xfrm>
-            <a:off x="4648320" y="4258080"/>
-            <a:ext cx="2897280" cy="1479240"/>
+            <a:off x="4674240" y="3682080"/>
+            <a:ext cx="4015800" cy="1896840"/>
           </a:xfrm>
           <a:prstGeom prst="rect">
             <a:avLst/>
@@ -492,11 +477,8 @@
             <a:normAutofit/>
           </a:bodyPr>
           <a:p>
-            <a:endParaRPr b="0" lang="en-US" sz="1800" spc="-1" strike="noStrike">
-              <a:solidFill>
-                <a:srgbClr val="262626"/>
-              </a:solidFill>
-              <a:latin typeface="Gill Sans MT"/>
+            <a:endParaRPr b="0" lang="en-US" sz="3200" spc="-1" strike="noStrike">
+              <a:latin typeface="Arial"/>
             </a:endParaRPr>
           </a:p>
         </p:txBody>
@@ -508,7 +490,7 @@
             <a:spLocks noGrp="1"/>
           </p:cNvSpPr>
           <p:nvPr>
-            <p:ph type="ftr" idx="2"/>
+            <p:ph type="ftr" idx="1"/>
           </p:nvPr>
         </p:nvSpPr>
         <p:spPr/>
@@ -528,14 +510,14 @@
             <a:spLocks noGrp="1"/>
           </p:cNvSpPr>
           <p:nvPr>
-            <p:ph type="sldNum" idx="3"/>
+            <p:ph type="sldNum" idx="2"/>
           </p:nvPr>
         </p:nvSpPr>
         <p:spPr/>
         <p:txBody>
           <a:bodyPr/>
           <a:p>
-            <a:fld id="{7E2BF28F-AD75-4D1D-B996-EC8494552186}" type="slidenum">
+            <a:fld id="{C15B0DDA-2F79-4411-98D3-65042E88C316}" type="slidenum">
               <a:t>&lt;#&gt;</a:t>
             </a:fld>
           </a:p>
@@ -548,7 +530,7 @@
             <a:spLocks noGrp="1"/>
           </p:cNvSpPr>
           <p:nvPr>
-            <p:ph type="dt" idx="1"/>
+            <p:ph type="dt" idx="3"/>
           </p:nvPr>
         </p:nvSpPr>
         <p:spPr/>
@@ -596,8 +578,8 @@
         </p:nvSpPr>
         <p:spPr>
           <a:xfrm>
-            <a:off x="1605960" y="964800"/>
-            <a:ext cx="5937480" cy="1188360"/>
+            <a:off x="457200" y="273600"/>
+            <a:ext cx="8229240" cy="1144800"/>
           </a:xfrm>
           <a:prstGeom prst="rect">
             <a:avLst/>
@@ -612,11 +594,11 @@
             <a:noAutofit/>
           </a:bodyPr>
           <a:p>
-            <a:endParaRPr b="0" lang="en-US" sz="1800" spc="-1" strike="noStrike">
-              <a:solidFill>
-                <a:srgbClr val="000000"/>
-              </a:solidFill>
-              <a:latin typeface="Gill Sans MT"/>
+            <a:pPr algn="ctr">
+              <a:buNone/>
+            </a:pPr>
+            <a:endParaRPr b="0" lang="en-US" sz="4400" spc="-1" strike="noStrike">
+              <a:latin typeface="Arial"/>
             </a:endParaRPr>
           </a:p>
         </p:txBody>
@@ -633,8 +615,8 @@
         </p:nvSpPr>
         <p:spPr>
           <a:xfrm>
-            <a:off x="1605960" y="2638080"/>
-            <a:ext cx="1911600" cy="1479240"/>
+            <a:off x="457200" y="1604520"/>
+            <a:ext cx="2649600" cy="1896840"/>
           </a:xfrm>
           <a:prstGeom prst="rect">
             <a:avLst/>
@@ -649,11 +631,8 @@
             <a:normAutofit/>
           </a:bodyPr>
           <a:p>
-            <a:endParaRPr b="0" lang="en-US" sz="1800" spc="-1" strike="noStrike">
-              <a:solidFill>
-                <a:srgbClr val="262626"/>
-              </a:solidFill>
-              <a:latin typeface="Gill Sans MT"/>
+            <a:endParaRPr b="0" lang="en-US" sz="3200" spc="-1" strike="noStrike">
+              <a:latin typeface="Arial"/>
             </a:endParaRPr>
           </a:p>
         </p:txBody>
@@ -670,8 +649,8 @@
         </p:nvSpPr>
         <p:spPr>
           <a:xfrm>
-            <a:off x="3613680" y="2638080"/>
-            <a:ext cx="1911600" cy="1479240"/>
+            <a:off x="3239640" y="1604520"/>
+            <a:ext cx="2649600" cy="1896840"/>
           </a:xfrm>
           <a:prstGeom prst="rect">
             <a:avLst/>
@@ -686,11 +665,8 @@
             <a:normAutofit/>
           </a:bodyPr>
           <a:p>
-            <a:endParaRPr b="0" lang="en-US" sz="1800" spc="-1" strike="noStrike">
-              <a:solidFill>
-                <a:srgbClr val="262626"/>
-              </a:solidFill>
-              <a:latin typeface="Gill Sans MT"/>
+            <a:endParaRPr b="0" lang="en-US" sz="3200" spc="-1" strike="noStrike">
+              <a:latin typeface="Arial"/>
             </a:endParaRPr>
           </a:p>
         </p:txBody>
@@ -707,8 +683,8 @@
         </p:nvSpPr>
         <p:spPr>
           <a:xfrm>
-            <a:off x="5621040" y="2638080"/>
-            <a:ext cx="1911600" cy="1479240"/>
+            <a:off x="6022080" y="1604520"/>
+            <a:ext cx="2649600" cy="1896840"/>
           </a:xfrm>
           <a:prstGeom prst="rect">
             <a:avLst/>
@@ -723,11 +699,8 @@
             <a:normAutofit/>
           </a:bodyPr>
           <a:p>
-            <a:endParaRPr b="0" lang="en-US" sz="1800" spc="-1" strike="noStrike">
-              <a:solidFill>
-                <a:srgbClr val="262626"/>
-              </a:solidFill>
-              <a:latin typeface="Gill Sans MT"/>
+            <a:endParaRPr b="0" lang="en-US" sz="3200" spc="-1" strike="noStrike">
+              <a:latin typeface="Arial"/>
             </a:endParaRPr>
           </a:p>
         </p:txBody>
@@ -744,8 +717,8 @@
         </p:nvSpPr>
         <p:spPr>
           <a:xfrm>
-            <a:off x="1605960" y="4258080"/>
-            <a:ext cx="1911600" cy="1479240"/>
+            <a:off x="457200" y="3682080"/>
+            <a:ext cx="2649600" cy="1896840"/>
           </a:xfrm>
           <a:prstGeom prst="rect">
             <a:avLst/>
@@ -760,11 +733,8 @@
             <a:normAutofit/>
           </a:bodyPr>
           <a:p>
-            <a:endParaRPr b="0" lang="en-US" sz="1800" spc="-1" strike="noStrike">
-              <a:solidFill>
-                <a:srgbClr val="262626"/>
-              </a:solidFill>
-              <a:latin typeface="Gill Sans MT"/>
+            <a:endParaRPr b="0" lang="en-US" sz="3200" spc="-1" strike="noStrike">
+              <a:latin typeface="Arial"/>
             </a:endParaRPr>
           </a:p>
         </p:txBody>
@@ -781,8 +751,8 @@
         </p:nvSpPr>
         <p:spPr>
           <a:xfrm>
-            <a:off x="3613680" y="4258080"/>
-            <a:ext cx="1911600" cy="1479240"/>
+            <a:off x="3239640" y="3682080"/>
+            <a:ext cx="2649600" cy="1896840"/>
           </a:xfrm>
           <a:prstGeom prst="rect">
             <a:avLst/>
@@ -797,11 +767,8 @@
             <a:normAutofit/>
           </a:bodyPr>
           <a:p>
-            <a:endParaRPr b="0" lang="en-US" sz="1800" spc="-1" strike="noStrike">
-              <a:solidFill>
-                <a:srgbClr val="262626"/>
-              </a:solidFill>
-              <a:latin typeface="Gill Sans MT"/>
+            <a:endParaRPr b="0" lang="en-US" sz="3200" spc="-1" strike="noStrike">
+              <a:latin typeface="Arial"/>
             </a:endParaRPr>
           </a:p>
         </p:txBody>
@@ -818,8 +785,8 @@
         </p:nvSpPr>
         <p:spPr>
           <a:xfrm>
-            <a:off x="5621040" y="4258080"/>
-            <a:ext cx="1911600" cy="1479240"/>
+            <a:off x="6022080" y="3682080"/>
+            <a:ext cx="2649600" cy="1896840"/>
           </a:xfrm>
           <a:prstGeom prst="rect">
             <a:avLst/>
@@ -834,11 +801,8 @@
             <a:normAutofit/>
           </a:bodyPr>
           <a:p>
-            <a:endParaRPr b="0" lang="en-US" sz="1800" spc="-1" strike="noStrike">
-              <a:solidFill>
-                <a:srgbClr val="262626"/>
-              </a:solidFill>
-              <a:latin typeface="Gill Sans MT"/>
+            <a:endParaRPr b="0" lang="en-US" sz="3200" spc="-1" strike="noStrike">
+              <a:latin typeface="Arial"/>
             </a:endParaRPr>
           </a:p>
         </p:txBody>
@@ -850,7 +814,7 @@
             <a:spLocks noGrp="1"/>
           </p:cNvSpPr>
           <p:nvPr>
-            <p:ph type="ftr" idx="2"/>
+            <p:ph type="ftr" idx="1"/>
           </p:nvPr>
         </p:nvSpPr>
         <p:spPr/>
@@ -870,14 +834,14 @@
             <a:spLocks noGrp="1"/>
           </p:cNvSpPr>
           <p:nvPr>
-            <p:ph type="sldNum" idx="3"/>
+            <p:ph type="sldNum" idx="2"/>
           </p:nvPr>
         </p:nvSpPr>
         <p:spPr/>
         <p:txBody>
           <a:bodyPr/>
           <a:p>
-            <a:fld id="{3DBA3135-B7D0-4FB5-8E40-DC055F1EF44E}" type="slidenum">
+            <a:fld id="{D3942970-836D-4805-8938-38A9B5C4774E}" type="slidenum">
               <a:t>&lt;#&gt;</a:t>
             </a:fld>
           </a:p>
@@ -890,7 +854,7 @@
             <a:spLocks noGrp="1"/>
           </p:cNvSpPr>
           <p:nvPr>
-            <p:ph type="dt" idx="1"/>
+            <p:ph type="dt" idx="3"/>
           </p:nvPr>
         </p:nvSpPr>
         <p:spPr/>
@@ -933,7 +897,7 @@
             <a:spLocks noGrp="1"/>
           </p:cNvSpPr>
           <p:nvPr>
-            <p:ph type="ftr" idx="5"/>
+            <p:ph type="ftr" idx="4"/>
           </p:nvPr>
         </p:nvSpPr>
         <p:spPr/>
@@ -953,14 +917,14 @@
             <a:spLocks noGrp="1"/>
           </p:cNvSpPr>
           <p:nvPr>
-            <p:ph type="sldNum" idx="6"/>
+            <p:ph type="sldNum" idx="5"/>
           </p:nvPr>
         </p:nvSpPr>
         <p:spPr/>
         <p:txBody>
           <a:bodyPr/>
           <a:p>
-            <a:fld id="{2C04F0DC-0460-4E50-8364-7FC54C237B7D}" type="slidenum">
+            <a:fld id="{94CE5353-BD8E-4020-B75E-B05411AB40B0}" type="slidenum">
               <a:t>&lt;#&gt;</a:t>
             </a:fld>
           </a:p>
@@ -973,7 +937,7 @@
             <a:spLocks noGrp="1"/>
           </p:cNvSpPr>
           <p:nvPr>
-            <p:ph type="dt" idx="4"/>
+            <p:ph type="dt" idx="6"/>
           </p:nvPr>
         </p:nvSpPr>
         <p:spPr/>
@@ -1021,8 +985,8 @@
         </p:nvSpPr>
         <p:spPr>
           <a:xfrm>
-            <a:off x="1605960" y="964800"/>
-            <a:ext cx="5937480" cy="1188360"/>
+            <a:off x="457200" y="273600"/>
+            <a:ext cx="8229240" cy="1144800"/>
           </a:xfrm>
           <a:prstGeom prst="rect">
             <a:avLst/>
@@ -1037,11 +1001,11 @@
             <a:noAutofit/>
           </a:bodyPr>
           <a:p>
-            <a:endParaRPr b="0" lang="en-US" sz="1800" spc="-1" strike="noStrike">
-              <a:solidFill>
-                <a:srgbClr val="000000"/>
-              </a:solidFill>
-              <a:latin typeface="Gill Sans MT"/>
+            <a:pPr algn="ctr">
+              <a:buNone/>
+            </a:pPr>
+            <a:endParaRPr b="0" lang="en-US" sz="4400" spc="-1" strike="noStrike">
+              <a:latin typeface="Arial"/>
             </a:endParaRPr>
           </a:p>
         </p:txBody>
@@ -1058,8 +1022,8 @@
         </p:nvSpPr>
         <p:spPr>
           <a:xfrm>
-            <a:off x="1605960" y="2638080"/>
-            <a:ext cx="5937480" cy="3101760"/>
+            <a:off x="457200" y="1604520"/>
+            <a:ext cx="8229240" cy="3977280"/>
           </a:xfrm>
           <a:prstGeom prst="rect">
             <a:avLst/>
@@ -1090,7 +1054,7 @@
             <a:spLocks noGrp="1"/>
           </p:cNvSpPr>
           <p:nvPr>
-            <p:ph type="ftr" idx="5"/>
+            <p:ph type="ftr" idx="4"/>
           </p:nvPr>
         </p:nvSpPr>
         <p:spPr/>
@@ -1110,14 +1074,14 @@
             <a:spLocks noGrp="1"/>
           </p:cNvSpPr>
           <p:nvPr>
-            <p:ph type="sldNum" idx="6"/>
+            <p:ph type="sldNum" idx="5"/>
           </p:nvPr>
         </p:nvSpPr>
         <p:spPr/>
         <p:txBody>
           <a:bodyPr/>
           <a:p>
-            <a:fld id="{4F67C889-D5E8-4D96-A808-D1B1B9BCE8A6}" type="slidenum">
+            <a:fld id="{873B4682-A9D9-4C40-8CF9-1EAAEF0F3761}" type="slidenum">
               <a:t>&lt;#&gt;</a:t>
             </a:fld>
           </a:p>
@@ -1130,7 +1094,7 @@
             <a:spLocks noGrp="1"/>
           </p:cNvSpPr>
           <p:nvPr>
-            <p:ph type="dt" idx="4"/>
+            <p:ph type="dt" idx="6"/>
           </p:nvPr>
         </p:nvSpPr>
         <p:spPr/>
@@ -1178,8 +1142,8 @@
         </p:nvSpPr>
         <p:spPr>
           <a:xfrm>
-            <a:off x="1605960" y="964800"/>
-            <a:ext cx="5937480" cy="1188360"/>
+            <a:off x="457200" y="273600"/>
+            <a:ext cx="8229240" cy="1144800"/>
           </a:xfrm>
           <a:prstGeom prst="rect">
             <a:avLst/>
@@ -1194,11 +1158,11 @@
             <a:noAutofit/>
           </a:bodyPr>
           <a:p>
-            <a:endParaRPr b="0" lang="en-US" sz="1800" spc="-1" strike="noStrike">
-              <a:solidFill>
-                <a:srgbClr val="000000"/>
-              </a:solidFill>
-              <a:latin typeface="Gill Sans MT"/>
+            <a:pPr algn="ctr">
+              <a:buNone/>
+            </a:pPr>
+            <a:endParaRPr b="0" lang="en-US" sz="4400" spc="-1" strike="noStrike">
+              <a:latin typeface="Arial"/>
             </a:endParaRPr>
           </a:p>
         </p:txBody>
@@ -1215,8 +1179,8 @@
         </p:nvSpPr>
         <p:spPr>
           <a:xfrm>
-            <a:off x="1605960" y="2638080"/>
-            <a:ext cx="5937480" cy="3101760"/>
+            <a:off x="457200" y="1604520"/>
+            <a:ext cx="8229240" cy="3977280"/>
           </a:xfrm>
           <a:prstGeom prst="rect">
             <a:avLst/>
@@ -1231,11 +1195,8 @@
             <a:normAutofit/>
           </a:bodyPr>
           <a:p>
-            <a:endParaRPr b="0" lang="en-US" sz="1800" spc="-1" strike="noStrike">
-              <a:solidFill>
-                <a:srgbClr val="262626"/>
-              </a:solidFill>
-              <a:latin typeface="Gill Sans MT"/>
+            <a:endParaRPr b="0" lang="en-US" sz="3200" spc="-1" strike="noStrike">
+              <a:latin typeface="Arial"/>
             </a:endParaRPr>
           </a:p>
         </p:txBody>
@@ -1247,7 +1208,7 @@
             <a:spLocks noGrp="1"/>
           </p:cNvSpPr>
           <p:nvPr>
-            <p:ph type="ftr" idx="5"/>
+            <p:ph type="ftr" idx="4"/>
           </p:nvPr>
         </p:nvSpPr>
         <p:spPr/>
@@ -1267,14 +1228,14 @@
             <a:spLocks noGrp="1"/>
           </p:cNvSpPr>
           <p:nvPr>
-            <p:ph type="sldNum" idx="6"/>
+            <p:ph type="sldNum" idx="5"/>
           </p:nvPr>
         </p:nvSpPr>
         <p:spPr/>
         <p:txBody>
           <a:bodyPr/>
           <a:p>
-            <a:fld id="{26E154E4-00BF-45FC-81E4-84B255A3D06A}" type="slidenum">
+            <a:fld id="{69C82731-A9E2-48A2-82F5-3BE85205ADE1}" type="slidenum">
               <a:t>&lt;#&gt;</a:t>
             </a:fld>
           </a:p>
@@ -1287,7 +1248,7 @@
             <a:spLocks noGrp="1"/>
           </p:cNvSpPr>
           <p:nvPr>
-            <p:ph type="dt" idx="4"/>
+            <p:ph type="dt" idx="6"/>
           </p:nvPr>
         </p:nvSpPr>
         <p:spPr/>
@@ -1335,8 +1296,8 @@
         </p:nvSpPr>
         <p:spPr>
           <a:xfrm>
-            <a:off x="1605960" y="964800"/>
-            <a:ext cx="5937480" cy="1188360"/>
+            <a:off x="457200" y="273600"/>
+            <a:ext cx="8229240" cy="1144800"/>
           </a:xfrm>
           <a:prstGeom prst="rect">
             <a:avLst/>
@@ -1351,11 +1312,11 @@
             <a:noAutofit/>
           </a:bodyPr>
           <a:p>
-            <a:endParaRPr b="0" lang="en-US" sz="1800" spc="-1" strike="noStrike">
-              <a:solidFill>
-                <a:srgbClr val="000000"/>
-              </a:solidFill>
-              <a:latin typeface="Gill Sans MT"/>
+            <a:pPr algn="ctr">
+              <a:buNone/>
+            </a:pPr>
+            <a:endParaRPr b="0" lang="en-US" sz="4400" spc="-1" strike="noStrike">
+              <a:latin typeface="Arial"/>
             </a:endParaRPr>
           </a:p>
         </p:txBody>
@@ -1372,8 +1333,8 @@
         </p:nvSpPr>
         <p:spPr>
           <a:xfrm>
-            <a:off x="1605960" y="2638080"/>
-            <a:ext cx="2897280" cy="3101760"/>
+            <a:off x="457200" y="1604520"/>
+            <a:ext cx="4015800" cy="3977280"/>
           </a:xfrm>
           <a:prstGeom prst="rect">
             <a:avLst/>
@@ -1388,11 +1349,8 @@
             <a:normAutofit/>
           </a:bodyPr>
           <a:p>
-            <a:endParaRPr b="0" lang="en-US" sz="1800" spc="-1" strike="noStrike">
-              <a:solidFill>
-                <a:srgbClr val="262626"/>
-              </a:solidFill>
-              <a:latin typeface="Gill Sans MT"/>
+            <a:endParaRPr b="0" lang="en-US" sz="3200" spc="-1" strike="noStrike">
+              <a:latin typeface="Arial"/>
             </a:endParaRPr>
           </a:p>
         </p:txBody>
@@ -1409,8 +1367,8 @@
         </p:nvSpPr>
         <p:spPr>
           <a:xfrm>
-            <a:off x="4648320" y="2638080"/>
-            <a:ext cx="2897280" cy="3101760"/>
+            <a:off x="4674240" y="1604520"/>
+            <a:ext cx="4015800" cy="3977280"/>
           </a:xfrm>
           <a:prstGeom prst="rect">
             <a:avLst/>
@@ -1425,11 +1383,8 @@
             <a:normAutofit/>
           </a:bodyPr>
           <a:p>
-            <a:endParaRPr b="0" lang="en-US" sz="1800" spc="-1" strike="noStrike">
-              <a:solidFill>
-                <a:srgbClr val="262626"/>
-              </a:solidFill>
-              <a:latin typeface="Gill Sans MT"/>
+            <a:endParaRPr b="0" lang="en-US" sz="3200" spc="-1" strike="noStrike">
+              <a:latin typeface="Arial"/>
             </a:endParaRPr>
           </a:p>
         </p:txBody>
@@ -1441,7 +1396,7 @@
             <a:spLocks noGrp="1"/>
           </p:cNvSpPr>
           <p:nvPr>
-            <p:ph type="ftr" idx="5"/>
+            <p:ph type="ftr" idx="4"/>
           </p:nvPr>
         </p:nvSpPr>
         <p:spPr/>
@@ -1461,14 +1416,14 @@
             <a:spLocks noGrp="1"/>
           </p:cNvSpPr>
           <p:nvPr>
-            <p:ph type="sldNum" idx="6"/>
+            <p:ph type="sldNum" idx="5"/>
           </p:nvPr>
         </p:nvSpPr>
         <p:spPr/>
         <p:txBody>
           <a:bodyPr/>
           <a:p>
-            <a:fld id="{A6B29D27-7CEF-4C5D-B491-75EE244E7409}" type="slidenum">
+            <a:fld id="{5BBA8621-CA6D-40BD-9925-665217A514B1}" type="slidenum">
               <a:t>&lt;#&gt;</a:t>
             </a:fld>
           </a:p>
@@ -1481,7 +1436,7 @@
             <a:spLocks noGrp="1"/>
           </p:cNvSpPr>
           <p:nvPr>
-            <p:ph type="dt" idx="4"/>
+            <p:ph type="dt" idx="6"/>
           </p:nvPr>
         </p:nvSpPr>
         <p:spPr/>
@@ -1529,8 +1484,8 @@
         </p:nvSpPr>
         <p:spPr>
           <a:xfrm>
-            <a:off x="1605960" y="964800"/>
-            <a:ext cx="5937480" cy="1188360"/>
+            <a:off x="457200" y="273600"/>
+            <a:ext cx="8229240" cy="1144800"/>
           </a:xfrm>
           <a:prstGeom prst="rect">
             <a:avLst/>
@@ -1545,11 +1500,11 @@
             <a:noAutofit/>
           </a:bodyPr>
           <a:p>
-            <a:endParaRPr b="0" lang="en-US" sz="1800" spc="-1" strike="noStrike">
-              <a:solidFill>
-                <a:srgbClr val="000000"/>
-              </a:solidFill>
-              <a:latin typeface="Gill Sans MT"/>
+            <a:pPr algn="ctr">
+              <a:buNone/>
+            </a:pPr>
+            <a:endParaRPr b="0" lang="en-US" sz="4400" spc="-1" strike="noStrike">
+              <a:latin typeface="Arial"/>
             </a:endParaRPr>
           </a:p>
         </p:txBody>
@@ -1561,7 +1516,7 @@
             <a:spLocks noGrp="1"/>
           </p:cNvSpPr>
           <p:nvPr>
-            <p:ph type="ftr" idx="5"/>
+            <p:ph type="ftr" idx="4"/>
           </p:nvPr>
         </p:nvSpPr>
         <p:spPr/>
@@ -1581,14 +1536,14 @@
             <a:spLocks noGrp="1"/>
           </p:cNvSpPr>
           <p:nvPr>
-            <p:ph type="sldNum" idx="6"/>
+            <p:ph type="sldNum" idx="5"/>
           </p:nvPr>
         </p:nvSpPr>
         <p:spPr/>
         <p:txBody>
           <a:bodyPr/>
           <a:p>
-            <a:fld id="{77FA039F-0A0E-49F7-8B80-DA5BFCD6E19A}" type="slidenum">
+            <a:fld id="{506F167A-F19E-441F-8A7A-A05BBD307145}" type="slidenum">
               <a:t>&lt;#&gt;</a:t>
             </a:fld>
           </a:p>
@@ -1601,7 +1556,7 @@
             <a:spLocks noGrp="1"/>
           </p:cNvSpPr>
           <p:nvPr>
-            <p:ph type="dt" idx="4"/>
+            <p:ph type="dt" idx="6"/>
           </p:nvPr>
         </p:nvSpPr>
         <p:spPr/>
@@ -1649,8 +1604,8 @@
         </p:nvSpPr>
         <p:spPr>
           <a:xfrm>
-            <a:off x="1605960" y="964800"/>
-            <a:ext cx="5937480" cy="5509800"/>
+            <a:off x="457200" y="273600"/>
+            <a:ext cx="8229240" cy="5307840"/>
           </a:xfrm>
           <a:prstGeom prst="rect">
             <a:avLst/>
@@ -1681,7 +1636,7 @@
             <a:spLocks noGrp="1"/>
           </p:cNvSpPr>
           <p:nvPr>
-            <p:ph type="ftr" idx="5"/>
+            <p:ph type="ftr" idx="4"/>
           </p:nvPr>
         </p:nvSpPr>
         <p:spPr/>
@@ -1701,14 +1656,14 @@
             <a:spLocks noGrp="1"/>
           </p:cNvSpPr>
           <p:nvPr>
-            <p:ph type="sldNum" idx="6"/>
+            <p:ph type="sldNum" idx="5"/>
           </p:nvPr>
         </p:nvSpPr>
         <p:spPr/>
         <p:txBody>
           <a:bodyPr/>
           <a:p>
-            <a:fld id="{CFB74648-0492-4C1F-BAF2-23D614884EE8}" type="slidenum">
+            <a:fld id="{D66977B7-956C-4896-9667-6E7A035C4975}" type="slidenum">
               <a:t>&lt;#&gt;</a:t>
             </a:fld>
           </a:p>
@@ -1721,7 +1676,7 @@
             <a:spLocks noGrp="1"/>
           </p:cNvSpPr>
           <p:nvPr>
-            <p:ph type="dt" idx="4"/>
+            <p:ph type="dt" idx="6"/>
           </p:nvPr>
         </p:nvSpPr>
         <p:spPr/>
@@ -1769,8 +1724,8 @@
         </p:nvSpPr>
         <p:spPr>
           <a:xfrm>
-            <a:off x="1605960" y="964800"/>
-            <a:ext cx="5937480" cy="1188360"/>
+            <a:off x="457200" y="273600"/>
+            <a:ext cx="8229240" cy="1144800"/>
           </a:xfrm>
           <a:prstGeom prst="rect">
             <a:avLst/>
@@ -1785,11 +1740,11 @@
             <a:noAutofit/>
           </a:bodyPr>
           <a:p>
-            <a:endParaRPr b="0" lang="en-US" sz="1800" spc="-1" strike="noStrike">
-              <a:solidFill>
-                <a:srgbClr val="000000"/>
-              </a:solidFill>
-              <a:latin typeface="Gill Sans MT"/>
+            <a:pPr algn="ctr">
+              <a:buNone/>
+            </a:pPr>
+            <a:endParaRPr b="0" lang="en-US" sz="4400" spc="-1" strike="noStrike">
+              <a:latin typeface="Arial"/>
             </a:endParaRPr>
           </a:p>
         </p:txBody>
@@ -1806,8 +1761,8 @@
         </p:nvSpPr>
         <p:spPr>
           <a:xfrm>
-            <a:off x="1605960" y="2638080"/>
-            <a:ext cx="2897280" cy="1479240"/>
+            <a:off x="457200" y="1604520"/>
+            <a:ext cx="4015800" cy="1896840"/>
           </a:xfrm>
           <a:prstGeom prst="rect">
             <a:avLst/>
@@ -1822,11 +1777,8 @@
             <a:normAutofit/>
           </a:bodyPr>
           <a:p>
-            <a:endParaRPr b="0" lang="en-US" sz="1800" spc="-1" strike="noStrike">
-              <a:solidFill>
-                <a:srgbClr val="262626"/>
-              </a:solidFill>
-              <a:latin typeface="Gill Sans MT"/>
+            <a:endParaRPr b="0" lang="en-US" sz="3200" spc="-1" strike="noStrike">
+              <a:latin typeface="Arial"/>
             </a:endParaRPr>
           </a:p>
         </p:txBody>
@@ -1843,8 +1795,8 @@
         </p:nvSpPr>
         <p:spPr>
           <a:xfrm>
-            <a:off x="4648320" y="2638080"/>
-            <a:ext cx="2897280" cy="3101760"/>
+            <a:off x="4674240" y="1604520"/>
+            <a:ext cx="4015800" cy="3977280"/>
           </a:xfrm>
           <a:prstGeom prst="rect">
             <a:avLst/>
@@ -1859,11 +1811,8 @@
             <a:normAutofit/>
           </a:bodyPr>
           <a:p>
-            <a:endParaRPr b="0" lang="en-US" sz="1800" spc="-1" strike="noStrike">
-              <a:solidFill>
-                <a:srgbClr val="262626"/>
-              </a:solidFill>
-              <a:latin typeface="Gill Sans MT"/>
+            <a:endParaRPr b="0" lang="en-US" sz="3200" spc="-1" strike="noStrike">
+              <a:latin typeface="Arial"/>
             </a:endParaRPr>
           </a:p>
         </p:txBody>
@@ -1880,8 +1829,8 @@
         </p:nvSpPr>
         <p:spPr>
           <a:xfrm>
-            <a:off x="1605960" y="4258080"/>
-            <a:ext cx="2897280" cy="1479240"/>
+            <a:off x="457200" y="3682080"/>
+            <a:ext cx="4015800" cy="1896840"/>
           </a:xfrm>
           <a:prstGeom prst="rect">
             <a:avLst/>
@@ -1896,11 +1845,8 @@
             <a:normAutofit/>
           </a:bodyPr>
           <a:p>
-            <a:endParaRPr b="0" lang="en-US" sz="1800" spc="-1" strike="noStrike">
-              <a:solidFill>
-                <a:srgbClr val="262626"/>
-              </a:solidFill>
-              <a:latin typeface="Gill Sans MT"/>
+            <a:endParaRPr b="0" lang="en-US" sz="3200" spc="-1" strike="noStrike">
+              <a:latin typeface="Arial"/>
             </a:endParaRPr>
           </a:p>
         </p:txBody>
@@ -1912,7 +1858,7 @@
             <a:spLocks noGrp="1"/>
           </p:cNvSpPr>
           <p:nvPr>
-            <p:ph type="ftr" idx="5"/>
+            <p:ph type="ftr" idx="4"/>
           </p:nvPr>
         </p:nvSpPr>
         <p:spPr/>
@@ -1932,14 +1878,14 @@
             <a:spLocks noGrp="1"/>
           </p:cNvSpPr>
           <p:nvPr>
-            <p:ph type="sldNum" idx="6"/>
+            <p:ph type="sldNum" idx="5"/>
           </p:nvPr>
         </p:nvSpPr>
         <p:spPr/>
         <p:txBody>
           <a:bodyPr/>
           <a:p>
-            <a:fld id="{8E0DC14D-B851-46FD-8BFE-0C9577B6E88E}" type="slidenum">
+            <a:fld id="{0415AD45-7057-45CC-B769-1B4CFAEFEDFA}" type="slidenum">
               <a:t>&lt;#&gt;</a:t>
             </a:fld>
           </a:p>
@@ -1952,7 +1898,7 @@
             <a:spLocks noGrp="1"/>
           </p:cNvSpPr>
           <p:nvPr>
-            <p:ph type="dt" idx="4"/>
+            <p:ph type="dt" idx="6"/>
           </p:nvPr>
         </p:nvSpPr>
         <p:spPr/>
@@ -2000,8 +1946,8 @@
         </p:nvSpPr>
         <p:spPr>
           <a:xfrm>
-            <a:off x="1605960" y="964800"/>
-            <a:ext cx="5937480" cy="1188360"/>
+            <a:off x="457200" y="273600"/>
+            <a:ext cx="8229240" cy="1144800"/>
           </a:xfrm>
           <a:prstGeom prst="rect">
             <a:avLst/>
@@ -2016,11 +1962,11 @@
             <a:noAutofit/>
           </a:bodyPr>
           <a:p>
-            <a:endParaRPr b="0" lang="en-US" sz="1800" spc="-1" strike="noStrike">
-              <a:solidFill>
-                <a:srgbClr val="000000"/>
-              </a:solidFill>
-              <a:latin typeface="Gill Sans MT"/>
+            <a:pPr algn="ctr">
+              <a:buNone/>
+            </a:pPr>
+            <a:endParaRPr b="0" lang="en-US" sz="4400" spc="-1" strike="noStrike">
+              <a:latin typeface="Arial"/>
             </a:endParaRPr>
           </a:p>
         </p:txBody>
@@ -2037,8 +1983,8 @@
         </p:nvSpPr>
         <p:spPr>
           <a:xfrm>
-            <a:off x="1605960" y="2638080"/>
-            <a:ext cx="5937480" cy="3101760"/>
+            <a:off x="457200" y="1604520"/>
+            <a:ext cx="8229240" cy="3977280"/>
           </a:xfrm>
           <a:prstGeom prst="rect">
             <a:avLst/>
@@ -2069,7 +2015,7 @@
             <a:spLocks noGrp="1"/>
           </p:cNvSpPr>
           <p:nvPr>
-            <p:ph type="ftr" idx="2"/>
+            <p:ph type="ftr" idx="1"/>
           </p:nvPr>
         </p:nvSpPr>
         <p:spPr/>
@@ -2089,14 +2035,14 @@
             <a:spLocks noGrp="1"/>
           </p:cNvSpPr>
           <p:nvPr>
-            <p:ph type="sldNum" idx="3"/>
+            <p:ph type="sldNum" idx="2"/>
           </p:nvPr>
         </p:nvSpPr>
         <p:spPr/>
         <p:txBody>
           <a:bodyPr/>
           <a:p>
-            <a:fld id="{4556DB1E-A130-4162-90F9-F4D8A9723642}" type="slidenum">
+            <a:fld id="{B095AEBF-5B2A-46BB-A3EA-C92CB3849C63}" type="slidenum">
               <a:t>&lt;#&gt;</a:t>
             </a:fld>
           </a:p>
@@ -2109,7 +2055,7 @@
             <a:spLocks noGrp="1"/>
           </p:cNvSpPr>
           <p:nvPr>
-            <p:ph type="dt" idx="1"/>
+            <p:ph type="dt" idx="3"/>
           </p:nvPr>
         </p:nvSpPr>
         <p:spPr/>
@@ -2157,8 +2103,8 @@
         </p:nvSpPr>
         <p:spPr>
           <a:xfrm>
-            <a:off x="1605960" y="964800"/>
-            <a:ext cx="5937480" cy="1188360"/>
+            <a:off x="457200" y="273600"/>
+            <a:ext cx="8229240" cy="1144800"/>
           </a:xfrm>
           <a:prstGeom prst="rect">
             <a:avLst/>
@@ -2173,11 +2119,11 @@
             <a:noAutofit/>
           </a:bodyPr>
           <a:p>
-            <a:endParaRPr b="0" lang="en-US" sz="1800" spc="-1" strike="noStrike">
-              <a:solidFill>
-                <a:srgbClr val="000000"/>
-              </a:solidFill>
-              <a:latin typeface="Gill Sans MT"/>
+            <a:pPr algn="ctr">
+              <a:buNone/>
+            </a:pPr>
+            <a:endParaRPr b="0" lang="en-US" sz="4400" spc="-1" strike="noStrike">
+              <a:latin typeface="Arial"/>
             </a:endParaRPr>
           </a:p>
         </p:txBody>
@@ -2194,8 +2140,8 @@
         </p:nvSpPr>
         <p:spPr>
           <a:xfrm>
-            <a:off x="1605960" y="2638080"/>
-            <a:ext cx="2897280" cy="3101760"/>
+            <a:off x="457200" y="1604520"/>
+            <a:ext cx="4015800" cy="3977280"/>
           </a:xfrm>
           <a:prstGeom prst="rect">
             <a:avLst/>
@@ -2210,11 +2156,8 @@
             <a:normAutofit/>
           </a:bodyPr>
           <a:p>
-            <a:endParaRPr b="0" lang="en-US" sz="1800" spc="-1" strike="noStrike">
-              <a:solidFill>
-                <a:srgbClr val="262626"/>
-              </a:solidFill>
-              <a:latin typeface="Gill Sans MT"/>
+            <a:endParaRPr b="0" lang="en-US" sz="3200" spc="-1" strike="noStrike">
+              <a:latin typeface="Arial"/>
             </a:endParaRPr>
           </a:p>
         </p:txBody>
@@ -2231,8 +2174,8 @@
         </p:nvSpPr>
         <p:spPr>
           <a:xfrm>
-            <a:off x="4648320" y="2638080"/>
-            <a:ext cx="2897280" cy="1479240"/>
+            <a:off x="4674240" y="1604520"/>
+            <a:ext cx="4015800" cy="1896840"/>
           </a:xfrm>
           <a:prstGeom prst="rect">
             <a:avLst/>
@@ -2247,11 +2190,8 @@
             <a:normAutofit/>
           </a:bodyPr>
           <a:p>
-            <a:endParaRPr b="0" lang="en-US" sz="1800" spc="-1" strike="noStrike">
-              <a:solidFill>
-                <a:srgbClr val="262626"/>
-              </a:solidFill>
-              <a:latin typeface="Gill Sans MT"/>
+            <a:endParaRPr b="0" lang="en-US" sz="3200" spc="-1" strike="noStrike">
+              <a:latin typeface="Arial"/>
             </a:endParaRPr>
           </a:p>
         </p:txBody>
@@ -2268,8 +2208,8 @@
         </p:nvSpPr>
         <p:spPr>
           <a:xfrm>
-            <a:off x="4648320" y="4258080"/>
-            <a:ext cx="2897280" cy="1479240"/>
+            <a:off x="4674240" y="3682080"/>
+            <a:ext cx="4015800" cy="1896840"/>
           </a:xfrm>
           <a:prstGeom prst="rect">
             <a:avLst/>
@@ -2284,11 +2224,8 @@
             <a:normAutofit/>
           </a:bodyPr>
           <a:p>
-            <a:endParaRPr b="0" lang="en-US" sz="1800" spc="-1" strike="noStrike">
-              <a:solidFill>
-                <a:srgbClr val="262626"/>
-              </a:solidFill>
-              <a:latin typeface="Gill Sans MT"/>
+            <a:endParaRPr b="0" lang="en-US" sz="3200" spc="-1" strike="noStrike">
+              <a:latin typeface="Arial"/>
             </a:endParaRPr>
           </a:p>
         </p:txBody>
@@ -2300,7 +2237,7 @@
             <a:spLocks noGrp="1"/>
           </p:cNvSpPr>
           <p:nvPr>
-            <p:ph type="ftr" idx="5"/>
+            <p:ph type="ftr" idx="4"/>
           </p:nvPr>
         </p:nvSpPr>
         <p:spPr/>
@@ -2320,14 +2257,14 @@
             <a:spLocks noGrp="1"/>
           </p:cNvSpPr>
           <p:nvPr>
-            <p:ph type="sldNum" idx="6"/>
+            <p:ph type="sldNum" idx="5"/>
           </p:nvPr>
         </p:nvSpPr>
         <p:spPr/>
         <p:txBody>
           <a:bodyPr/>
           <a:p>
-            <a:fld id="{CB56682A-F854-4E22-A0C3-4D2DD41DAE04}" type="slidenum">
+            <a:fld id="{D9B2C827-FA55-473A-BF0A-79519833F317}" type="slidenum">
               <a:t>&lt;#&gt;</a:t>
             </a:fld>
           </a:p>
@@ -2340,7 +2277,7 @@
             <a:spLocks noGrp="1"/>
           </p:cNvSpPr>
           <p:nvPr>
-            <p:ph type="dt" idx="4"/>
+            <p:ph type="dt" idx="6"/>
           </p:nvPr>
         </p:nvSpPr>
         <p:spPr/>
@@ -2388,8 +2325,8 @@
         </p:nvSpPr>
         <p:spPr>
           <a:xfrm>
-            <a:off x="1605960" y="964800"/>
-            <a:ext cx="5937480" cy="1188360"/>
+            <a:off x="457200" y="273600"/>
+            <a:ext cx="8229240" cy="1144800"/>
           </a:xfrm>
           <a:prstGeom prst="rect">
             <a:avLst/>
@@ -2404,11 +2341,11 @@
             <a:noAutofit/>
           </a:bodyPr>
           <a:p>
-            <a:endParaRPr b="0" lang="en-US" sz="1800" spc="-1" strike="noStrike">
-              <a:solidFill>
-                <a:srgbClr val="000000"/>
-              </a:solidFill>
-              <a:latin typeface="Gill Sans MT"/>
+            <a:pPr algn="ctr">
+              <a:buNone/>
+            </a:pPr>
+            <a:endParaRPr b="0" lang="en-US" sz="4400" spc="-1" strike="noStrike">
+              <a:latin typeface="Arial"/>
             </a:endParaRPr>
           </a:p>
         </p:txBody>
@@ -2425,8 +2362,8 @@
         </p:nvSpPr>
         <p:spPr>
           <a:xfrm>
-            <a:off x="1605960" y="2638080"/>
-            <a:ext cx="2897280" cy="1479240"/>
+            <a:off x="457200" y="1604520"/>
+            <a:ext cx="4015800" cy="1896840"/>
           </a:xfrm>
           <a:prstGeom prst="rect">
             <a:avLst/>
@@ -2441,11 +2378,8 @@
             <a:normAutofit/>
           </a:bodyPr>
           <a:p>
-            <a:endParaRPr b="0" lang="en-US" sz="1800" spc="-1" strike="noStrike">
-              <a:solidFill>
-                <a:srgbClr val="262626"/>
-              </a:solidFill>
-              <a:latin typeface="Gill Sans MT"/>
+            <a:endParaRPr b="0" lang="en-US" sz="3200" spc="-1" strike="noStrike">
+              <a:latin typeface="Arial"/>
             </a:endParaRPr>
           </a:p>
         </p:txBody>
@@ -2462,8 +2396,8 @@
         </p:nvSpPr>
         <p:spPr>
           <a:xfrm>
-            <a:off x="4648320" y="2638080"/>
-            <a:ext cx="2897280" cy="1479240"/>
+            <a:off x="4674240" y="1604520"/>
+            <a:ext cx="4015800" cy="1896840"/>
           </a:xfrm>
           <a:prstGeom prst="rect">
             <a:avLst/>
@@ -2478,11 +2412,8 @@
             <a:normAutofit/>
           </a:bodyPr>
           <a:p>
-            <a:endParaRPr b="0" lang="en-US" sz="1800" spc="-1" strike="noStrike">
-              <a:solidFill>
-                <a:srgbClr val="262626"/>
-              </a:solidFill>
-              <a:latin typeface="Gill Sans MT"/>
+            <a:endParaRPr b="0" lang="en-US" sz="3200" spc="-1" strike="noStrike">
+              <a:latin typeface="Arial"/>
             </a:endParaRPr>
           </a:p>
         </p:txBody>
@@ -2499,8 +2430,8 @@
         </p:nvSpPr>
         <p:spPr>
           <a:xfrm>
-            <a:off x="1605960" y="4258080"/>
-            <a:ext cx="5937480" cy="1479240"/>
+            <a:off x="457200" y="3682080"/>
+            <a:ext cx="8229240" cy="1896840"/>
           </a:xfrm>
           <a:prstGeom prst="rect">
             <a:avLst/>
@@ -2515,11 +2446,8 @@
             <a:normAutofit/>
           </a:bodyPr>
           <a:p>
-            <a:endParaRPr b="0" lang="en-US" sz="1800" spc="-1" strike="noStrike">
-              <a:solidFill>
-                <a:srgbClr val="262626"/>
-              </a:solidFill>
-              <a:latin typeface="Gill Sans MT"/>
+            <a:endParaRPr b="0" lang="en-US" sz="3200" spc="-1" strike="noStrike">
+              <a:latin typeface="Arial"/>
             </a:endParaRPr>
           </a:p>
         </p:txBody>
@@ -2531,7 +2459,7 @@
             <a:spLocks noGrp="1"/>
           </p:cNvSpPr>
           <p:nvPr>
-            <p:ph type="ftr" idx="5"/>
+            <p:ph type="ftr" idx="4"/>
           </p:nvPr>
         </p:nvSpPr>
         <p:spPr/>
@@ -2551,14 +2479,14 @@
             <a:spLocks noGrp="1"/>
           </p:cNvSpPr>
           <p:nvPr>
-            <p:ph type="sldNum" idx="6"/>
+            <p:ph type="sldNum" idx="5"/>
           </p:nvPr>
         </p:nvSpPr>
         <p:spPr/>
         <p:txBody>
           <a:bodyPr/>
           <a:p>
-            <a:fld id="{19C3BA3E-D81E-4979-85B5-6929C10DA54A}" type="slidenum">
+            <a:fld id="{254669D6-E01F-41F0-83F3-C7356E8CA4B0}" type="slidenum">
               <a:t>&lt;#&gt;</a:t>
             </a:fld>
           </a:p>
@@ -2571,7 +2499,7 @@
             <a:spLocks noGrp="1"/>
           </p:cNvSpPr>
           <p:nvPr>
-            <p:ph type="dt" idx="4"/>
+            <p:ph type="dt" idx="6"/>
           </p:nvPr>
         </p:nvSpPr>
         <p:spPr/>
@@ -2619,8 +2547,8 @@
         </p:nvSpPr>
         <p:spPr>
           <a:xfrm>
-            <a:off x="1605960" y="964800"/>
-            <a:ext cx="5937480" cy="1188360"/>
+            <a:off x="457200" y="273600"/>
+            <a:ext cx="8229240" cy="1144800"/>
           </a:xfrm>
           <a:prstGeom prst="rect">
             <a:avLst/>
@@ -2635,11 +2563,11 @@
             <a:noAutofit/>
           </a:bodyPr>
           <a:p>
-            <a:endParaRPr b="0" lang="en-US" sz="1800" spc="-1" strike="noStrike">
-              <a:solidFill>
-                <a:srgbClr val="000000"/>
-              </a:solidFill>
-              <a:latin typeface="Gill Sans MT"/>
+            <a:pPr algn="ctr">
+              <a:buNone/>
+            </a:pPr>
+            <a:endParaRPr b="0" lang="en-US" sz="4400" spc="-1" strike="noStrike">
+              <a:latin typeface="Arial"/>
             </a:endParaRPr>
           </a:p>
         </p:txBody>
@@ -2656,8 +2584,8 @@
         </p:nvSpPr>
         <p:spPr>
           <a:xfrm>
-            <a:off x="1605960" y="2638080"/>
-            <a:ext cx="5937480" cy="1479240"/>
+            <a:off x="457200" y="1604520"/>
+            <a:ext cx="8229240" cy="1896840"/>
           </a:xfrm>
           <a:prstGeom prst="rect">
             <a:avLst/>
@@ -2672,11 +2600,8 @@
             <a:normAutofit/>
           </a:bodyPr>
           <a:p>
-            <a:endParaRPr b="0" lang="en-US" sz="1800" spc="-1" strike="noStrike">
-              <a:solidFill>
-                <a:srgbClr val="262626"/>
-              </a:solidFill>
-              <a:latin typeface="Gill Sans MT"/>
+            <a:endParaRPr b="0" lang="en-US" sz="3200" spc="-1" strike="noStrike">
+              <a:latin typeface="Arial"/>
             </a:endParaRPr>
           </a:p>
         </p:txBody>
@@ -2693,8 +2618,8 @@
         </p:nvSpPr>
         <p:spPr>
           <a:xfrm>
-            <a:off x="1605960" y="4258080"/>
-            <a:ext cx="5937480" cy="1479240"/>
+            <a:off x="457200" y="3682080"/>
+            <a:ext cx="8229240" cy="1896840"/>
           </a:xfrm>
           <a:prstGeom prst="rect">
             <a:avLst/>
@@ -2709,11 +2634,8 @@
             <a:normAutofit/>
           </a:bodyPr>
           <a:p>
-            <a:endParaRPr b="0" lang="en-US" sz="1800" spc="-1" strike="noStrike">
-              <a:solidFill>
-                <a:srgbClr val="262626"/>
-              </a:solidFill>
-              <a:latin typeface="Gill Sans MT"/>
+            <a:endParaRPr b="0" lang="en-US" sz="3200" spc="-1" strike="noStrike">
+              <a:latin typeface="Arial"/>
             </a:endParaRPr>
           </a:p>
         </p:txBody>
@@ -2725,7 +2647,7 @@
             <a:spLocks noGrp="1"/>
           </p:cNvSpPr>
           <p:nvPr>
-            <p:ph type="ftr" idx="5"/>
+            <p:ph type="ftr" idx="4"/>
           </p:nvPr>
         </p:nvSpPr>
         <p:spPr/>
@@ -2745,14 +2667,14 @@
             <a:spLocks noGrp="1"/>
           </p:cNvSpPr>
           <p:nvPr>
-            <p:ph type="sldNum" idx="6"/>
+            <p:ph type="sldNum" idx="5"/>
           </p:nvPr>
         </p:nvSpPr>
         <p:spPr/>
         <p:txBody>
           <a:bodyPr/>
           <a:p>
-            <a:fld id="{E90CF08A-AB21-4C01-9DE2-22FC1DE2D6A4}" type="slidenum">
+            <a:fld id="{A53C3F32-93B4-4B12-B6AC-B2AD533F7B53}" type="slidenum">
               <a:t>&lt;#&gt;</a:t>
             </a:fld>
           </a:p>
@@ -2765,7 +2687,7 @@
             <a:spLocks noGrp="1"/>
           </p:cNvSpPr>
           <p:nvPr>
-            <p:ph type="dt" idx="4"/>
+            <p:ph type="dt" idx="6"/>
           </p:nvPr>
         </p:nvSpPr>
         <p:spPr/>
@@ -2813,8 +2735,8 @@
         </p:nvSpPr>
         <p:spPr>
           <a:xfrm>
-            <a:off x="1605960" y="964800"/>
-            <a:ext cx="5937480" cy="1188360"/>
+            <a:off x="457200" y="273600"/>
+            <a:ext cx="8229240" cy="1144800"/>
           </a:xfrm>
           <a:prstGeom prst="rect">
             <a:avLst/>
@@ -2829,11 +2751,11 @@
             <a:noAutofit/>
           </a:bodyPr>
           <a:p>
-            <a:endParaRPr b="0" lang="en-US" sz="1800" spc="-1" strike="noStrike">
-              <a:solidFill>
-                <a:srgbClr val="000000"/>
-              </a:solidFill>
-              <a:latin typeface="Gill Sans MT"/>
+            <a:pPr algn="ctr">
+              <a:buNone/>
+            </a:pPr>
+            <a:endParaRPr b="0" lang="en-US" sz="4400" spc="-1" strike="noStrike">
+              <a:latin typeface="Arial"/>
             </a:endParaRPr>
           </a:p>
         </p:txBody>
@@ -2850,8 +2772,8 @@
         </p:nvSpPr>
         <p:spPr>
           <a:xfrm>
-            <a:off x="1605960" y="2638080"/>
-            <a:ext cx="2897280" cy="1479240"/>
+            <a:off x="457200" y="1604520"/>
+            <a:ext cx="4015800" cy="1896840"/>
           </a:xfrm>
           <a:prstGeom prst="rect">
             <a:avLst/>
@@ -2866,11 +2788,8 @@
             <a:normAutofit/>
           </a:bodyPr>
           <a:p>
-            <a:endParaRPr b="0" lang="en-US" sz="1800" spc="-1" strike="noStrike">
-              <a:solidFill>
-                <a:srgbClr val="262626"/>
-              </a:solidFill>
-              <a:latin typeface="Gill Sans MT"/>
+            <a:endParaRPr b="0" lang="en-US" sz="3200" spc="-1" strike="noStrike">
+              <a:latin typeface="Arial"/>
             </a:endParaRPr>
           </a:p>
         </p:txBody>
@@ -2887,8 +2806,8 @@
         </p:nvSpPr>
         <p:spPr>
           <a:xfrm>
-            <a:off x="4648320" y="2638080"/>
-            <a:ext cx="2897280" cy="1479240"/>
+            <a:off x="4674240" y="1604520"/>
+            <a:ext cx="4015800" cy="1896840"/>
           </a:xfrm>
           <a:prstGeom prst="rect">
             <a:avLst/>
@@ -2903,11 +2822,8 @@
             <a:normAutofit/>
           </a:bodyPr>
           <a:p>
-            <a:endParaRPr b="0" lang="en-US" sz="1800" spc="-1" strike="noStrike">
-              <a:solidFill>
-                <a:srgbClr val="262626"/>
-              </a:solidFill>
-              <a:latin typeface="Gill Sans MT"/>
+            <a:endParaRPr b="0" lang="en-US" sz="3200" spc="-1" strike="noStrike">
+              <a:latin typeface="Arial"/>
             </a:endParaRPr>
           </a:p>
         </p:txBody>
@@ -2924,8 +2840,8 @@
         </p:nvSpPr>
         <p:spPr>
           <a:xfrm>
-            <a:off x="1605960" y="4258080"/>
-            <a:ext cx="2897280" cy="1479240"/>
+            <a:off x="457200" y="3682080"/>
+            <a:ext cx="4015800" cy="1896840"/>
           </a:xfrm>
           <a:prstGeom prst="rect">
             <a:avLst/>
@@ -2940,11 +2856,8 @@
             <a:normAutofit/>
           </a:bodyPr>
           <a:p>
-            <a:endParaRPr b="0" lang="en-US" sz="1800" spc="-1" strike="noStrike">
-              <a:solidFill>
-                <a:srgbClr val="262626"/>
-              </a:solidFill>
-              <a:latin typeface="Gill Sans MT"/>
+            <a:endParaRPr b="0" lang="en-US" sz="3200" spc="-1" strike="noStrike">
+              <a:latin typeface="Arial"/>
             </a:endParaRPr>
           </a:p>
         </p:txBody>
@@ -2961,8 +2874,8 @@
         </p:nvSpPr>
         <p:spPr>
           <a:xfrm>
-            <a:off x="4648320" y="4258080"/>
-            <a:ext cx="2897280" cy="1479240"/>
+            <a:off x="4674240" y="3682080"/>
+            <a:ext cx="4015800" cy="1896840"/>
           </a:xfrm>
           <a:prstGeom prst="rect">
             <a:avLst/>
@@ -2977,11 +2890,8 @@
             <a:normAutofit/>
           </a:bodyPr>
           <a:p>
-            <a:endParaRPr b="0" lang="en-US" sz="1800" spc="-1" strike="noStrike">
-              <a:solidFill>
-                <a:srgbClr val="262626"/>
-              </a:solidFill>
-              <a:latin typeface="Gill Sans MT"/>
+            <a:endParaRPr b="0" lang="en-US" sz="3200" spc="-1" strike="noStrike">
+              <a:latin typeface="Arial"/>
             </a:endParaRPr>
           </a:p>
         </p:txBody>
@@ -2993,7 +2903,7 @@
             <a:spLocks noGrp="1"/>
           </p:cNvSpPr>
           <p:nvPr>
-            <p:ph type="ftr" idx="5"/>
+            <p:ph type="ftr" idx="4"/>
           </p:nvPr>
         </p:nvSpPr>
         <p:spPr/>
@@ -3013,14 +2923,14 @@
             <a:spLocks noGrp="1"/>
           </p:cNvSpPr>
           <p:nvPr>
-            <p:ph type="sldNum" idx="6"/>
+            <p:ph type="sldNum" idx="5"/>
           </p:nvPr>
         </p:nvSpPr>
         <p:spPr/>
         <p:txBody>
           <a:bodyPr/>
           <a:p>
-            <a:fld id="{E0B203E9-9C3C-4C73-9A16-47C0D914CCEF}" type="slidenum">
+            <a:fld id="{24666EF4-1C8C-45E9-9E45-4B4D1DFC131C}" type="slidenum">
               <a:t>&lt;#&gt;</a:t>
             </a:fld>
           </a:p>
@@ -3033,7 +2943,7 @@
             <a:spLocks noGrp="1"/>
           </p:cNvSpPr>
           <p:nvPr>
-            <p:ph type="dt" idx="4"/>
+            <p:ph type="dt" idx="6"/>
           </p:nvPr>
         </p:nvSpPr>
         <p:spPr/>
@@ -3081,8 +2991,8 @@
         </p:nvSpPr>
         <p:spPr>
           <a:xfrm>
-            <a:off x="1605960" y="964800"/>
-            <a:ext cx="5937480" cy="1188360"/>
+            <a:off x="457200" y="273600"/>
+            <a:ext cx="8229240" cy="1144800"/>
           </a:xfrm>
           <a:prstGeom prst="rect">
             <a:avLst/>
@@ -3097,11 +3007,11 @@
             <a:noAutofit/>
           </a:bodyPr>
           <a:p>
-            <a:endParaRPr b="0" lang="en-US" sz="1800" spc="-1" strike="noStrike">
-              <a:solidFill>
-                <a:srgbClr val="000000"/>
-              </a:solidFill>
-              <a:latin typeface="Gill Sans MT"/>
+            <a:pPr algn="ctr">
+              <a:buNone/>
+            </a:pPr>
+            <a:endParaRPr b="0" lang="en-US" sz="4400" spc="-1" strike="noStrike">
+              <a:latin typeface="Arial"/>
             </a:endParaRPr>
           </a:p>
         </p:txBody>
@@ -3118,8 +3028,8 @@
         </p:nvSpPr>
         <p:spPr>
           <a:xfrm>
-            <a:off x="1605960" y="2638080"/>
-            <a:ext cx="1911600" cy="1479240"/>
+            <a:off x="457200" y="1604520"/>
+            <a:ext cx="2649600" cy="1896840"/>
           </a:xfrm>
           <a:prstGeom prst="rect">
             <a:avLst/>
@@ -3134,11 +3044,8 @@
             <a:normAutofit/>
           </a:bodyPr>
           <a:p>
-            <a:endParaRPr b="0" lang="en-US" sz="1800" spc="-1" strike="noStrike">
-              <a:solidFill>
-                <a:srgbClr val="262626"/>
-              </a:solidFill>
-              <a:latin typeface="Gill Sans MT"/>
+            <a:endParaRPr b="0" lang="en-US" sz="3200" spc="-1" strike="noStrike">
+              <a:latin typeface="Arial"/>
             </a:endParaRPr>
           </a:p>
         </p:txBody>
@@ -3155,8 +3062,8 @@
         </p:nvSpPr>
         <p:spPr>
           <a:xfrm>
-            <a:off x="3613680" y="2638080"/>
-            <a:ext cx="1911600" cy="1479240"/>
+            <a:off x="3239640" y="1604520"/>
+            <a:ext cx="2649600" cy="1896840"/>
           </a:xfrm>
           <a:prstGeom prst="rect">
             <a:avLst/>
@@ -3171,11 +3078,8 @@
             <a:normAutofit/>
           </a:bodyPr>
           <a:p>
-            <a:endParaRPr b="0" lang="en-US" sz="1800" spc="-1" strike="noStrike">
-              <a:solidFill>
-                <a:srgbClr val="262626"/>
-              </a:solidFill>
-              <a:latin typeface="Gill Sans MT"/>
+            <a:endParaRPr b="0" lang="en-US" sz="3200" spc="-1" strike="noStrike">
+              <a:latin typeface="Arial"/>
             </a:endParaRPr>
           </a:p>
         </p:txBody>
@@ -3192,8 +3096,8 @@
         </p:nvSpPr>
         <p:spPr>
           <a:xfrm>
-            <a:off x="5621040" y="2638080"/>
-            <a:ext cx="1911600" cy="1479240"/>
+            <a:off x="6022080" y="1604520"/>
+            <a:ext cx="2649600" cy="1896840"/>
           </a:xfrm>
           <a:prstGeom prst="rect">
             <a:avLst/>
@@ -3208,11 +3112,8 @@
             <a:normAutofit/>
           </a:bodyPr>
           <a:p>
-            <a:endParaRPr b="0" lang="en-US" sz="1800" spc="-1" strike="noStrike">
-              <a:solidFill>
-                <a:srgbClr val="262626"/>
-              </a:solidFill>
-              <a:latin typeface="Gill Sans MT"/>
+            <a:endParaRPr b="0" lang="en-US" sz="3200" spc="-1" strike="noStrike">
+              <a:latin typeface="Arial"/>
             </a:endParaRPr>
           </a:p>
         </p:txBody>
@@ -3229,8 +3130,8 @@
         </p:nvSpPr>
         <p:spPr>
           <a:xfrm>
-            <a:off x="1605960" y="4258080"/>
-            <a:ext cx="1911600" cy="1479240"/>
+            <a:off x="457200" y="3682080"/>
+            <a:ext cx="2649600" cy="1896840"/>
           </a:xfrm>
           <a:prstGeom prst="rect">
             <a:avLst/>
@@ -3245,11 +3146,8 @@
             <a:normAutofit/>
           </a:bodyPr>
           <a:p>
-            <a:endParaRPr b="0" lang="en-US" sz="1800" spc="-1" strike="noStrike">
-              <a:solidFill>
-                <a:srgbClr val="262626"/>
-              </a:solidFill>
-              <a:latin typeface="Gill Sans MT"/>
+            <a:endParaRPr b="0" lang="en-US" sz="3200" spc="-1" strike="noStrike">
+              <a:latin typeface="Arial"/>
             </a:endParaRPr>
           </a:p>
         </p:txBody>
@@ -3266,8 +3164,8 @@
         </p:nvSpPr>
         <p:spPr>
           <a:xfrm>
-            <a:off x="3613680" y="4258080"/>
-            <a:ext cx="1911600" cy="1479240"/>
+            <a:off x="3239640" y="3682080"/>
+            <a:ext cx="2649600" cy="1896840"/>
           </a:xfrm>
           <a:prstGeom prst="rect">
             <a:avLst/>
@@ -3282,11 +3180,8 @@
             <a:normAutofit/>
           </a:bodyPr>
           <a:p>
-            <a:endParaRPr b="0" lang="en-US" sz="1800" spc="-1" strike="noStrike">
-              <a:solidFill>
-                <a:srgbClr val="262626"/>
-              </a:solidFill>
-              <a:latin typeface="Gill Sans MT"/>
+            <a:endParaRPr b="0" lang="en-US" sz="3200" spc="-1" strike="noStrike">
+              <a:latin typeface="Arial"/>
             </a:endParaRPr>
           </a:p>
         </p:txBody>
@@ -3303,8 +3198,8 @@
         </p:nvSpPr>
         <p:spPr>
           <a:xfrm>
-            <a:off x="5621040" y="4258080"/>
-            <a:ext cx="1911600" cy="1479240"/>
+            <a:off x="6022080" y="3682080"/>
+            <a:ext cx="2649600" cy="1896840"/>
           </a:xfrm>
           <a:prstGeom prst="rect">
             <a:avLst/>
@@ -3319,11 +3214,8 @@
             <a:normAutofit/>
           </a:bodyPr>
           <a:p>
-            <a:endParaRPr b="0" lang="en-US" sz="1800" spc="-1" strike="noStrike">
-              <a:solidFill>
-                <a:srgbClr val="262626"/>
-              </a:solidFill>
-              <a:latin typeface="Gill Sans MT"/>
+            <a:endParaRPr b="0" lang="en-US" sz="3200" spc="-1" strike="noStrike">
+              <a:latin typeface="Arial"/>
             </a:endParaRPr>
           </a:p>
         </p:txBody>
@@ -3335,7 +3227,7 @@
             <a:spLocks noGrp="1"/>
           </p:cNvSpPr>
           <p:nvPr>
-            <p:ph type="ftr" idx="5"/>
+            <p:ph type="ftr" idx="4"/>
           </p:nvPr>
         </p:nvSpPr>
         <p:spPr/>
@@ -3355,14 +3247,14 @@
             <a:spLocks noGrp="1"/>
           </p:cNvSpPr>
           <p:nvPr>
-            <p:ph type="sldNum" idx="6"/>
+            <p:ph type="sldNum" idx="5"/>
           </p:nvPr>
         </p:nvSpPr>
         <p:spPr/>
         <p:txBody>
           <a:bodyPr/>
           <a:p>
-            <a:fld id="{57867130-782B-4C76-8EAC-5AA82BE2DE9A}" type="slidenum">
+            <a:fld id="{BF0740EF-E4D6-421E-8FCF-B8832848626F}" type="slidenum">
               <a:t>&lt;#&gt;</a:t>
             </a:fld>
           </a:p>
@@ -3375,7 +3267,7 @@
             <a:spLocks noGrp="1"/>
           </p:cNvSpPr>
           <p:nvPr>
-            <p:ph type="dt" idx="4"/>
+            <p:ph type="dt" idx="6"/>
           </p:nvPr>
         </p:nvSpPr>
         <p:spPr/>
@@ -3418,7 +3310,7 @@
             <a:spLocks noGrp="1"/>
           </p:cNvSpPr>
           <p:nvPr>
-            <p:ph type="ftr" idx="8"/>
+            <p:ph type="ftr" idx="7"/>
           </p:nvPr>
         </p:nvSpPr>
         <p:spPr/>
@@ -3438,14 +3330,14 @@
             <a:spLocks noGrp="1"/>
           </p:cNvSpPr>
           <p:nvPr>
-            <p:ph type="sldNum" idx="9"/>
+            <p:ph type="sldNum" idx="8"/>
           </p:nvPr>
         </p:nvSpPr>
         <p:spPr/>
         <p:txBody>
           <a:bodyPr/>
           <a:p>
-            <a:fld id="{13D805AC-B000-4FAE-9DC3-F3AA05E06A19}" type="slidenum">
+            <a:fld id="{77527309-6249-48A7-994C-AC23A704272B}" type="slidenum">
               <a:t>&lt;#&gt;</a:t>
             </a:fld>
           </a:p>
@@ -3458,7 +3350,7 @@
             <a:spLocks noGrp="1"/>
           </p:cNvSpPr>
           <p:nvPr>
-            <p:ph type="dt" idx="7"/>
+            <p:ph type="dt" idx="9"/>
           </p:nvPr>
         </p:nvSpPr>
         <p:spPr/>
@@ -3506,8 +3398,8 @@
         </p:nvSpPr>
         <p:spPr>
           <a:xfrm>
-            <a:off x="1605960" y="964800"/>
-            <a:ext cx="5937480" cy="1188360"/>
+            <a:off x="457200" y="273600"/>
+            <a:ext cx="8229240" cy="1144800"/>
           </a:xfrm>
           <a:prstGeom prst="rect">
             <a:avLst/>
@@ -3522,11 +3414,11 @@
             <a:noAutofit/>
           </a:bodyPr>
           <a:p>
-            <a:endParaRPr b="0" lang="en-US" sz="1800" spc="-1" strike="noStrike">
-              <a:solidFill>
-                <a:srgbClr val="000000"/>
-              </a:solidFill>
-              <a:latin typeface="Gill Sans MT"/>
+            <a:pPr algn="ctr">
+              <a:buNone/>
+            </a:pPr>
+            <a:endParaRPr b="0" lang="en-US" sz="4400" spc="-1" strike="noStrike">
+              <a:latin typeface="Arial"/>
             </a:endParaRPr>
           </a:p>
         </p:txBody>
@@ -3543,8 +3435,8 @@
         </p:nvSpPr>
         <p:spPr>
           <a:xfrm>
-            <a:off x="1605960" y="2638080"/>
-            <a:ext cx="5937480" cy="3101760"/>
+            <a:off x="457200" y="1604520"/>
+            <a:ext cx="8229240" cy="3977280"/>
           </a:xfrm>
           <a:prstGeom prst="rect">
             <a:avLst/>
@@ -3575,7 +3467,7 @@
             <a:spLocks noGrp="1"/>
           </p:cNvSpPr>
           <p:nvPr>
-            <p:ph type="ftr" idx="8"/>
+            <p:ph type="ftr" idx="7"/>
           </p:nvPr>
         </p:nvSpPr>
         <p:spPr/>
@@ -3595,14 +3487,14 @@
             <a:spLocks noGrp="1"/>
           </p:cNvSpPr>
           <p:nvPr>
-            <p:ph type="sldNum" idx="9"/>
+            <p:ph type="sldNum" idx="8"/>
           </p:nvPr>
         </p:nvSpPr>
         <p:spPr/>
         <p:txBody>
           <a:bodyPr/>
           <a:p>
-            <a:fld id="{F31534E0-AE08-47BF-864F-22033D04BF85}" type="slidenum">
+            <a:fld id="{74D01B72-FF17-4D13-AB03-36E27F82D38E}" type="slidenum">
               <a:t>&lt;#&gt;</a:t>
             </a:fld>
           </a:p>
@@ -3615,7 +3507,7 @@
             <a:spLocks noGrp="1"/>
           </p:cNvSpPr>
           <p:nvPr>
-            <p:ph type="dt" idx="7"/>
+            <p:ph type="dt" idx="9"/>
           </p:nvPr>
         </p:nvSpPr>
         <p:spPr/>
@@ -3663,8 +3555,8 @@
         </p:nvSpPr>
         <p:spPr>
           <a:xfrm>
-            <a:off x="1605960" y="964800"/>
-            <a:ext cx="5937480" cy="1188360"/>
+            <a:off x="457200" y="273600"/>
+            <a:ext cx="8229240" cy="1144800"/>
           </a:xfrm>
           <a:prstGeom prst="rect">
             <a:avLst/>
@@ -3679,11 +3571,11 @@
             <a:noAutofit/>
           </a:bodyPr>
           <a:p>
-            <a:endParaRPr b="0" lang="en-US" sz="1800" spc="-1" strike="noStrike">
-              <a:solidFill>
-                <a:srgbClr val="000000"/>
-              </a:solidFill>
-              <a:latin typeface="Gill Sans MT"/>
+            <a:pPr algn="ctr">
+              <a:buNone/>
+            </a:pPr>
+            <a:endParaRPr b="0" lang="en-US" sz="4400" spc="-1" strike="noStrike">
+              <a:latin typeface="Arial"/>
             </a:endParaRPr>
           </a:p>
         </p:txBody>
@@ -3700,8 +3592,8 @@
         </p:nvSpPr>
         <p:spPr>
           <a:xfrm>
-            <a:off x="1605960" y="2638080"/>
-            <a:ext cx="5937480" cy="3101760"/>
+            <a:off x="457200" y="1604520"/>
+            <a:ext cx="8229240" cy="3977280"/>
           </a:xfrm>
           <a:prstGeom prst="rect">
             <a:avLst/>
@@ -3716,11 +3608,8 @@
             <a:normAutofit/>
           </a:bodyPr>
           <a:p>
-            <a:endParaRPr b="0" lang="en-US" sz="1800" spc="-1" strike="noStrike">
-              <a:solidFill>
-                <a:srgbClr val="262626"/>
-              </a:solidFill>
-              <a:latin typeface="Gill Sans MT"/>
+            <a:endParaRPr b="0" lang="en-US" sz="3200" spc="-1" strike="noStrike">
+              <a:latin typeface="Arial"/>
             </a:endParaRPr>
           </a:p>
         </p:txBody>
@@ -3732,7 +3621,7 @@
             <a:spLocks noGrp="1"/>
           </p:cNvSpPr>
           <p:nvPr>
-            <p:ph type="ftr" idx="8"/>
+            <p:ph type="ftr" idx="7"/>
           </p:nvPr>
         </p:nvSpPr>
         <p:spPr/>
@@ -3752,14 +3641,14 @@
             <a:spLocks noGrp="1"/>
           </p:cNvSpPr>
           <p:nvPr>
-            <p:ph type="sldNum" idx="9"/>
+            <p:ph type="sldNum" idx="8"/>
           </p:nvPr>
         </p:nvSpPr>
         <p:spPr/>
         <p:txBody>
           <a:bodyPr/>
           <a:p>
-            <a:fld id="{F0AD6835-2E55-4589-B324-ADABC7A6DB4C}" type="slidenum">
+            <a:fld id="{E0711743-6C20-47C1-9407-730AEC336550}" type="slidenum">
               <a:t>&lt;#&gt;</a:t>
             </a:fld>
           </a:p>
@@ -3772,7 +3661,7 @@
             <a:spLocks noGrp="1"/>
           </p:cNvSpPr>
           <p:nvPr>
-            <p:ph type="dt" idx="7"/>
+            <p:ph type="dt" idx="9"/>
           </p:nvPr>
         </p:nvSpPr>
         <p:spPr/>
@@ -3820,8 +3709,8 @@
         </p:nvSpPr>
         <p:spPr>
           <a:xfrm>
-            <a:off x="1605960" y="964800"/>
-            <a:ext cx="5937480" cy="1188360"/>
+            <a:off x="457200" y="273600"/>
+            <a:ext cx="8229240" cy="1144800"/>
           </a:xfrm>
           <a:prstGeom prst="rect">
             <a:avLst/>
@@ -3836,11 +3725,11 @@
             <a:noAutofit/>
           </a:bodyPr>
           <a:p>
-            <a:endParaRPr b="0" lang="en-US" sz="1800" spc="-1" strike="noStrike">
-              <a:solidFill>
-                <a:srgbClr val="000000"/>
-              </a:solidFill>
-              <a:latin typeface="Gill Sans MT"/>
+            <a:pPr algn="ctr">
+              <a:buNone/>
+            </a:pPr>
+            <a:endParaRPr b="0" lang="en-US" sz="4400" spc="-1" strike="noStrike">
+              <a:latin typeface="Arial"/>
             </a:endParaRPr>
           </a:p>
         </p:txBody>
@@ -3857,8 +3746,8 @@
         </p:nvSpPr>
         <p:spPr>
           <a:xfrm>
-            <a:off x="1605960" y="2638080"/>
-            <a:ext cx="2897280" cy="3101760"/>
+            <a:off x="457200" y="1604520"/>
+            <a:ext cx="4015800" cy="3977280"/>
           </a:xfrm>
           <a:prstGeom prst="rect">
             <a:avLst/>
@@ -3873,11 +3762,8 @@
             <a:normAutofit/>
           </a:bodyPr>
           <a:p>
-            <a:endParaRPr b="0" lang="en-US" sz="1800" spc="-1" strike="noStrike">
-              <a:solidFill>
-                <a:srgbClr val="262626"/>
-              </a:solidFill>
-              <a:latin typeface="Gill Sans MT"/>
+            <a:endParaRPr b="0" lang="en-US" sz="3200" spc="-1" strike="noStrike">
+              <a:latin typeface="Arial"/>
             </a:endParaRPr>
           </a:p>
         </p:txBody>
@@ -3894,8 +3780,8 @@
         </p:nvSpPr>
         <p:spPr>
           <a:xfrm>
-            <a:off x="4648320" y="2638080"/>
-            <a:ext cx="2897280" cy="3101760"/>
+            <a:off x="4674240" y="1604520"/>
+            <a:ext cx="4015800" cy="3977280"/>
           </a:xfrm>
           <a:prstGeom prst="rect">
             <a:avLst/>
@@ -3910,11 +3796,8 @@
             <a:normAutofit/>
           </a:bodyPr>
           <a:p>
-            <a:endParaRPr b="0" lang="en-US" sz="1800" spc="-1" strike="noStrike">
-              <a:solidFill>
-                <a:srgbClr val="262626"/>
-              </a:solidFill>
-              <a:latin typeface="Gill Sans MT"/>
+            <a:endParaRPr b="0" lang="en-US" sz="3200" spc="-1" strike="noStrike">
+              <a:latin typeface="Arial"/>
             </a:endParaRPr>
           </a:p>
         </p:txBody>
@@ -3926,7 +3809,7 @@
             <a:spLocks noGrp="1"/>
           </p:cNvSpPr>
           <p:nvPr>
-            <p:ph type="ftr" idx="8"/>
+            <p:ph type="ftr" idx="7"/>
           </p:nvPr>
         </p:nvSpPr>
         <p:spPr/>
@@ -3946,14 +3829,14 @@
             <a:spLocks noGrp="1"/>
           </p:cNvSpPr>
           <p:nvPr>
-            <p:ph type="sldNum" idx="9"/>
+            <p:ph type="sldNum" idx="8"/>
           </p:nvPr>
         </p:nvSpPr>
         <p:spPr/>
         <p:txBody>
           <a:bodyPr/>
           <a:p>
-            <a:fld id="{242CED17-F78D-4098-963F-532FF86566A6}" type="slidenum">
+            <a:fld id="{C63F027D-1063-4907-BF39-3D109681395B}" type="slidenum">
               <a:t>&lt;#&gt;</a:t>
             </a:fld>
           </a:p>
@@ -3966,7 +3849,7 @@
             <a:spLocks noGrp="1"/>
           </p:cNvSpPr>
           <p:nvPr>
-            <p:ph type="dt" idx="7"/>
+            <p:ph type="dt" idx="9"/>
           </p:nvPr>
         </p:nvSpPr>
         <p:spPr/>
@@ -4014,8 +3897,8 @@
         </p:nvSpPr>
         <p:spPr>
           <a:xfrm>
-            <a:off x="1605960" y="964800"/>
-            <a:ext cx="5937480" cy="1188360"/>
+            <a:off x="457200" y="273600"/>
+            <a:ext cx="8229240" cy="1144800"/>
           </a:xfrm>
           <a:prstGeom prst="rect">
             <a:avLst/>
@@ -4030,11 +3913,11 @@
             <a:noAutofit/>
           </a:bodyPr>
           <a:p>
-            <a:endParaRPr b="0" lang="en-US" sz="1800" spc="-1" strike="noStrike">
-              <a:solidFill>
-                <a:srgbClr val="000000"/>
-              </a:solidFill>
-              <a:latin typeface="Gill Sans MT"/>
+            <a:pPr algn="ctr">
+              <a:buNone/>
+            </a:pPr>
+            <a:endParaRPr b="0" lang="en-US" sz="4400" spc="-1" strike="noStrike">
+              <a:latin typeface="Arial"/>
             </a:endParaRPr>
           </a:p>
         </p:txBody>
@@ -4046,7 +3929,7 @@
             <a:spLocks noGrp="1"/>
           </p:cNvSpPr>
           <p:nvPr>
-            <p:ph type="ftr" idx="8"/>
+            <p:ph type="ftr" idx="7"/>
           </p:nvPr>
         </p:nvSpPr>
         <p:spPr/>
@@ -4066,14 +3949,14 @@
             <a:spLocks noGrp="1"/>
           </p:cNvSpPr>
           <p:nvPr>
-            <p:ph type="sldNum" idx="9"/>
+            <p:ph type="sldNum" idx="8"/>
           </p:nvPr>
         </p:nvSpPr>
         <p:spPr/>
         <p:txBody>
           <a:bodyPr/>
           <a:p>
-            <a:fld id="{0C7B85D3-5251-4B26-89CF-0B139DC4A9A4}" type="slidenum">
+            <a:fld id="{52E350D1-8CD4-4B43-8843-31E7D52CA045}" type="slidenum">
               <a:t>&lt;#&gt;</a:t>
             </a:fld>
           </a:p>
@@ -4086,7 +3969,7 @@
             <a:spLocks noGrp="1"/>
           </p:cNvSpPr>
           <p:nvPr>
-            <p:ph type="dt" idx="7"/>
+            <p:ph type="dt" idx="9"/>
           </p:nvPr>
         </p:nvSpPr>
         <p:spPr/>
@@ -4134,8 +4017,8 @@
         </p:nvSpPr>
         <p:spPr>
           <a:xfrm>
-            <a:off x="1605960" y="964800"/>
-            <a:ext cx="5937480" cy="1188360"/>
+            <a:off x="457200" y="273600"/>
+            <a:ext cx="8229240" cy="1144800"/>
           </a:xfrm>
           <a:prstGeom prst="rect">
             <a:avLst/>
@@ -4150,11 +4033,11 @@
             <a:noAutofit/>
           </a:bodyPr>
           <a:p>
-            <a:endParaRPr b="0" lang="en-US" sz="1800" spc="-1" strike="noStrike">
-              <a:solidFill>
-                <a:srgbClr val="000000"/>
-              </a:solidFill>
-              <a:latin typeface="Gill Sans MT"/>
+            <a:pPr algn="ctr">
+              <a:buNone/>
+            </a:pPr>
+            <a:endParaRPr b="0" lang="en-US" sz="4400" spc="-1" strike="noStrike">
+              <a:latin typeface="Arial"/>
             </a:endParaRPr>
           </a:p>
         </p:txBody>
@@ -4171,8 +4054,8 @@
         </p:nvSpPr>
         <p:spPr>
           <a:xfrm>
-            <a:off x="1605960" y="2638080"/>
-            <a:ext cx="5937480" cy="3101760"/>
+            <a:off x="457200" y="1604520"/>
+            <a:ext cx="8229240" cy="3977280"/>
           </a:xfrm>
           <a:prstGeom prst="rect">
             <a:avLst/>
@@ -4187,11 +4070,8 @@
             <a:normAutofit/>
           </a:bodyPr>
           <a:p>
-            <a:endParaRPr b="0" lang="en-US" sz="1800" spc="-1" strike="noStrike">
-              <a:solidFill>
-                <a:srgbClr val="262626"/>
-              </a:solidFill>
-              <a:latin typeface="Gill Sans MT"/>
+            <a:endParaRPr b="0" lang="en-US" sz="3200" spc="-1" strike="noStrike">
+              <a:latin typeface="Arial"/>
             </a:endParaRPr>
           </a:p>
         </p:txBody>
@@ -4203,7 +4083,7 @@
             <a:spLocks noGrp="1"/>
           </p:cNvSpPr>
           <p:nvPr>
-            <p:ph type="ftr" idx="2"/>
+            <p:ph type="ftr" idx="1"/>
           </p:nvPr>
         </p:nvSpPr>
         <p:spPr/>
@@ -4223,14 +4103,14 @@
             <a:spLocks noGrp="1"/>
           </p:cNvSpPr>
           <p:nvPr>
-            <p:ph type="sldNum" idx="3"/>
+            <p:ph type="sldNum" idx="2"/>
           </p:nvPr>
         </p:nvSpPr>
         <p:spPr/>
         <p:txBody>
           <a:bodyPr/>
           <a:p>
-            <a:fld id="{803F197F-981F-4EA6-80AF-5BDF7FBCCE8D}" type="slidenum">
+            <a:fld id="{3A7BE9E7-61A9-4AEB-A2AD-2346711449FA}" type="slidenum">
               <a:t>&lt;#&gt;</a:t>
             </a:fld>
           </a:p>
@@ -4243,7 +4123,7 @@
             <a:spLocks noGrp="1"/>
           </p:cNvSpPr>
           <p:nvPr>
-            <p:ph type="dt" idx="1"/>
+            <p:ph type="dt" idx="3"/>
           </p:nvPr>
         </p:nvSpPr>
         <p:spPr/>
@@ -4291,8 +4171,8 @@
         </p:nvSpPr>
         <p:spPr>
           <a:xfrm>
-            <a:off x="1605960" y="964800"/>
-            <a:ext cx="5937480" cy="5509800"/>
+            <a:off x="457200" y="273600"/>
+            <a:ext cx="8229240" cy="5307840"/>
           </a:xfrm>
           <a:prstGeom prst="rect">
             <a:avLst/>
@@ -4323,7 +4203,7 @@
             <a:spLocks noGrp="1"/>
           </p:cNvSpPr>
           <p:nvPr>
-            <p:ph type="ftr" idx="8"/>
+            <p:ph type="ftr" idx="7"/>
           </p:nvPr>
         </p:nvSpPr>
         <p:spPr/>
@@ -4343,14 +4223,14 @@
             <a:spLocks noGrp="1"/>
           </p:cNvSpPr>
           <p:nvPr>
-            <p:ph type="sldNum" idx="9"/>
+            <p:ph type="sldNum" idx="8"/>
           </p:nvPr>
         </p:nvSpPr>
         <p:spPr/>
         <p:txBody>
           <a:bodyPr/>
           <a:p>
-            <a:fld id="{6FA2FB9A-B893-4C37-8826-15E358C0EB8C}" type="slidenum">
+            <a:fld id="{ECB498C1-E12D-4E06-8A03-0642A57BC9C6}" type="slidenum">
               <a:t>&lt;#&gt;</a:t>
             </a:fld>
           </a:p>
@@ -4363,7 +4243,7 @@
             <a:spLocks noGrp="1"/>
           </p:cNvSpPr>
           <p:nvPr>
-            <p:ph type="dt" idx="7"/>
+            <p:ph type="dt" idx="9"/>
           </p:nvPr>
         </p:nvSpPr>
         <p:spPr/>
@@ -4411,8 +4291,8 @@
         </p:nvSpPr>
         <p:spPr>
           <a:xfrm>
-            <a:off x="1605960" y="964800"/>
-            <a:ext cx="5937480" cy="1188360"/>
+            <a:off x="457200" y="273600"/>
+            <a:ext cx="8229240" cy="1144800"/>
           </a:xfrm>
           <a:prstGeom prst="rect">
             <a:avLst/>
@@ -4427,11 +4307,11 @@
             <a:noAutofit/>
           </a:bodyPr>
           <a:p>
-            <a:endParaRPr b="0" lang="en-US" sz="1800" spc="-1" strike="noStrike">
-              <a:solidFill>
-                <a:srgbClr val="000000"/>
-              </a:solidFill>
-              <a:latin typeface="Gill Sans MT"/>
+            <a:pPr algn="ctr">
+              <a:buNone/>
+            </a:pPr>
+            <a:endParaRPr b="0" lang="en-US" sz="4400" spc="-1" strike="noStrike">
+              <a:latin typeface="Arial"/>
             </a:endParaRPr>
           </a:p>
         </p:txBody>
@@ -4448,8 +4328,8 @@
         </p:nvSpPr>
         <p:spPr>
           <a:xfrm>
-            <a:off x="1605960" y="2638080"/>
-            <a:ext cx="2897280" cy="1479240"/>
+            <a:off x="457200" y="1604520"/>
+            <a:ext cx="4015800" cy="1896840"/>
           </a:xfrm>
           <a:prstGeom prst="rect">
             <a:avLst/>
@@ -4464,11 +4344,8 @@
             <a:normAutofit/>
           </a:bodyPr>
           <a:p>
-            <a:endParaRPr b="0" lang="en-US" sz="1800" spc="-1" strike="noStrike">
-              <a:solidFill>
-                <a:srgbClr val="262626"/>
-              </a:solidFill>
-              <a:latin typeface="Gill Sans MT"/>
+            <a:endParaRPr b="0" lang="en-US" sz="3200" spc="-1" strike="noStrike">
+              <a:latin typeface="Arial"/>
             </a:endParaRPr>
           </a:p>
         </p:txBody>
@@ -4485,8 +4362,8 @@
         </p:nvSpPr>
         <p:spPr>
           <a:xfrm>
-            <a:off x="4648320" y="2638080"/>
-            <a:ext cx="2897280" cy="3101760"/>
+            <a:off x="4674240" y="1604520"/>
+            <a:ext cx="4015800" cy="3977280"/>
           </a:xfrm>
           <a:prstGeom prst="rect">
             <a:avLst/>
@@ -4501,11 +4378,8 @@
             <a:normAutofit/>
           </a:bodyPr>
           <a:p>
-            <a:endParaRPr b="0" lang="en-US" sz="1800" spc="-1" strike="noStrike">
-              <a:solidFill>
-                <a:srgbClr val="262626"/>
-              </a:solidFill>
-              <a:latin typeface="Gill Sans MT"/>
+            <a:endParaRPr b="0" lang="en-US" sz="3200" spc="-1" strike="noStrike">
+              <a:latin typeface="Arial"/>
             </a:endParaRPr>
           </a:p>
         </p:txBody>
@@ -4522,8 +4396,8 @@
         </p:nvSpPr>
         <p:spPr>
           <a:xfrm>
-            <a:off x="1605960" y="4258080"/>
-            <a:ext cx="2897280" cy="1479240"/>
+            <a:off x="457200" y="3682080"/>
+            <a:ext cx="4015800" cy="1896840"/>
           </a:xfrm>
           <a:prstGeom prst="rect">
             <a:avLst/>
@@ -4538,11 +4412,8 @@
             <a:normAutofit/>
           </a:bodyPr>
           <a:p>
-            <a:endParaRPr b="0" lang="en-US" sz="1800" spc="-1" strike="noStrike">
-              <a:solidFill>
-                <a:srgbClr val="262626"/>
-              </a:solidFill>
-              <a:latin typeface="Gill Sans MT"/>
+            <a:endParaRPr b="0" lang="en-US" sz="3200" spc="-1" strike="noStrike">
+              <a:latin typeface="Arial"/>
             </a:endParaRPr>
           </a:p>
         </p:txBody>
@@ -4554,7 +4425,7 @@
             <a:spLocks noGrp="1"/>
           </p:cNvSpPr>
           <p:nvPr>
-            <p:ph type="ftr" idx="8"/>
+            <p:ph type="ftr" idx="7"/>
           </p:nvPr>
         </p:nvSpPr>
         <p:spPr/>
@@ -4574,14 +4445,14 @@
             <a:spLocks noGrp="1"/>
           </p:cNvSpPr>
           <p:nvPr>
-            <p:ph type="sldNum" idx="9"/>
+            <p:ph type="sldNum" idx="8"/>
           </p:nvPr>
         </p:nvSpPr>
         <p:spPr/>
         <p:txBody>
           <a:bodyPr/>
           <a:p>
-            <a:fld id="{A4F4ED53-01CD-44F1-8C85-348061C3E474}" type="slidenum">
+            <a:fld id="{D559049F-027D-4BA7-8010-79DFD9A0758C}" type="slidenum">
               <a:t>&lt;#&gt;</a:t>
             </a:fld>
           </a:p>
@@ -4594,7 +4465,7 @@
             <a:spLocks noGrp="1"/>
           </p:cNvSpPr>
           <p:nvPr>
-            <p:ph type="dt" idx="7"/>
+            <p:ph type="dt" idx="9"/>
           </p:nvPr>
         </p:nvSpPr>
         <p:spPr/>
@@ -4642,8 +4513,8 @@
         </p:nvSpPr>
         <p:spPr>
           <a:xfrm>
-            <a:off x="1605960" y="964800"/>
-            <a:ext cx="5937480" cy="1188360"/>
+            <a:off x="457200" y="273600"/>
+            <a:ext cx="8229240" cy="1144800"/>
           </a:xfrm>
           <a:prstGeom prst="rect">
             <a:avLst/>
@@ -4658,11 +4529,11 @@
             <a:noAutofit/>
           </a:bodyPr>
           <a:p>
-            <a:endParaRPr b="0" lang="en-US" sz="1800" spc="-1" strike="noStrike">
-              <a:solidFill>
-                <a:srgbClr val="000000"/>
-              </a:solidFill>
-              <a:latin typeface="Gill Sans MT"/>
+            <a:pPr algn="ctr">
+              <a:buNone/>
+            </a:pPr>
+            <a:endParaRPr b="0" lang="en-US" sz="4400" spc="-1" strike="noStrike">
+              <a:latin typeface="Arial"/>
             </a:endParaRPr>
           </a:p>
         </p:txBody>
@@ -4679,8 +4550,8 @@
         </p:nvSpPr>
         <p:spPr>
           <a:xfrm>
-            <a:off x="1605960" y="2638080"/>
-            <a:ext cx="2897280" cy="3101760"/>
+            <a:off x="457200" y="1604520"/>
+            <a:ext cx="4015800" cy="3977280"/>
           </a:xfrm>
           <a:prstGeom prst="rect">
             <a:avLst/>
@@ -4695,11 +4566,8 @@
             <a:normAutofit/>
           </a:bodyPr>
           <a:p>
-            <a:endParaRPr b="0" lang="en-US" sz="1800" spc="-1" strike="noStrike">
-              <a:solidFill>
-                <a:srgbClr val="262626"/>
-              </a:solidFill>
-              <a:latin typeface="Gill Sans MT"/>
+            <a:endParaRPr b="0" lang="en-US" sz="3200" spc="-1" strike="noStrike">
+              <a:latin typeface="Arial"/>
             </a:endParaRPr>
           </a:p>
         </p:txBody>
@@ -4716,8 +4584,8 @@
         </p:nvSpPr>
         <p:spPr>
           <a:xfrm>
-            <a:off x="4648320" y="2638080"/>
-            <a:ext cx="2897280" cy="1479240"/>
+            <a:off x="4674240" y="1604520"/>
+            <a:ext cx="4015800" cy="1896840"/>
           </a:xfrm>
           <a:prstGeom prst="rect">
             <a:avLst/>
@@ -4732,11 +4600,8 @@
             <a:normAutofit/>
           </a:bodyPr>
           <a:p>
-            <a:endParaRPr b="0" lang="en-US" sz="1800" spc="-1" strike="noStrike">
-              <a:solidFill>
-                <a:srgbClr val="262626"/>
-              </a:solidFill>
-              <a:latin typeface="Gill Sans MT"/>
+            <a:endParaRPr b="0" lang="en-US" sz="3200" spc="-1" strike="noStrike">
+              <a:latin typeface="Arial"/>
             </a:endParaRPr>
           </a:p>
         </p:txBody>
@@ -4753,8 +4618,8 @@
         </p:nvSpPr>
         <p:spPr>
           <a:xfrm>
-            <a:off x="4648320" y="4258080"/>
-            <a:ext cx="2897280" cy="1479240"/>
+            <a:off x="4674240" y="3682080"/>
+            <a:ext cx="4015800" cy="1896840"/>
           </a:xfrm>
           <a:prstGeom prst="rect">
             <a:avLst/>
@@ -4769,11 +4634,8 @@
             <a:normAutofit/>
           </a:bodyPr>
           <a:p>
-            <a:endParaRPr b="0" lang="en-US" sz="1800" spc="-1" strike="noStrike">
-              <a:solidFill>
-                <a:srgbClr val="262626"/>
-              </a:solidFill>
-              <a:latin typeface="Gill Sans MT"/>
+            <a:endParaRPr b="0" lang="en-US" sz="3200" spc="-1" strike="noStrike">
+              <a:latin typeface="Arial"/>
             </a:endParaRPr>
           </a:p>
         </p:txBody>
@@ -4785,7 +4647,7 @@
             <a:spLocks noGrp="1"/>
           </p:cNvSpPr>
           <p:nvPr>
-            <p:ph type="ftr" idx="8"/>
+            <p:ph type="ftr" idx="7"/>
           </p:nvPr>
         </p:nvSpPr>
         <p:spPr/>
@@ -4805,14 +4667,14 @@
             <a:spLocks noGrp="1"/>
           </p:cNvSpPr>
           <p:nvPr>
-            <p:ph type="sldNum" idx="9"/>
+            <p:ph type="sldNum" idx="8"/>
           </p:nvPr>
         </p:nvSpPr>
         <p:spPr/>
         <p:txBody>
           <a:bodyPr/>
           <a:p>
-            <a:fld id="{10AD6AC2-86BB-49F9-BE59-142C2C5556BE}" type="slidenum">
+            <a:fld id="{C8609907-BD9F-4C04-9B72-733CF9AB7AE8}" type="slidenum">
               <a:t>&lt;#&gt;</a:t>
             </a:fld>
           </a:p>
@@ -4825,7 +4687,7 @@
             <a:spLocks noGrp="1"/>
           </p:cNvSpPr>
           <p:nvPr>
-            <p:ph type="dt" idx="7"/>
+            <p:ph type="dt" idx="9"/>
           </p:nvPr>
         </p:nvSpPr>
         <p:spPr/>
@@ -4873,8 +4735,8 @@
         </p:nvSpPr>
         <p:spPr>
           <a:xfrm>
-            <a:off x="1605960" y="964800"/>
-            <a:ext cx="5937480" cy="1188360"/>
+            <a:off x="457200" y="273600"/>
+            <a:ext cx="8229240" cy="1144800"/>
           </a:xfrm>
           <a:prstGeom prst="rect">
             <a:avLst/>
@@ -4889,11 +4751,11 @@
             <a:noAutofit/>
           </a:bodyPr>
           <a:p>
-            <a:endParaRPr b="0" lang="en-US" sz="1800" spc="-1" strike="noStrike">
-              <a:solidFill>
-                <a:srgbClr val="000000"/>
-              </a:solidFill>
-              <a:latin typeface="Gill Sans MT"/>
+            <a:pPr algn="ctr">
+              <a:buNone/>
+            </a:pPr>
+            <a:endParaRPr b="0" lang="en-US" sz="4400" spc="-1" strike="noStrike">
+              <a:latin typeface="Arial"/>
             </a:endParaRPr>
           </a:p>
         </p:txBody>
@@ -4910,8 +4772,8 @@
         </p:nvSpPr>
         <p:spPr>
           <a:xfrm>
-            <a:off x="1605960" y="2638080"/>
-            <a:ext cx="2897280" cy="1479240"/>
+            <a:off x="457200" y="1604520"/>
+            <a:ext cx="4015800" cy="1896840"/>
           </a:xfrm>
           <a:prstGeom prst="rect">
             <a:avLst/>
@@ -4926,11 +4788,8 @@
             <a:normAutofit/>
           </a:bodyPr>
           <a:p>
-            <a:endParaRPr b="0" lang="en-US" sz="1800" spc="-1" strike="noStrike">
-              <a:solidFill>
-                <a:srgbClr val="262626"/>
-              </a:solidFill>
-              <a:latin typeface="Gill Sans MT"/>
+            <a:endParaRPr b="0" lang="en-US" sz="3200" spc="-1" strike="noStrike">
+              <a:latin typeface="Arial"/>
             </a:endParaRPr>
           </a:p>
         </p:txBody>
@@ -4947,8 +4806,8 @@
         </p:nvSpPr>
         <p:spPr>
           <a:xfrm>
-            <a:off x="4648320" y="2638080"/>
-            <a:ext cx="2897280" cy="1479240"/>
+            <a:off x="4674240" y="1604520"/>
+            <a:ext cx="4015800" cy="1896840"/>
           </a:xfrm>
           <a:prstGeom prst="rect">
             <a:avLst/>
@@ -4963,11 +4822,8 @@
             <a:normAutofit/>
           </a:bodyPr>
           <a:p>
-            <a:endParaRPr b="0" lang="en-US" sz="1800" spc="-1" strike="noStrike">
-              <a:solidFill>
-                <a:srgbClr val="262626"/>
-              </a:solidFill>
-              <a:latin typeface="Gill Sans MT"/>
+            <a:endParaRPr b="0" lang="en-US" sz="3200" spc="-1" strike="noStrike">
+              <a:latin typeface="Arial"/>
             </a:endParaRPr>
           </a:p>
         </p:txBody>
@@ -4984,8 +4840,8 @@
         </p:nvSpPr>
         <p:spPr>
           <a:xfrm>
-            <a:off x="1605960" y="4258080"/>
-            <a:ext cx="5937480" cy="1479240"/>
+            <a:off x="457200" y="3682080"/>
+            <a:ext cx="8229240" cy="1896840"/>
           </a:xfrm>
           <a:prstGeom prst="rect">
             <a:avLst/>
@@ -5000,11 +4856,8 @@
             <a:normAutofit/>
           </a:bodyPr>
           <a:p>
-            <a:endParaRPr b="0" lang="en-US" sz="1800" spc="-1" strike="noStrike">
-              <a:solidFill>
-                <a:srgbClr val="262626"/>
-              </a:solidFill>
-              <a:latin typeface="Gill Sans MT"/>
+            <a:endParaRPr b="0" lang="en-US" sz="3200" spc="-1" strike="noStrike">
+              <a:latin typeface="Arial"/>
             </a:endParaRPr>
           </a:p>
         </p:txBody>
@@ -5016,7 +4869,7 @@
             <a:spLocks noGrp="1"/>
           </p:cNvSpPr>
           <p:nvPr>
-            <p:ph type="ftr" idx="8"/>
+            <p:ph type="ftr" idx="7"/>
           </p:nvPr>
         </p:nvSpPr>
         <p:spPr/>
@@ -5036,14 +4889,14 @@
             <a:spLocks noGrp="1"/>
           </p:cNvSpPr>
           <p:nvPr>
-            <p:ph type="sldNum" idx="9"/>
+            <p:ph type="sldNum" idx="8"/>
           </p:nvPr>
         </p:nvSpPr>
         <p:spPr/>
         <p:txBody>
           <a:bodyPr/>
           <a:p>
-            <a:fld id="{DE9C3255-5757-4D8D-9F88-03EDD9ABBBB1}" type="slidenum">
+            <a:fld id="{2DA71960-8D61-47A9-BC80-2EED3CAECD38}" type="slidenum">
               <a:t>&lt;#&gt;</a:t>
             </a:fld>
           </a:p>
@@ -5056,7 +4909,7 @@
             <a:spLocks noGrp="1"/>
           </p:cNvSpPr>
           <p:nvPr>
-            <p:ph type="dt" idx="7"/>
+            <p:ph type="dt" idx="9"/>
           </p:nvPr>
         </p:nvSpPr>
         <p:spPr/>
@@ -5104,8 +4957,8 @@
         </p:nvSpPr>
         <p:spPr>
           <a:xfrm>
-            <a:off x="1605960" y="964800"/>
-            <a:ext cx="5937480" cy="1188360"/>
+            <a:off x="457200" y="273600"/>
+            <a:ext cx="8229240" cy="1144800"/>
           </a:xfrm>
           <a:prstGeom prst="rect">
             <a:avLst/>
@@ -5120,11 +4973,11 @@
             <a:noAutofit/>
           </a:bodyPr>
           <a:p>
-            <a:endParaRPr b="0" lang="en-US" sz="1800" spc="-1" strike="noStrike">
-              <a:solidFill>
-                <a:srgbClr val="000000"/>
-              </a:solidFill>
-              <a:latin typeface="Gill Sans MT"/>
+            <a:pPr algn="ctr">
+              <a:buNone/>
+            </a:pPr>
+            <a:endParaRPr b="0" lang="en-US" sz="4400" spc="-1" strike="noStrike">
+              <a:latin typeface="Arial"/>
             </a:endParaRPr>
           </a:p>
         </p:txBody>
@@ -5141,8 +4994,8 @@
         </p:nvSpPr>
         <p:spPr>
           <a:xfrm>
-            <a:off x="1605960" y="2638080"/>
-            <a:ext cx="5937480" cy="1479240"/>
+            <a:off x="457200" y="1604520"/>
+            <a:ext cx="8229240" cy="1896840"/>
           </a:xfrm>
           <a:prstGeom prst="rect">
             <a:avLst/>
@@ -5157,11 +5010,8 @@
             <a:normAutofit/>
           </a:bodyPr>
           <a:p>
-            <a:endParaRPr b="0" lang="en-US" sz="1800" spc="-1" strike="noStrike">
-              <a:solidFill>
-                <a:srgbClr val="262626"/>
-              </a:solidFill>
-              <a:latin typeface="Gill Sans MT"/>
+            <a:endParaRPr b="0" lang="en-US" sz="3200" spc="-1" strike="noStrike">
+              <a:latin typeface="Arial"/>
             </a:endParaRPr>
           </a:p>
         </p:txBody>
@@ -5178,8 +5028,8 @@
         </p:nvSpPr>
         <p:spPr>
           <a:xfrm>
-            <a:off x="1605960" y="4258080"/>
-            <a:ext cx="5937480" cy="1479240"/>
+            <a:off x="457200" y="3682080"/>
+            <a:ext cx="8229240" cy="1896840"/>
           </a:xfrm>
           <a:prstGeom prst="rect">
             <a:avLst/>
@@ -5194,11 +5044,8 @@
             <a:normAutofit/>
           </a:bodyPr>
           <a:p>
-            <a:endParaRPr b="0" lang="en-US" sz="1800" spc="-1" strike="noStrike">
-              <a:solidFill>
-                <a:srgbClr val="262626"/>
-              </a:solidFill>
-              <a:latin typeface="Gill Sans MT"/>
+            <a:endParaRPr b="0" lang="en-US" sz="3200" spc="-1" strike="noStrike">
+              <a:latin typeface="Arial"/>
             </a:endParaRPr>
           </a:p>
         </p:txBody>
@@ -5210,7 +5057,7 @@
             <a:spLocks noGrp="1"/>
           </p:cNvSpPr>
           <p:nvPr>
-            <p:ph type="ftr" idx="8"/>
+            <p:ph type="ftr" idx="7"/>
           </p:nvPr>
         </p:nvSpPr>
         <p:spPr/>
@@ -5230,14 +5077,14 @@
             <a:spLocks noGrp="1"/>
           </p:cNvSpPr>
           <p:nvPr>
-            <p:ph type="sldNum" idx="9"/>
+            <p:ph type="sldNum" idx="8"/>
           </p:nvPr>
         </p:nvSpPr>
         <p:spPr/>
         <p:txBody>
           <a:bodyPr/>
           <a:p>
-            <a:fld id="{DBAB1FE9-5D0D-4ED7-849B-4788DEDF0DFE}" type="slidenum">
+            <a:fld id="{92070B64-1117-4E7B-B8FF-9AA12F38B568}" type="slidenum">
               <a:t>&lt;#&gt;</a:t>
             </a:fld>
           </a:p>
@@ -5250,7 +5097,7 @@
             <a:spLocks noGrp="1"/>
           </p:cNvSpPr>
           <p:nvPr>
-            <p:ph type="dt" idx="7"/>
+            <p:ph type="dt" idx="9"/>
           </p:nvPr>
         </p:nvSpPr>
         <p:spPr/>
@@ -5298,8 +5145,8 @@
         </p:nvSpPr>
         <p:spPr>
           <a:xfrm>
-            <a:off x="1605960" y="964800"/>
-            <a:ext cx="5937480" cy="1188360"/>
+            <a:off x="457200" y="273600"/>
+            <a:ext cx="8229240" cy="1144800"/>
           </a:xfrm>
           <a:prstGeom prst="rect">
             <a:avLst/>
@@ -5314,11 +5161,11 @@
             <a:noAutofit/>
           </a:bodyPr>
           <a:p>
-            <a:endParaRPr b="0" lang="en-US" sz="1800" spc="-1" strike="noStrike">
-              <a:solidFill>
-                <a:srgbClr val="000000"/>
-              </a:solidFill>
-              <a:latin typeface="Gill Sans MT"/>
+            <a:pPr algn="ctr">
+              <a:buNone/>
+            </a:pPr>
+            <a:endParaRPr b="0" lang="en-US" sz="4400" spc="-1" strike="noStrike">
+              <a:latin typeface="Arial"/>
             </a:endParaRPr>
           </a:p>
         </p:txBody>
@@ -5335,8 +5182,8 @@
         </p:nvSpPr>
         <p:spPr>
           <a:xfrm>
-            <a:off x="1605960" y="2638080"/>
-            <a:ext cx="2897280" cy="1479240"/>
+            <a:off x="457200" y="1604520"/>
+            <a:ext cx="4015800" cy="1896840"/>
           </a:xfrm>
           <a:prstGeom prst="rect">
             <a:avLst/>
@@ -5351,11 +5198,8 @@
             <a:normAutofit/>
           </a:bodyPr>
           <a:p>
-            <a:endParaRPr b="0" lang="en-US" sz="1800" spc="-1" strike="noStrike">
-              <a:solidFill>
-                <a:srgbClr val="262626"/>
-              </a:solidFill>
-              <a:latin typeface="Gill Sans MT"/>
+            <a:endParaRPr b="0" lang="en-US" sz="3200" spc="-1" strike="noStrike">
+              <a:latin typeface="Arial"/>
             </a:endParaRPr>
           </a:p>
         </p:txBody>
@@ -5372,8 +5216,8 @@
         </p:nvSpPr>
         <p:spPr>
           <a:xfrm>
-            <a:off x="4648320" y="2638080"/>
-            <a:ext cx="2897280" cy="1479240"/>
+            <a:off x="4674240" y="1604520"/>
+            <a:ext cx="4015800" cy="1896840"/>
           </a:xfrm>
           <a:prstGeom prst="rect">
             <a:avLst/>
@@ -5388,11 +5232,8 @@
             <a:normAutofit/>
           </a:bodyPr>
           <a:p>
-            <a:endParaRPr b="0" lang="en-US" sz="1800" spc="-1" strike="noStrike">
-              <a:solidFill>
-                <a:srgbClr val="262626"/>
-              </a:solidFill>
-              <a:latin typeface="Gill Sans MT"/>
+            <a:endParaRPr b="0" lang="en-US" sz="3200" spc="-1" strike="noStrike">
+              <a:latin typeface="Arial"/>
             </a:endParaRPr>
           </a:p>
         </p:txBody>
@@ -5409,8 +5250,8 @@
         </p:nvSpPr>
         <p:spPr>
           <a:xfrm>
-            <a:off x="1605960" y="4258080"/>
-            <a:ext cx="2897280" cy="1479240"/>
+            <a:off x="457200" y="3682080"/>
+            <a:ext cx="4015800" cy="1896840"/>
           </a:xfrm>
           <a:prstGeom prst="rect">
             <a:avLst/>
@@ -5425,11 +5266,8 @@
             <a:normAutofit/>
           </a:bodyPr>
           <a:p>
-            <a:endParaRPr b="0" lang="en-US" sz="1800" spc="-1" strike="noStrike">
-              <a:solidFill>
-                <a:srgbClr val="262626"/>
-              </a:solidFill>
-              <a:latin typeface="Gill Sans MT"/>
+            <a:endParaRPr b="0" lang="en-US" sz="3200" spc="-1" strike="noStrike">
+              <a:latin typeface="Arial"/>
             </a:endParaRPr>
           </a:p>
         </p:txBody>
@@ -5446,8 +5284,8 @@
         </p:nvSpPr>
         <p:spPr>
           <a:xfrm>
-            <a:off x="4648320" y="4258080"/>
-            <a:ext cx="2897280" cy="1479240"/>
+            <a:off x="4674240" y="3682080"/>
+            <a:ext cx="4015800" cy="1896840"/>
           </a:xfrm>
           <a:prstGeom prst="rect">
             <a:avLst/>
@@ -5462,11 +5300,8 @@
             <a:normAutofit/>
           </a:bodyPr>
           <a:p>
-            <a:endParaRPr b="0" lang="en-US" sz="1800" spc="-1" strike="noStrike">
-              <a:solidFill>
-                <a:srgbClr val="262626"/>
-              </a:solidFill>
-              <a:latin typeface="Gill Sans MT"/>
+            <a:endParaRPr b="0" lang="en-US" sz="3200" spc="-1" strike="noStrike">
+              <a:latin typeface="Arial"/>
             </a:endParaRPr>
           </a:p>
         </p:txBody>
@@ -5478,7 +5313,7 @@
             <a:spLocks noGrp="1"/>
           </p:cNvSpPr>
           <p:nvPr>
-            <p:ph type="ftr" idx="8"/>
+            <p:ph type="ftr" idx="7"/>
           </p:nvPr>
         </p:nvSpPr>
         <p:spPr/>
@@ -5498,14 +5333,14 @@
             <a:spLocks noGrp="1"/>
           </p:cNvSpPr>
           <p:nvPr>
-            <p:ph type="sldNum" idx="9"/>
+            <p:ph type="sldNum" idx="8"/>
           </p:nvPr>
         </p:nvSpPr>
         <p:spPr/>
         <p:txBody>
           <a:bodyPr/>
           <a:p>
-            <a:fld id="{AF2E0BE5-5F59-4EE0-BEDC-021B38A3E7F3}" type="slidenum">
+            <a:fld id="{8FF4101C-A55A-4873-AA86-3B76CFCC72FC}" type="slidenum">
               <a:t>&lt;#&gt;</a:t>
             </a:fld>
           </a:p>
@@ -5518,7 +5353,7 @@
             <a:spLocks noGrp="1"/>
           </p:cNvSpPr>
           <p:nvPr>
-            <p:ph type="dt" idx="7"/>
+            <p:ph type="dt" idx="9"/>
           </p:nvPr>
         </p:nvSpPr>
         <p:spPr/>
@@ -5566,8 +5401,8 @@
         </p:nvSpPr>
         <p:spPr>
           <a:xfrm>
-            <a:off x="1605960" y="964800"/>
-            <a:ext cx="5937480" cy="1188360"/>
+            <a:off x="457200" y="273600"/>
+            <a:ext cx="8229240" cy="1144800"/>
           </a:xfrm>
           <a:prstGeom prst="rect">
             <a:avLst/>
@@ -5582,11 +5417,11 @@
             <a:noAutofit/>
           </a:bodyPr>
           <a:p>
-            <a:endParaRPr b="0" lang="en-US" sz="1800" spc="-1" strike="noStrike">
-              <a:solidFill>
-                <a:srgbClr val="000000"/>
-              </a:solidFill>
-              <a:latin typeface="Gill Sans MT"/>
+            <a:pPr algn="ctr">
+              <a:buNone/>
+            </a:pPr>
+            <a:endParaRPr b="0" lang="en-US" sz="4400" spc="-1" strike="noStrike">
+              <a:latin typeface="Arial"/>
             </a:endParaRPr>
           </a:p>
         </p:txBody>
@@ -5603,8 +5438,8 @@
         </p:nvSpPr>
         <p:spPr>
           <a:xfrm>
-            <a:off x="1605960" y="2638080"/>
-            <a:ext cx="1911600" cy="1479240"/>
+            <a:off x="457200" y="1604520"/>
+            <a:ext cx="2649600" cy="1896840"/>
           </a:xfrm>
           <a:prstGeom prst="rect">
             <a:avLst/>
@@ -5619,11 +5454,8 @@
             <a:normAutofit/>
           </a:bodyPr>
           <a:p>
-            <a:endParaRPr b="0" lang="en-US" sz="1800" spc="-1" strike="noStrike">
-              <a:solidFill>
-                <a:srgbClr val="262626"/>
-              </a:solidFill>
-              <a:latin typeface="Gill Sans MT"/>
+            <a:endParaRPr b="0" lang="en-US" sz="3200" spc="-1" strike="noStrike">
+              <a:latin typeface="Arial"/>
             </a:endParaRPr>
           </a:p>
         </p:txBody>
@@ -5640,8 +5472,8 @@
         </p:nvSpPr>
         <p:spPr>
           <a:xfrm>
-            <a:off x="3613680" y="2638080"/>
-            <a:ext cx="1911600" cy="1479240"/>
+            <a:off x="3239640" y="1604520"/>
+            <a:ext cx="2649600" cy="1896840"/>
           </a:xfrm>
           <a:prstGeom prst="rect">
             <a:avLst/>
@@ -5656,11 +5488,8 @@
             <a:normAutofit/>
           </a:bodyPr>
           <a:p>
-            <a:endParaRPr b="0" lang="en-US" sz="1800" spc="-1" strike="noStrike">
-              <a:solidFill>
-                <a:srgbClr val="262626"/>
-              </a:solidFill>
-              <a:latin typeface="Gill Sans MT"/>
+            <a:endParaRPr b="0" lang="en-US" sz="3200" spc="-1" strike="noStrike">
+              <a:latin typeface="Arial"/>
             </a:endParaRPr>
           </a:p>
         </p:txBody>
@@ -5677,8 +5506,8 @@
         </p:nvSpPr>
         <p:spPr>
           <a:xfrm>
-            <a:off x="5621040" y="2638080"/>
-            <a:ext cx="1911600" cy="1479240"/>
+            <a:off x="6022080" y="1604520"/>
+            <a:ext cx="2649600" cy="1896840"/>
           </a:xfrm>
           <a:prstGeom prst="rect">
             <a:avLst/>
@@ -5693,11 +5522,8 @@
             <a:normAutofit/>
           </a:bodyPr>
           <a:p>
-            <a:endParaRPr b="0" lang="en-US" sz="1800" spc="-1" strike="noStrike">
-              <a:solidFill>
-                <a:srgbClr val="262626"/>
-              </a:solidFill>
-              <a:latin typeface="Gill Sans MT"/>
+            <a:endParaRPr b="0" lang="en-US" sz="3200" spc="-1" strike="noStrike">
+              <a:latin typeface="Arial"/>
             </a:endParaRPr>
           </a:p>
         </p:txBody>
@@ -5714,8 +5540,8 @@
         </p:nvSpPr>
         <p:spPr>
           <a:xfrm>
-            <a:off x="1605960" y="4258080"/>
-            <a:ext cx="1911600" cy="1479240"/>
+            <a:off x="457200" y="3682080"/>
+            <a:ext cx="2649600" cy="1896840"/>
           </a:xfrm>
           <a:prstGeom prst="rect">
             <a:avLst/>
@@ -5730,11 +5556,8 @@
             <a:normAutofit/>
           </a:bodyPr>
           <a:p>
-            <a:endParaRPr b="0" lang="en-US" sz="1800" spc="-1" strike="noStrike">
-              <a:solidFill>
-                <a:srgbClr val="262626"/>
-              </a:solidFill>
-              <a:latin typeface="Gill Sans MT"/>
+            <a:endParaRPr b="0" lang="en-US" sz="3200" spc="-1" strike="noStrike">
+              <a:latin typeface="Arial"/>
             </a:endParaRPr>
           </a:p>
         </p:txBody>
@@ -5751,8 +5574,8 @@
         </p:nvSpPr>
         <p:spPr>
           <a:xfrm>
-            <a:off x="3613680" y="4258080"/>
-            <a:ext cx="1911600" cy="1479240"/>
+            <a:off x="3239640" y="3682080"/>
+            <a:ext cx="2649600" cy="1896840"/>
           </a:xfrm>
           <a:prstGeom prst="rect">
             <a:avLst/>
@@ -5767,11 +5590,8 @@
             <a:normAutofit/>
           </a:bodyPr>
           <a:p>
-            <a:endParaRPr b="0" lang="en-US" sz="1800" spc="-1" strike="noStrike">
-              <a:solidFill>
-                <a:srgbClr val="262626"/>
-              </a:solidFill>
-              <a:latin typeface="Gill Sans MT"/>
+            <a:endParaRPr b="0" lang="en-US" sz="3200" spc="-1" strike="noStrike">
+              <a:latin typeface="Arial"/>
             </a:endParaRPr>
           </a:p>
         </p:txBody>
@@ -5788,8 +5608,8 @@
         </p:nvSpPr>
         <p:spPr>
           <a:xfrm>
-            <a:off x="5621040" y="4258080"/>
-            <a:ext cx="1911600" cy="1479240"/>
+            <a:off x="6022080" y="3682080"/>
+            <a:ext cx="2649600" cy="1896840"/>
           </a:xfrm>
           <a:prstGeom prst="rect">
             <a:avLst/>
@@ -5804,11 +5624,8 @@
             <a:normAutofit/>
           </a:bodyPr>
           <a:p>
-            <a:endParaRPr b="0" lang="en-US" sz="1800" spc="-1" strike="noStrike">
-              <a:solidFill>
-                <a:srgbClr val="262626"/>
-              </a:solidFill>
-              <a:latin typeface="Gill Sans MT"/>
+            <a:endParaRPr b="0" lang="en-US" sz="3200" spc="-1" strike="noStrike">
+              <a:latin typeface="Arial"/>
             </a:endParaRPr>
           </a:p>
         </p:txBody>
@@ -5820,7 +5637,7 @@
             <a:spLocks noGrp="1"/>
           </p:cNvSpPr>
           <p:nvPr>
-            <p:ph type="ftr" idx="8"/>
+            <p:ph type="ftr" idx="7"/>
           </p:nvPr>
         </p:nvSpPr>
         <p:spPr/>
@@ -5840,14 +5657,14 @@
             <a:spLocks noGrp="1"/>
           </p:cNvSpPr>
           <p:nvPr>
-            <p:ph type="sldNum" idx="9"/>
+            <p:ph type="sldNum" idx="8"/>
           </p:nvPr>
         </p:nvSpPr>
         <p:spPr/>
         <p:txBody>
           <a:bodyPr/>
           <a:p>
-            <a:fld id="{628E41A1-4FA0-44EB-B07B-D5766E50011C}" type="slidenum">
+            <a:fld id="{12684A18-E944-4D24-BEFE-01E6E99CBA08}" type="slidenum">
               <a:t>&lt;#&gt;</a:t>
             </a:fld>
           </a:p>
@@ -5860,7 +5677,7 @@
             <a:spLocks noGrp="1"/>
           </p:cNvSpPr>
           <p:nvPr>
-            <p:ph type="dt" idx="7"/>
+            <p:ph type="dt" idx="9"/>
           </p:nvPr>
         </p:nvSpPr>
         <p:spPr/>
@@ -5908,8 +5725,8 @@
         </p:nvSpPr>
         <p:spPr>
           <a:xfrm>
-            <a:off x="1605960" y="964800"/>
-            <a:ext cx="5937480" cy="1188360"/>
+            <a:off x="457200" y="273600"/>
+            <a:ext cx="8229240" cy="1144800"/>
           </a:xfrm>
           <a:prstGeom prst="rect">
             <a:avLst/>
@@ -5924,11 +5741,11 @@
             <a:noAutofit/>
           </a:bodyPr>
           <a:p>
-            <a:endParaRPr b="0" lang="en-US" sz="1800" spc="-1" strike="noStrike">
-              <a:solidFill>
-                <a:srgbClr val="000000"/>
-              </a:solidFill>
-              <a:latin typeface="Gill Sans MT"/>
+            <a:pPr algn="ctr">
+              <a:buNone/>
+            </a:pPr>
+            <a:endParaRPr b="0" lang="en-US" sz="4400" spc="-1" strike="noStrike">
+              <a:latin typeface="Arial"/>
             </a:endParaRPr>
           </a:p>
         </p:txBody>
@@ -5945,8 +5762,8 @@
         </p:nvSpPr>
         <p:spPr>
           <a:xfrm>
-            <a:off x="1605960" y="2638080"/>
-            <a:ext cx="2897280" cy="3101760"/>
+            <a:off x="457200" y="1604520"/>
+            <a:ext cx="4015800" cy="3977280"/>
           </a:xfrm>
           <a:prstGeom prst="rect">
             <a:avLst/>
@@ -5961,11 +5778,8 @@
             <a:normAutofit/>
           </a:bodyPr>
           <a:p>
-            <a:endParaRPr b="0" lang="en-US" sz="1800" spc="-1" strike="noStrike">
-              <a:solidFill>
-                <a:srgbClr val="262626"/>
-              </a:solidFill>
-              <a:latin typeface="Gill Sans MT"/>
+            <a:endParaRPr b="0" lang="en-US" sz="3200" spc="-1" strike="noStrike">
+              <a:latin typeface="Arial"/>
             </a:endParaRPr>
           </a:p>
         </p:txBody>
@@ -5982,8 +5796,8 @@
         </p:nvSpPr>
         <p:spPr>
           <a:xfrm>
-            <a:off x="4648320" y="2638080"/>
-            <a:ext cx="2897280" cy="3101760"/>
+            <a:off x="4674240" y="1604520"/>
+            <a:ext cx="4015800" cy="3977280"/>
           </a:xfrm>
           <a:prstGeom prst="rect">
             <a:avLst/>
@@ -5998,11 +5812,8 @@
             <a:normAutofit/>
           </a:bodyPr>
           <a:p>
-            <a:endParaRPr b="0" lang="en-US" sz="1800" spc="-1" strike="noStrike">
-              <a:solidFill>
-                <a:srgbClr val="262626"/>
-              </a:solidFill>
-              <a:latin typeface="Gill Sans MT"/>
+            <a:endParaRPr b="0" lang="en-US" sz="3200" spc="-1" strike="noStrike">
+              <a:latin typeface="Arial"/>
             </a:endParaRPr>
           </a:p>
         </p:txBody>
@@ -6014,7 +5825,7 @@
             <a:spLocks noGrp="1"/>
           </p:cNvSpPr>
           <p:nvPr>
-            <p:ph type="ftr" idx="2"/>
+            <p:ph type="ftr" idx="1"/>
           </p:nvPr>
         </p:nvSpPr>
         <p:spPr/>
@@ -6034,14 +5845,14 @@
             <a:spLocks noGrp="1"/>
           </p:cNvSpPr>
           <p:nvPr>
-            <p:ph type="sldNum" idx="3"/>
+            <p:ph type="sldNum" idx="2"/>
           </p:nvPr>
         </p:nvSpPr>
         <p:spPr/>
         <p:txBody>
           <a:bodyPr/>
           <a:p>
-            <a:fld id="{157F16DD-BB0D-4AB0-9F6E-98E0E8B0AC17}" type="slidenum">
+            <a:fld id="{A765B775-5E31-4ADD-98B4-BAFAF8BDA844}" type="slidenum">
               <a:t>&lt;#&gt;</a:t>
             </a:fld>
           </a:p>
@@ -6054,7 +5865,7 @@
             <a:spLocks noGrp="1"/>
           </p:cNvSpPr>
           <p:nvPr>
-            <p:ph type="dt" idx="1"/>
+            <p:ph type="dt" idx="3"/>
           </p:nvPr>
         </p:nvSpPr>
         <p:spPr/>
@@ -6102,8 +5913,8 @@
         </p:nvSpPr>
         <p:spPr>
           <a:xfrm>
-            <a:off x="1605960" y="964800"/>
-            <a:ext cx="5937480" cy="1188360"/>
+            <a:off x="457200" y="273600"/>
+            <a:ext cx="8229240" cy="1144800"/>
           </a:xfrm>
           <a:prstGeom prst="rect">
             <a:avLst/>
@@ -6118,11 +5929,11 @@
             <a:noAutofit/>
           </a:bodyPr>
           <a:p>
-            <a:endParaRPr b="0" lang="en-US" sz="1800" spc="-1" strike="noStrike">
-              <a:solidFill>
-                <a:srgbClr val="000000"/>
-              </a:solidFill>
-              <a:latin typeface="Gill Sans MT"/>
+            <a:pPr algn="ctr">
+              <a:buNone/>
+            </a:pPr>
+            <a:endParaRPr b="0" lang="en-US" sz="4400" spc="-1" strike="noStrike">
+              <a:latin typeface="Arial"/>
             </a:endParaRPr>
           </a:p>
         </p:txBody>
@@ -6134,7 +5945,7 @@
             <a:spLocks noGrp="1"/>
           </p:cNvSpPr>
           <p:nvPr>
-            <p:ph type="ftr" idx="2"/>
+            <p:ph type="ftr" idx="1"/>
           </p:nvPr>
         </p:nvSpPr>
         <p:spPr/>
@@ -6154,14 +5965,14 @@
             <a:spLocks noGrp="1"/>
           </p:cNvSpPr>
           <p:nvPr>
-            <p:ph type="sldNum" idx="3"/>
+            <p:ph type="sldNum" idx="2"/>
           </p:nvPr>
         </p:nvSpPr>
         <p:spPr/>
         <p:txBody>
           <a:bodyPr/>
           <a:p>
-            <a:fld id="{7999C744-7340-41AF-B933-F47D35995438}" type="slidenum">
+            <a:fld id="{F483AEED-E0B8-4E70-8FD8-3770267E3708}" type="slidenum">
               <a:t>&lt;#&gt;</a:t>
             </a:fld>
           </a:p>
@@ -6174,7 +5985,7 @@
             <a:spLocks noGrp="1"/>
           </p:cNvSpPr>
           <p:nvPr>
-            <p:ph type="dt" idx="1"/>
+            <p:ph type="dt" idx="3"/>
           </p:nvPr>
         </p:nvSpPr>
         <p:spPr/>
@@ -6222,8 +6033,8 @@
         </p:nvSpPr>
         <p:spPr>
           <a:xfrm>
-            <a:off x="1605960" y="964800"/>
-            <a:ext cx="5937480" cy="5509800"/>
+            <a:off x="457200" y="273600"/>
+            <a:ext cx="8229240" cy="5307840"/>
           </a:xfrm>
           <a:prstGeom prst="rect">
             <a:avLst/>
@@ -6254,7 +6065,7 @@
             <a:spLocks noGrp="1"/>
           </p:cNvSpPr>
           <p:nvPr>
-            <p:ph type="ftr" idx="2"/>
+            <p:ph type="ftr" idx="1"/>
           </p:nvPr>
         </p:nvSpPr>
         <p:spPr/>
@@ -6274,14 +6085,14 @@
             <a:spLocks noGrp="1"/>
           </p:cNvSpPr>
           <p:nvPr>
-            <p:ph type="sldNum" idx="3"/>
+            <p:ph type="sldNum" idx="2"/>
           </p:nvPr>
         </p:nvSpPr>
         <p:spPr/>
         <p:txBody>
           <a:bodyPr/>
           <a:p>
-            <a:fld id="{8DCB178A-85E0-4550-B72B-A02CF1E4915F}" type="slidenum">
+            <a:fld id="{A65AE192-E0B2-4692-8E81-FA6707439A34}" type="slidenum">
               <a:t>&lt;#&gt;</a:t>
             </a:fld>
           </a:p>
@@ -6294,7 +6105,7 @@
             <a:spLocks noGrp="1"/>
           </p:cNvSpPr>
           <p:nvPr>
-            <p:ph type="dt" idx="1"/>
+            <p:ph type="dt" idx="3"/>
           </p:nvPr>
         </p:nvSpPr>
         <p:spPr/>
@@ -6342,8 +6153,8 @@
         </p:nvSpPr>
         <p:spPr>
           <a:xfrm>
-            <a:off x="1605960" y="964800"/>
-            <a:ext cx="5937480" cy="1188360"/>
+            <a:off x="457200" y="273600"/>
+            <a:ext cx="8229240" cy="1144800"/>
           </a:xfrm>
           <a:prstGeom prst="rect">
             <a:avLst/>
@@ -6358,11 +6169,11 @@
             <a:noAutofit/>
           </a:bodyPr>
           <a:p>
-            <a:endParaRPr b="0" lang="en-US" sz="1800" spc="-1" strike="noStrike">
-              <a:solidFill>
-                <a:srgbClr val="000000"/>
-              </a:solidFill>
-              <a:latin typeface="Gill Sans MT"/>
+            <a:pPr algn="ctr">
+              <a:buNone/>
+            </a:pPr>
+            <a:endParaRPr b="0" lang="en-US" sz="4400" spc="-1" strike="noStrike">
+              <a:latin typeface="Arial"/>
             </a:endParaRPr>
           </a:p>
         </p:txBody>
@@ -6379,8 +6190,8 @@
         </p:nvSpPr>
         <p:spPr>
           <a:xfrm>
-            <a:off x="1605960" y="2638080"/>
-            <a:ext cx="2897280" cy="1479240"/>
+            <a:off x="457200" y="1604520"/>
+            <a:ext cx="4015800" cy="1896840"/>
           </a:xfrm>
           <a:prstGeom prst="rect">
             <a:avLst/>
@@ -6395,11 +6206,8 @@
             <a:normAutofit/>
           </a:bodyPr>
           <a:p>
-            <a:endParaRPr b="0" lang="en-US" sz="1800" spc="-1" strike="noStrike">
-              <a:solidFill>
-                <a:srgbClr val="262626"/>
-              </a:solidFill>
-              <a:latin typeface="Gill Sans MT"/>
+            <a:endParaRPr b="0" lang="en-US" sz="3200" spc="-1" strike="noStrike">
+              <a:latin typeface="Arial"/>
             </a:endParaRPr>
           </a:p>
         </p:txBody>
@@ -6416,8 +6224,8 @@
         </p:nvSpPr>
         <p:spPr>
           <a:xfrm>
-            <a:off x="4648320" y="2638080"/>
-            <a:ext cx="2897280" cy="3101760"/>
+            <a:off x="4674240" y="1604520"/>
+            <a:ext cx="4015800" cy="3977280"/>
           </a:xfrm>
           <a:prstGeom prst="rect">
             <a:avLst/>
@@ -6432,11 +6240,8 @@
             <a:normAutofit/>
           </a:bodyPr>
           <a:p>
-            <a:endParaRPr b="0" lang="en-US" sz="1800" spc="-1" strike="noStrike">
-              <a:solidFill>
-                <a:srgbClr val="262626"/>
-              </a:solidFill>
-              <a:latin typeface="Gill Sans MT"/>
+            <a:endParaRPr b="0" lang="en-US" sz="3200" spc="-1" strike="noStrike">
+              <a:latin typeface="Arial"/>
             </a:endParaRPr>
           </a:p>
         </p:txBody>
@@ -6453,8 +6258,8 @@
         </p:nvSpPr>
         <p:spPr>
           <a:xfrm>
-            <a:off x="1605960" y="4258080"/>
-            <a:ext cx="2897280" cy="1479240"/>
+            <a:off x="457200" y="3682080"/>
+            <a:ext cx="4015800" cy="1896840"/>
           </a:xfrm>
           <a:prstGeom prst="rect">
             <a:avLst/>
@@ -6469,11 +6274,8 @@
             <a:normAutofit/>
           </a:bodyPr>
           <a:p>
-            <a:endParaRPr b="0" lang="en-US" sz="1800" spc="-1" strike="noStrike">
-              <a:solidFill>
-                <a:srgbClr val="262626"/>
-              </a:solidFill>
-              <a:latin typeface="Gill Sans MT"/>
+            <a:endParaRPr b="0" lang="en-US" sz="3200" spc="-1" strike="noStrike">
+              <a:latin typeface="Arial"/>
             </a:endParaRPr>
           </a:p>
         </p:txBody>
@@ -6485,7 +6287,7 @@
             <a:spLocks noGrp="1"/>
           </p:cNvSpPr>
           <p:nvPr>
-            <p:ph type="ftr" idx="2"/>
+            <p:ph type="ftr" idx="1"/>
           </p:nvPr>
         </p:nvSpPr>
         <p:spPr/>
@@ -6505,14 +6307,14 @@
             <a:spLocks noGrp="1"/>
           </p:cNvSpPr>
           <p:nvPr>
-            <p:ph type="sldNum" idx="3"/>
+            <p:ph type="sldNum" idx="2"/>
           </p:nvPr>
         </p:nvSpPr>
         <p:spPr/>
         <p:txBody>
           <a:bodyPr/>
           <a:p>
-            <a:fld id="{A4F03779-5B4E-4B4C-B066-2D9CFC570AA1}" type="slidenum">
+            <a:fld id="{D0A84861-143D-496E-AE74-4062D0D19039}" type="slidenum">
               <a:t>&lt;#&gt;</a:t>
             </a:fld>
           </a:p>
@@ -6525,7 +6327,7 @@
             <a:spLocks noGrp="1"/>
           </p:cNvSpPr>
           <p:nvPr>
-            <p:ph type="dt" idx="1"/>
+            <p:ph type="dt" idx="3"/>
           </p:nvPr>
         </p:nvSpPr>
         <p:spPr/>
@@ -6573,8 +6375,8 @@
         </p:nvSpPr>
         <p:spPr>
           <a:xfrm>
-            <a:off x="1605960" y="964800"/>
-            <a:ext cx="5937480" cy="1188360"/>
+            <a:off x="457200" y="273600"/>
+            <a:ext cx="8229240" cy="1144800"/>
           </a:xfrm>
           <a:prstGeom prst="rect">
             <a:avLst/>
@@ -6589,11 +6391,11 @@
             <a:noAutofit/>
           </a:bodyPr>
           <a:p>
-            <a:endParaRPr b="0" lang="en-US" sz="1800" spc="-1" strike="noStrike">
-              <a:solidFill>
-                <a:srgbClr val="000000"/>
-              </a:solidFill>
-              <a:latin typeface="Gill Sans MT"/>
+            <a:pPr algn="ctr">
+              <a:buNone/>
+            </a:pPr>
+            <a:endParaRPr b="0" lang="en-US" sz="4400" spc="-1" strike="noStrike">
+              <a:latin typeface="Arial"/>
             </a:endParaRPr>
           </a:p>
         </p:txBody>
@@ -6610,8 +6412,8 @@
         </p:nvSpPr>
         <p:spPr>
           <a:xfrm>
-            <a:off x="1605960" y="2638080"/>
-            <a:ext cx="2897280" cy="3101760"/>
+            <a:off x="457200" y="1604520"/>
+            <a:ext cx="4015800" cy="3977280"/>
           </a:xfrm>
           <a:prstGeom prst="rect">
             <a:avLst/>
@@ -6626,11 +6428,8 @@
             <a:normAutofit/>
           </a:bodyPr>
           <a:p>
-            <a:endParaRPr b="0" lang="en-US" sz="1800" spc="-1" strike="noStrike">
-              <a:solidFill>
-                <a:srgbClr val="262626"/>
-              </a:solidFill>
-              <a:latin typeface="Gill Sans MT"/>
+            <a:endParaRPr b="0" lang="en-US" sz="3200" spc="-1" strike="noStrike">
+              <a:latin typeface="Arial"/>
             </a:endParaRPr>
           </a:p>
         </p:txBody>
@@ -6647,8 +6446,8 @@
         </p:nvSpPr>
         <p:spPr>
           <a:xfrm>
-            <a:off x="4648320" y="2638080"/>
-            <a:ext cx="2897280" cy="1479240"/>
+            <a:off x="4674240" y="1604520"/>
+            <a:ext cx="4015800" cy="1896840"/>
           </a:xfrm>
           <a:prstGeom prst="rect">
             <a:avLst/>
@@ -6663,11 +6462,8 @@
             <a:normAutofit/>
           </a:bodyPr>
           <a:p>
-            <a:endParaRPr b="0" lang="en-US" sz="1800" spc="-1" strike="noStrike">
-              <a:solidFill>
-                <a:srgbClr val="262626"/>
-              </a:solidFill>
-              <a:latin typeface="Gill Sans MT"/>
+            <a:endParaRPr b="0" lang="en-US" sz="3200" spc="-1" strike="noStrike">
+              <a:latin typeface="Arial"/>
             </a:endParaRPr>
           </a:p>
         </p:txBody>
@@ -6684,8 +6480,8 @@
         </p:nvSpPr>
         <p:spPr>
           <a:xfrm>
-            <a:off x="4648320" y="4258080"/>
-            <a:ext cx="2897280" cy="1479240"/>
+            <a:off x="4674240" y="3682080"/>
+            <a:ext cx="4015800" cy="1896840"/>
           </a:xfrm>
           <a:prstGeom prst="rect">
             <a:avLst/>
@@ -6700,11 +6496,8 @@
             <a:normAutofit/>
           </a:bodyPr>
           <a:p>
-            <a:endParaRPr b="0" lang="en-US" sz="1800" spc="-1" strike="noStrike">
-              <a:solidFill>
-                <a:srgbClr val="262626"/>
-              </a:solidFill>
-              <a:latin typeface="Gill Sans MT"/>
+            <a:endParaRPr b="0" lang="en-US" sz="3200" spc="-1" strike="noStrike">
+              <a:latin typeface="Arial"/>
             </a:endParaRPr>
           </a:p>
         </p:txBody>
@@ -6716,7 +6509,7 @@
             <a:spLocks noGrp="1"/>
           </p:cNvSpPr>
           <p:nvPr>
-            <p:ph type="ftr" idx="2"/>
+            <p:ph type="ftr" idx="1"/>
           </p:nvPr>
         </p:nvSpPr>
         <p:spPr/>
@@ -6736,14 +6529,14 @@
             <a:spLocks noGrp="1"/>
           </p:cNvSpPr>
           <p:nvPr>
-            <p:ph type="sldNum" idx="3"/>
+            <p:ph type="sldNum" idx="2"/>
           </p:nvPr>
         </p:nvSpPr>
         <p:spPr/>
         <p:txBody>
           <a:bodyPr/>
           <a:p>
-            <a:fld id="{7BA637F6-2A58-408D-8006-38863010B951}" type="slidenum">
+            <a:fld id="{5167545E-1CAA-42B6-A056-7A435B5D1509}" type="slidenum">
               <a:t>&lt;#&gt;</a:t>
             </a:fld>
           </a:p>
@@ -6756,7 +6549,7 @@
             <a:spLocks noGrp="1"/>
           </p:cNvSpPr>
           <p:nvPr>
-            <p:ph type="dt" idx="1"/>
+            <p:ph type="dt" idx="3"/>
           </p:nvPr>
         </p:nvSpPr>
         <p:spPr/>
@@ -6804,8 +6597,8 @@
         </p:nvSpPr>
         <p:spPr>
           <a:xfrm>
-            <a:off x="1605960" y="964800"/>
-            <a:ext cx="5937480" cy="1188360"/>
+            <a:off x="457200" y="273600"/>
+            <a:ext cx="8229240" cy="1144800"/>
           </a:xfrm>
           <a:prstGeom prst="rect">
             <a:avLst/>
@@ -6820,11 +6613,11 @@
             <a:noAutofit/>
           </a:bodyPr>
           <a:p>
-            <a:endParaRPr b="0" lang="en-US" sz="1800" spc="-1" strike="noStrike">
-              <a:solidFill>
-                <a:srgbClr val="000000"/>
-              </a:solidFill>
-              <a:latin typeface="Gill Sans MT"/>
+            <a:pPr algn="ctr">
+              <a:buNone/>
+            </a:pPr>
+            <a:endParaRPr b="0" lang="en-US" sz="4400" spc="-1" strike="noStrike">
+              <a:latin typeface="Arial"/>
             </a:endParaRPr>
           </a:p>
         </p:txBody>
@@ -6841,8 +6634,8 @@
         </p:nvSpPr>
         <p:spPr>
           <a:xfrm>
-            <a:off x="1605960" y="2638080"/>
-            <a:ext cx="2897280" cy="1479240"/>
+            <a:off x="457200" y="1604520"/>
+            <a:ext cx="4015800" cy="1896840"/>
           </a:xfrm>
           <a:prstGeom prst="rect">
             <a:avLst/>
@@ -6857,11 +6650,8 @@
             <a:normAutofit/>
           </a:bodyPr>
           <a:p>
-            <a:endParaRPr b="0" lang="en-US" sz="1800" spc="-1" strike="noStrike">
-              <a:solidFill>
-                <a:srgbClr val="262626"/>
-              </a:solidFill>
-              <a:latin typeface="Gill Sans MT"/>
+            <a:endParaRPr b="0" lang="en-US" sz="3200" spc="-1" strike="noStrike">
+              <a:latin typeface="Arial"/>
             </a:endParaRPr>
           </a:p>
         </p:txBody>
@@ -6878,8 +6668,8 @@
         </p:nvSpPr>
         <p:spPr>
           <a:xfrm>
-            <a:off x="4648320" y="2638080"/>
-            <a:ext cx="2897280" cy="1479240"/>
+            <a:off x="4674240" y="1604520"/>
+            <a:ext cx="4015800" cy="1896840"/>
           </a:xfrm>
           <a:prstGeom prst="rect">
             <a:avLst/>
@@ -6894,11 +6684,8 @@
             <a:normAutofit/>
           </a:bodyPr>
           <a:p>
-            <a:endParaRPr b="0" lang="en-US" sz="1800" spc="-1" strike="noStrike">
-              <a:solidFill>
-                <a:srgbClr val="262626"/>
-              </a:solidFill>
-              <a:latin typeface="Gill Sans MT"/>
+            <a:endParaRPr b="0" lang="en-US" sz="3200" spc="-1" strike="noStrike">
+              <a:latin typeface="Arial"/>
             </a:endParaRPr>
           </a:p>
         </p:txBody>
@@ -6915,8 +6702,8 @@
         </p:nvSpPr>
         <p:spPr>
           <a:xfrm>
-            <a:off x="1605960" y="4258080"/>
-            <a:ext cx="5937480" cy="1479240"/>
+            <a:off x="457200" y="3682080"/>
+            <a:ext cx="8229240" cy="1896840"/>
           </a:xfrm>
           <a:prstGeom prst="rect">
             <a:avLst/>
@@ -6931,11 +6718,8 @@
             <a:normAutofit/>
           </a:bodyPr>
           <a:p>
-            <a:endParaRPr b="0" lang="en-US" sz="1800" spc="-1" strike="noStrike">
-              <a:solidFill>
-                <a:srgbClr val="262626"/>
-              </a:solidFill>
-              <a:latin typeface="Gill Sans MT"/>
+            <a:endParaRPr b="0" lang="en-US" sz="3200" spc="-1" strike="noStrike">
+              <a:latin typeface="Arial"/>
             </a:endParaRPr>
           </a:p>
         </p:txBody>
@@ -6947,7 +6731,7 @@
             <a:spLocks noGrp="1"/>
           </p:cNvSpPr>
           <p:nvPr>
-            <p:ph type="ftr" idx="2"/>
+            <p:ph type="ftr" idx="1"/>
           </p:nvPr>
         </p:nvSpPr>
         <p:spPr/>
@@ -6967,14 +6751,14 @@
             <a:spLocks noGrp="1"/>
           </p:cNvSpPr>
           <p:nvPr>
-            <p:ph type="sldNum" idx="3"/>
+            <p:ph type="sldNum" idx="2"/>
           </p:nvPr>
         </p:nvSpPr>
         <p:spPr/>
         <p:txBody>
           <a:bodyPr/>
           <a:p>
-            <a:fld id="{98BB4662-686B-436C-AD51-19430D4A0477}" type="slidenum">
+            <a:fld id="{454A7D91-E800-481C-A33D-3A4A4D3131C6}" type="slidenum">
               <a:t>&lt;#&gt;</a:t>
             </a:fld>
           </a:p>
@@ -6987,7 +6771,7 @@
             <a:spLocks noGrp="1"/>
           </p:cNvSpPr>
           <p:nvPr>
-            <p:ph type="dt" idx="1"/>
+            <p:ph type="dt" idx="3"/>
           </p:nvPr>
         </p:nvSpPr>
         <p:spPr/>
@@ -7042,183 +6826,249 @@
         </p:nvSpPr>
         <p:spPr>
           <a:xfrm>
-            <a:off x="1102320" y="2386800"/>
-            <a:ext cx="6939000" cy="1645560"/>
-          </a:xfrm>
-          <a:prstGeom prst="rect">
-            <a:avLst/>
-          </a:prstGeom>
-          <a:solidFill>
-            <a:srgbClr val="ffffff"/>
-          </a:solidFill>
-          <a:ln cap="sq" w="38160">
-            <a:solidFill>
-              <a:srgbClr val="404040"/>
-            </a:solidFill>
-            <a:miter/>
-          </a:ln>
-        </p:spPr>
-        <p:txBody>
-          <a:bodyPr lIns="274320" rIns="274320" tIns="182880" bIns="182880" anchor="ctr" anchorCtr="1">
+            <a:off x="457200" y="273600"/>
+            <a:ext cx="8228880" cy="1144440"/>
+          </a:xfrm>
+          <a:prstGeom prst="rect">
+            <a:avLst/>
+          </a:prstGeom>
+          <a:noFill/>
+          <a:ln w="0">
+            <a:noFill/>
+          </a:ln>
+        </p:spPr>
+        <p:txBody>
+          <a:bodyPr lIns="0" rIns="0" tIns="0" bIns="0" anchor="ctr" anchorCtr="1">
+            <a:noAutofit/>
+          </a:bodyPr>
+          <a:p>
+            <a:r>
+              <a:rPr b="0" lang="en-US" sz="1800" spc="-1" strike="noStrike">
+                <a:latin typeface="Arial"/>
+              </a:rPr>
+              <a:t>Click to edit the title text format</a:t>
+            </a:r>
+            <a:endParaRPr b="0" lang="en-US" sz="1800" spc="-1" strike="noStrike">
+              <a:latin typeface="Arial"/>
+            </a:endParaRPr>
+          </a:p>
+        </p:txBody>
+      </p:sp>
+      <p:sp>
+        <p:nvSpPr>
+          <p:cNvPr id="1" name="PlaceHolder 2"/>
+          <p:cNvSpPr>
+            <a:spLocks noGrp="1"/>
+          </p:cNvSpPr>
+          <p:nvPr>
+            <p:ph type="body"/>
+          </p:nvPr>
+        </p:nvSpPr>
+        <p:spPr>
+          <a:xfrm>
+            <a:off x="457200" y="1604520"/>
+            <a:ext cx="8228880" cy="3976920"/>
+          </a:xfrm>
+          <a:prstGeom prst="rect">
+            <a:avLst/>
+          </a:prstGeom>
+          <a:noFill/>
+          <a:ln w="0">
+            <a:noFill/>
+          </a:ln>
+        </p:spPr>
+        <p:txBody>
+          <a:bodyPr lIns="0" rIns="0" tIns="0" bIns="0" anchor="t">
             <a:normAutofit/>
           </a:bodyPr>
           <a:p>
-            <a:pPr algn="ctr">
-              <a:lnSpc>
-                <a:spcPct val="90000"/>
-              </a:lnSpc>
-              <a:buNone/>
+            <a:pPr marL="432000" indent="-324000">
+              <a:spcBef>
+                <a:spcPts val="1417"/>
+              </a:spcBef>
+              <a:buClr>
+                <a:srgbClr val="000000"/>
+              </a:buClr>
+              <a:buSzPct val="45000"/>
+              <a:buFont typeface="Wingdings" charset="2"/>
+              <a:buChar char=""/>
             </a:pPr>
             <a:r>
-              <a:rPr b="0" lang="en-US" sz="3500" spc="199" strike="noStrike" cap="all">
-                <a:solidFill>
-                  <a:srgbClr val="262626"/>
-                </a:solidFill>
-                <a:latin typeface="Gill Sans MT"/>
+              <a:rPr b="0" lang="en-US" sz="1800" spc="-1" strike="noStrike">
+                <a:latin typeface="Arial"/>
               </a:rPr>
-              <a:t>Click to </a:t>
-            </a:r>
-            <a:r>
-              <a:rPr b="0" lang="en-US" sz="3500" spc="199" strike="noStrike" cap="all">
-                <a:solidFill>
-                  <a:srgbClr val="262626"/>
-                </a:solidFill>
-                <a:latin typeface="Gill Sans MT"/>
+              <a:t>Click to edit the outline text format</a:t>
+            </a:r>
+            <a:endParaRPr b="0" lang="en-US" sz="1800" spc="-1" strike="noStrike">
+              <a:latin typeface="Arial"/>
+            </a:endParaRPr>
+          </a:p>
+          <a:p>
+            <a:pPr lvl="1" marL="864000" indent="-324000">
+              <a:spcBef>
+                <a:spcPts val="1134"/>
+              </a:spcBef>
+              <a:buClr>
+                <a:srgbClr val="000000"/>
+              </a:buClr>
+              <a:buSzPct val="75000"/>
+              <a:buFont typeface="Symbol" charset="2"/>
+              <a:buChar char=""/>
+            </a:pPr>
+            <a:r>
+              <a:rPr b="0" lang="en-US" sz="1800" spc="-1" strike="noStrike">
+                <a:latin typeface="Arial"/>
               </a:rPr>
-              <a:t>edit </a:t>
-            </a:r>
-            <a:r>
-              <a:rPr b="0" lang="en-US" sz="3500" spc="199" strike="noStrike" cap="all">
-                <a:solidFill>
-                  <a:srgbClr val="262626"/>
-                </a:solidFill>
-                <a:latin typeface="Gill Sans MT"/>
+              <a:t>Second Outline Level</a:t>
+            </a:r>
+            <a:endParaRPr b="0" lang="en-US" sz="1800" spc="-1" strike="noStrike">
+              <a:latin typeface="Arial"/>
+            </a:endParaRPr>
+          </a:p>
+          <a:p>
+            <a:pPr lvl="2" marL="1296000" indent="-288000">
+              <a:spcBef>
+                <a:spcPts val="850"/>
+              </a:spcBef>
+              <a:buClr>
+                <a:srgbClr val="000000"/>
+              </a:buClr>
+              <a:buSzPct val="45000"/>
+              <a:buFont typeface="Wingdings" charset="2"/>
+              <a:buChar char=""/>
+            </a:pPr>
+            <a:r>
+              <a:rPr b="0" lang="en-US" sz="1800" spc="-1" strike="noStrike">
+                <a:latin typeface="Arial"/>
               </a:rPr>
-              <a:t>Master </a:t>
-            </a:r>
-            <a:r>
-              <a:rPr b="0" lang="en-US" sz="3500" spc="199" strike="noStrike" cap="all">
-                <a:solidFill>
-                  <a:srgbClr val="262626"/>
-                </a:solidFill>
-                <a:latin typeface="Gill Sans MT"/>
+              <a:t>Third Outline Level</a:t>
+            </a:r>
+            <a:endParaRPr b="0" lang="en-US" sz="1800" spc="-1" strike="noStrike">
+              <a:latin typeface="Arial"/>
+            </a:endParaRPr>
+          </a:p>
+          <a:p>
+            <a:pPr lvl="3" marL="1728000" indent="-216000">
+              <a:spcBef>
+                <a:spcPts val="567"/>
+              </a:spcBef>
+              <a:buClr>
+                <a:srgbClr val="000000"/>
+              </a:buClr>
+              <a:buSzPct val="75000"/>
+              <a:buFont typeface="Symbol" charset="2"/>
+              <a:buChar char=""/>
+            </a:pPr>
+            <a:r>
+              <a:rPr b="0" lang="en-US" sz="1800" spc="-1" strike="noStrike">
+                <a:latin typeface="Arial"/>
               </a:rPr>
-              <a:t>title </a:t>
-            </a:r>
-            <a:r>
-              <a:rPr b="0" lang="en-US" sz="3500" spc="199" strike="noStrike" cap="all">
-                <a:solidFill>
-                  <a:srgbClr val="262626"/>
-                </a:solidFill>
-                <a:latin typeface="Gill Sans MT"/>
+              <a:t>Fourth Outline Level</a:t>
+            </a:r>
+            <a:endParaRPr b="0" lang="en-US" sz="1800" spc="-1" strike="noStrike">
+              <a:latin typeface="Arial"/>
+            </a:endParaRPr>
+          </a:p>
+          <a:p>
+            <a:pPr lvl="4" marL="2160000" indent="-216000">
+              <a:spcBef>
+                <a:spcPts val="283"/>
+              </a:spcBef>
+              <a:buClr>
+                <a:srgbClr val="000000"/>
+              </a:buClr>
+              <a:buSzPct val="45000"/>
+              <a:buFont typeface="Wingdings" charset="2"/>
+              <a:buChar char=""/>
+            </a:pPr>
+            <a:r>
+              <a:rPr b="0" lang="en-US" sz="1800" spc="-1" strike="noStrike">
+                <a:latin typeface="Arial"/>
               </a:rPr>
-              <a:t>style</a:t>
-            </a:r>
-            <a:endParaRPr b="0" lang="en-US" sz="3500" spc="-1" strike="noStrike">
-              <a:solidFill>
-                <a:srgbClr val="ffffff"/>
-              </a:solidFill>
-              <a:latin typeface="Gill Sans MT"/>
-            </a:endParaRPr>
-          </a:p>
-        </p:txBody>
-      </p:sp>
-      <p:sp>
-        <p:nvSpPr>
-          <p:cNvPr id="1" name="PlaceHolder 2"/>
-          <p:cNvSpPr>
-            <a:spLocks noGrp="1"/>
-          </p:cNvSpPr>
-          <p:nvPr>
-            <p:ph type="dt" idx="1"/>
-          </p:nvPr>
-        </p:nvSpPr>
-        <p:spPr>
-          <a:xfrm>
-            <a:off x="5978880" y="6238800"/>
-            <a:ext cx="2064960" cy="323640"/>
-          </a:xfrm>
-          <a:prstGeom prst="rect">
-            <a:avLst/>
-          </a:prstGeom>
-          <a:noFill/>
-          <a:ln w="0">
-            <a:noFill/>
-          </a:ln>
-        </p:spPr>
-        <p:txBody>
-          <a:bodyPr anchor="ctr">
+              <a:t>Fifth Outline Level</a:t>
+            </a:r>
+            <a:endParaRPr b="0" lang="en-US" sz="1800" spc="-1" strike="noStrike">
+              <a:latin typeface="Arial"/>
+            </a:endParaRPr>
+          </a:p>
+          <a:p>
+            <a:pPr lvl="5" marL="2592000" indent="-216000">
+              <a:spcBef>
+                <a:spcPts val="283"/>
+              </a:spcBef>
+              <a:buClr>
+                <a:srgbClr val="000000"/>
+              </a:buClr>
+              <a:buSzPct val="45000"/>
+              <a:buFont typeface="Wingdings" charset="2"/>
+              <a:buChar char=""/>
+            </a:pPr>
+            <a:r>
+              <a:rPr b="0" lang="en-US" sz="1800" spc="-1" strike="noStrike">
+                <a:latin typeface="Arial"/>
+              </a:rPr>
+              <a:t>Sixth Outline Level</a:t>
+            </a:r>
+            <a:endParaRPr b="0" lang="en-US" sz="1800" spc="-1" strike="noStrike">
+              <a:latin typeface="Arial"/>
+            </a:endParaRPr>
+          </a:p>
+          <a:p>
+            <a:pPr lvl="6" marL="3024000" indent="-216000">
+              <a:spcBef>
+                <a:spcPts val="283"/>
+              </a:spcBef>
+              <a:buClr>
+                <a:srgbClr val="000000"/>
+              </a:buClr>
+              <a:buSzPct val="45000"/>
+              <a:buFont typeface="Wingdings" charset="2"/>
+              <a:buChar char=""/>
+            </a:pPr>
+            <a:r>
+              <a:rPr b="0" lang="en-US" sz="1800" spc="-1" strike="noStrike">
+                <a:latin typeface="Arial"/>
+              </a:rPr>
+              <a:t>Seventh Outline Level</a:t>
+            </a:r>
+            <a:endParaRPr b="0" lang="en-US" sz="1800" spc="-1" strike="noStrike">
+              <a:latin typeface="Arial"/>
+            </a:endParaRPr>
+          </a:p>
+        </p:txBody>
+      </p:sp>
+      <p:sp>
+        <p:nvSpPr>
+          <p:cNvPr id="2" name="PlaceHolder 3"/>
+          <p:cNvSpPr>
+            <a:spLocks noGrp="1"/>
+          </p:cNvSpPr>
+          <p:nvPr>
+            <p:ph type="ftr" idx="1"/>
+          </p:nvPr>
+        </p:nvSpPr>
+        <p:spPr>
+          <a:xfrm>
+            <a:off x="1102320" y="6236280"/>
+            <a:ext cx="4555440" cy="318960"/>
+          </a:xfrm>
+          <a:prstGeom prst="rect">
+            <a:avLst/>
+          </a:prstGeom>
+          <a:noFill/>
+          <a:ln w="0">
+            <a:noFill/>
+          </a:ln>
+        </p:spPr>
+        <p:txBody>
+          <a:bodyPr lIns="90000" rIns="90000" tIns="45000" bIns="45000" anchor="ctr">
             <a:noAutofit/>
           </a:bodyPr>
           <a:lstStyle>
-            <a:lvl1pPr algn="r">
+            <a:lvl1pPr algn="ctr">
               <a:lnSpc>
                 <a:spcPct val="100000"/>
               </a:lnSpc>
-              <a:buNone/>
-              <a:defRPr b="0" lang="en-US" sz="1000" spc="-1" strike="noStrike">
-                <a:solidFill>
-                  <a:srgbClr val="ffffff">
-                    <a:alpha val="70000"/>
-                  </a:srgbClr>
-                </a:solidFill>
-                <a:latin typeface="Gill Sans MT"/>
-              </a:defRPr>
-            </a:lvl1pPr>
-          </a:lstStyle>
-          <a:p>
-            <a:pPr algn="r">
-              <a:lnSpc>
-                <a:spcPct val="100000"/>
-              </a:lnSpc>
-              <a:buNone/>
-            </a:pPr>
-            <a:r>
-              <a:rPr b="0" lang="en-US" sz="1000" spc="-1" strike="noStrike">
-                <a:solidFill>
-                  <a:srgbClr val="ffffff">
-                    <a:alpha val="70000"/>
-                  </a:srgbClr>
-                </a:solidFill>
-                <a:latin typeface="Gill Sans MT"/>
-              </a:rPr>
-              <a:t>&lt;date/time&gt;</a:t>
-            </a:r>
-            <a:endParaRPr b="0" lang="en-US" sz="1000" spc="-1" strike="noStrike">
-              <a:latin typeface="Times New Roman"/>
-            </a:endParaRPr>
-          </a:p>
-        </p:txBody>
-      </p:sp>
-      <p:sp>
-        <p:nvSpPr>
-          <p:cNvPr id="2" name="PlaceHolder 3"/>
-          <p:cNvSpPr>
-            <a:spLocks noGrp="1"/>
-          </p:cNvSpPr>
-          <p:nvPr>
-            <p:ph type="ftr" idx="2"/>
-          </p:nvPr>
-        </p:nvSpPr>
-        <p:spPr>
-          <a:xfrm>
-            <a:off x="1102320" y="6236280"/>
-            <a:ext cx="4556160" cy="319680"/>
-          </a:xfrm>
-          <a:prstGeom prst="rect">
-            <a:avLst/>
-          </a:prstGeom>
-          <a:noFill/>
-          <a:ln w="0">
-            <a:noFill/>
-          </a:ln>
-        </p:spPr>
-        <p:txBody>
-          <a:bodyPr anchor="ctr">
-            <a:noAutofit/>
-          </a:bodyPr>
-          <a:lstStyle>
-            <a:lvl1pPr algn="ctr">
               <a:buNone/>
               <a:defRPr b="0" lang="en-US" sz="1400" spc="-1" strike="noStrike">
                 <a:latin typeface="Times New Roman"/>
@@ -7227,6 +7077,9 @@
           </a:lstStyle>
           <a:p>
             <a:pPr algn="ctr">
+              <a:lnSpc>
+                <a:spcPct val="100000"/>
+              </a:lnSpc>
               <a:buNone/>
             </a:pPr>
             <a:r>
@@ -7248,13 +7101,13 @@
             <a:spLocks noGrp="1"/>
           </p:cNvSpPr>
           <p:nvPr>
-            <p:ph type="sldNum" idx="3"/>
+            <p:ph type="sldNum" idx="2"/>
           </p:nvPr>
         </p:nvSpPr>
         <p:spPr>
           <a:xfrm>
             <a:off x="8240040" y="6217920"/>
-            <a:ext cx="365400" cy="365400"/>
+            <a:ext cx="364680" cy="364680"/>
           </a:xfrm>
           <a:prstGeom prst="rect">
             <a:avLst/>
@@ -7269,7 +7122,7 @@
           </a:ln>
         </p:spPr>
         <p:txBody>
-          <a:bodyPr lIns="18360" rIns="18360" anchor="ctr">
+          <a:bodyPr lIns="18360" rIns="18360" tIns="45000" bIns="45000" anchor="ctr">
             <a:noAutofit/>
           </a:bodyPr>
           <a:lstStyle>
@@ -7293,7 +7146,7 @@
               </a:lnSpc>
               <a:buNone/>
             </a:pPr>
-            <a:fld id="{8DD72A9F-01FF-40F1-9D1C-B611CC7A27F5}" type="slidenum">
+            <a:fld id="{BAA97B01-84CA-444E-8035-7F105C726CBA}" type="slidenum">
               <a:rPr b="0" lang="en-US" sz="1100" spc="-1" strike="noStrike">
                 <a:solidFill>
                   <a:srgbClr val="ffffff"/>
@@ -7315,220 +7168,42 @@
             <a:spLocks noGrp="1"/>
           </p:cNvSpPr>
           <p:nvPr>
-            <p:ph type="body"/>
-          </p:nvPr>
-        </p:nvSpPr>
-        <p:spPr>
-          <a:xfrm>
-            <a:off x="457200" y="1604520"/>
-            <a:ext cx="8229240" cy="3977280"/>
-          </a:xfrm>
-          <a:prstGeom prst="rect">
-            <a:avLst/>
-          </a:prstGeom>
-          <a:noFill/>
-          <a:ln w="0">
-            <a:noFill/>
-          </a:ln>
-        </p:spPr>
-        <p:txBody>
-          <a:bodyPr lIns="0" rIns="0" tIns="0" bIns="0" anchor="t">
-            <a:normAutofit/>
-          </a:bodyPr>
-          <a:p>
-            <a:pPr marL="432000" indent="-324000">
-              <a:spcBef>
-                <a:spcPts val="1417"/>
-              </a:spcBef>
-              <a:buClr>
-                <a:srgbClr val="000000"/>
-              </a:buClr>
-              <a:buSzPct val="45000"/>
-              <a:buFont typeface="Wingdings" charset="2"/>
-              <a:buChar char=""/>
-            </a:pPr>
-            <a:r>
-              <a:rPr b="0" lang="en-US" sz="1800" spc="-1" strike="noStrike">
-                <a:solidFill>
-                  <a:srgbClr val="ffffff"/>
-                </a:solidFill>
-                <a:latin typeface="Gill Sans MT"/>
+            <p:ph type="dt" idx="3"/>
+          </p:nvPr>
+        </p:nvSpPr>
+        <p:spPr>
+          <a:xfrm>
+            <a:off x="5978880" y="6238800"/>
+            <a:ext cx="2064240" cy="322920"/>
+          </a:xfrm>
+          <a:prstGeom prst="rect">
+            <a:avLst/>
+          </a:prstGeom>
+          <a:noFill/>
+          <a:ln w="0">
+            <a:noFill/>
+          </a:ln>
+        </p:spPr>
+        <p:txBody>
+          <a:bodyPr lIns="90000" rIns="90000" tIns="45000" bIns="45000" anchor="ctr">
+            <a:noAutofit/>
+          </a:bodyPr>
+          <a:lstStyle>
+            <a:lvl1pPr>
+              <a:defRPr b="0" lang="en-US" sz="1400" spc="-1" strike="noStrike">
+                <a:latin typeface="Times New Roman"/>
+              </a:defRPr>
+            </a:lvl1pPr>
+          </a:lstStyle>
+          <a:p>
+            <a:r>
+              <a:rPr b="0" lang="en-US" sz="1400" spc="-1" strike="noStrike">
+                <a:latin typeface="Times New Roman"/>
               </a:rPr>
-              <a:t>Click to edit the outline text format</a:t>
-            </a:r>
-            <a:endParaRPr b="0" lang="en-US" sz="1800" spc="-1" strike="noStrike">
-              <a:solidFill>
-                <a:srgbClr val="ffffff"/>
-              </a:solidFill>
-              <a:latin typeface="Gill Sans MT"/>
-            </a:endParaRPr>
-          </a:p>
-          <a:p>
-            <a:pPr lvl="1" marL="864000" indent="-324000">
-              <a:spcBef>
-                <a:spcPts val="1134"/>
-              </a:spcBef>
-              <a:buClr>
-                <a:srgbClr val="000000"/>
-              </a:buClr>
-              <a:buSzPct val="75000"/>
-              <a:buFont typeface="Symbol" charset="2"/>
-              <a:buChar char=""/>
-            </a:pPr>
-            <a:r>
-              <a:rPr b="0" lang="en-US" sz="1600" spc="-1" strike="noStrike">
-                <a:solidFill>
-                  <a:srgbClr val="ffffff"/>
-                </a:solidFill>
-                <a:latin typeface="Gill Sans MT"/>
-              </a:rPr>
-              <a:t>Second Outline Level</a:t>
-            </a:r>
-            <a:endParaRPr b="0" lang="en-US" sz="1600" spc="-1" strike="noStrike">
-              <a:solidFill>
-                <a:srgbClr val="ffffff"/>
-              </a:solidFill>
-              <a:latin typeface="Gill Sans MT"/>
-            </a:endParaRPr>
-          </a:p>
-          <a:p>
-            <a:pPr lvl="2" marL="1296000" indent="-288000">
-              <a:spcBef>
-                <a:spcPts val="850"/>
-              </a:spcBef>
-              <a:buClr>
-                <a:srgbClr val="000000"/>
-              </a:buClr>
-              <a:buSzPct val="45000"/>
-              <a:buFont typeface="Wingdings" charset="2"/>
-              <a:buChar char=""/>
-            </a:pPr>
-            <a:r>
-              <a:rPr b="0" lang="en-US" sz="1600" spc="-1" strike="noStrike">
-                <a:solidFill>
-                  <a:srgbClr val="ffffff"/>
-                </a:solidFill>
-                <a:latin typeface="Gill Sans MT"/>
-              </a:rPr>
-              <a:t>Third Outline Level</a:t>
-            </a:r>
-            <a:endParaRPr b="0" lang="en-US" sz="1600" spc="-1" strike="noStrike">
-              <a:solidFill>
-                <a:srgbClr val="ffffff"/>
-              </a:solidFill>
-              <a:latin typeface="Gill Sans MT"/>
-            </a:endParaRPr>
-          </a:p>
-          <a:p>
-            <a:pPr lvl="3" marL="1728000" indent="-216000">
-              <a:spcBef>
-                <a:spcPts val="567"/>
-              </a:spcBef>
-              <a:buClr>
-                <a:srgbClr val="000000"/>
-              </a:buClr>
-              <a:buSzPct val="75000"/>
-              <a:buFont typeface="Symbol" charset="2"/>
-              <a:buChar char=""/>
-            </a:pPr>
-            <a:r>
-              <a:rPr b="0" lang="en-US" sz="1600" spc="-1" strike="noStrike">
-                <a:solidFill>
-                  <a:srgbClr val="ffffff"/>
-                </a:solidFill>
-                <a:latin typeface="Gill Sans MT"/>
-              </a:rPr>
-              <a:t>Fourth Outline Level</a:t>
-            </a:r>
-            <a:endParaRPr b="0" lang="en-US" sz="1600" spc="-1" strike="noStrike">
-              <a:solidFill>
-                <a:srgbClr val="ffffff"/>
-              </a:solidFill>
-              <a:latin typeface="Gill Sans MT"/>
-            </a:endParaRPr>
-          </a:p>
-          <a:p>
-            <a:pPr lvl="4" marL="2160000" indent="-216000">
-              <a:spcBef>
-                <a:spcPts val="283"/>
-              </a:spcBef>
-              <a:buClr>
-                <a:srgbClr val="000000"/>
-              </a:buClr>
-              <a:buSzPct val="45000"/>
-              <a:buFont typeface="Wingdings" charset="2"/>
-              <a:buChar char=""/>
-            </a:pPr>
-            <a:r>
-              <a:rPr b="0" lang="en-US" sz="2000" spc="-1" strike="noStrike">
-                <a:solidFill>
-                  <a:srgbClr val="ffffff"/>
-                </a:solidFill>
-                <a:latin typeface="Gill Sans MT"/>
-              </a:rPr>
-              <a:t>Fifth Outline Level</a:t>
-            </a:r>
-            <a:endParaRPr b="0" lang="en-US" sz="2000" spc="-1" strike="noStrike">
-              <a:solidFill>
-                <a:srgbClr val="ffffff"/>
-              </a:solidFill>
-              <a:latin typeface="Gill Sans MT"/>
-            </a:endParaRPr>
-          </a:p>
-          <a:p>
-            <a:pPr lvl="5" marL="2592000" indent="-216000">
-              <a:spcBef>
-                <a:spcPts val="283"/>
-              </a:spcBef>
-              <a:buClr>
-                <a:srgbClr val="000000"/>
-              </a:buClr>
-              <a:buSzPct val="45000"/>
-              <a:buFont typeface="Wingdings" charset="2"/>
-              <a:buChar char=""/>
-            </a:pPr>
-            <a:r>
-              <a:rPr b="0" lang="en-US" sz="2000" spc="-1" strike="noStrike">
-                <a:solidFill>
-                  <a:srgbClr val="ffffff"/>
-                </a:solidFill>
-                <a:latin typeface="Gill Sans MT"/>
-              </a:rPr>
-              <a:t>Sixth Outline Level</a:t>
-            </a:r>
-            <a:endParaRPr b="0" lang="en-US" sz="2000" spc="-1" strike="noStrike">
-              <a:solidFill>
-                <a:srgbClr val="ffffff"/>
-              </a:solidFill>
-              <a:latin typeface="Gill Sans MT"/>
-            </a:endParaRPr>
-          </a:p>
-          <a:p>
-            <a:pPr lvl="6" marL="3024000" indent="-216000">
-              <a:spcBef>
-                <a:spcPts val="283"/>
-              </a:spcBef>
-              <a:buClr>
-                <a:srgbClr val="000000"/>
-              </a:buClr>
-              <a:buSzPct val="45000"/>
-              <a:buFont typeface="Wingdings" charset="2"/>
-              <a:buChar char=""/>
-            </a:pPr>
-            <a:r>
-              <a:rPr b="0" lang="en-US" sz="2000" spc="-1" strike="noStrike">
-                <a:solidFill>
-                  <a:srgbClr val="ffffff"/>
-                </a:solidFill>
-                <a:latin typeface="Gill Sans MT"/>
-              </a:rPr>
-              <a:t>Seventh Outline Level</a:t>
-            </a:r>
-            <a:endParaRPr b="0" lang="en-US" sz="2000" spc="-1" strike="noStrike">
-              <a:solidFill>
-                <a:srgbClr val="ffffff"/>
-              </a:solidFill>
-              <a:latin typeface="Gill Sans MT"/>
+              <a:t>&lt;date/time&gt;</a:t>
+            </a:r>
+            <a:endParaRPr b="0" lang="en-US" sz="1400" spc="-1" strike="noStrike">
+              <a:latin typeface="Times New Roman"/>
             </a:endParaRPr>
           </a:p>
         </p:txBody>
@@ -7584,349 +7259,31 @@
             <a:spLocks noGrp="1"/>
           </p:cNvSpPr>
           <p:nvPr>
-            <p:ph type="title"/>
-          </p:nvPr>
-        </p:nvSpPr>
-        <p:spPr>
-          <a:xfrm>
-            <a:off x="1605960" y="964800"/>
-            <a:ext cx="5937480" cy="1188360"/>
-          </a:xfrm>
-          <a:prstGeom prst="rect">
-            <a:avLst/>
-          </a:prstGeom>
-          <a:solidFill>
-            <a:srgbClr val="ffffff"/>
-          </a:solidFill>
-          <a:ln cap="sq" w="31680">
-            <a:solidFill>
-              <a:srgbClr val="404040"/>
-            </a:solidFill>
-            <a:miter/>
-          </a:ln>
-        </p:spPr>
-        <p:txBody>
-          <a:bodyPr lIns="182880" rIns="182880" tIns="182880" bIns="182880" anchor="ctr">
+            <p:ph type="ftr" idx="4"/>
+          </p:nvPr>
+        </p:nvSpPr>
+        <p:spPr>
+          <a:xfrm>
+            <a:off x="1102320" y="6236280"/>
+            <a:ext cx="4555440" cy="318960"/>
+          </a:xfrm>
+          <a:prstGeom prst="rect">
+            <a:avLst/>
+          </a:prstGeom>
+          <a:noFill/>
+          <a:ln w="0">
+            <a:noFill/>
+          </a:ln>
+        </p:spPr>
+        <p:txBody>
+          <a:bodyPr lIns="90000" rIns="90000" tIns="45000" bIns="45000" anchor="ctr">
             <a:noAutofit/>
           </a:bodyPr>
-          <a:p>
-            <a:pPr algn="ctr">
-              <a:lnSpc>
-                <a:spcPct val="90000"/>
-              </a:lnSpc>
-              <a:buNone/>
-            </a:pPr>
-            <a:r>
-              <a:rPr b="0" lang="en-US" sz="2600" spc="199" strike="noStrike" cap="all">
-                <a:solidFill>
-                  <a:srgbClr val="262626"/>
-                </a:solidFill>
-                <a:latin typeface="Gill Sans MT"/>
-              </a:rPr>
-              <a:t>Click to </a:t>
-            </a:r>
-            <a:r>
-              <a:rPr b="0" lang="en-US" sz="2600" spc="199" strike="noStrike" cap="all">
-                <a:solidFill>
-                  <a:srgbClr val="262626"/>
-                </a:solidFill>
-                <a:latin typeface="Gill Sans MT"/>
-              </a:rPr>
-              <a:t>edit Master </a:t>
-            </a:r>
-            <a:r>
-              <a:rPr b="0" lang="en-US" sz="2600" spc="199" strike="noStrike" cap="all">
-                <a:solidFill>
-                  <a:srgbClr val="262626"/>
-                </a:solidFill>
-                <a:latin typeface="Gill Sans MT"/>
-              </a:rPr>
-              <a:t>title style</a:t>
-            </a:r>
-            <a:endParaRPr b="0" lang="en-US" sz="2600" spc="-1" strike="noStrike">
-              <a:solidFill>
-                <a:srgbClr val="000000"/>
-              </a:solidFill>
-              <a:latin typeface="Gill Sans MT"/>
-            </a:endParaRPr>
-          </a:p>
-        </p:txBody>
-      </p:sp>
-      <p:sp>
-        <p:nvSpPr>
-          <p:cNvPr id="42" name="PlaceHolder 2"/>
-          <p:cNvSpPr>
-            <a:spLocks noGrp="1"/>
-          </p:cNvSpPr>
-          <p:nvPr>
-            <p:ph type="body"/>
-          </p:nvPr>
-        </p:nvSpPr>
-        <p:spPr>
-          <a:xfrm>
-            <a:off x="1605960" y="2638080"/>
-            <a:ext cx="5937480" cy="3101760"/>
-          </a:xfrm>
-          <a:prstGeom prst="rect">
-            <a:avLst/>
-          </a:prstGeom>
-          <a:noFill/>
-          <a:ln w="0">
-            <a:noFill/>
-          </a:ln>
-        </p:spPr>
-        <p:txBody>
-          <a:bodyPr anchor="t">
-            <a:noAutofit/>
-          </a:bodyPr>
-          <a:p>
-            <a:pPr marL="228600" indent="-228600">
+          <a:lstStyle>
+            <a:lvl1pPr algn="ctr">
               <a:lnSpc>
                 <a:spcPct val="100000"/>
               </a:lnSpc>
-              <a:spcBef>
-                <a:spcPts val="1001"/>
-              </a:spcBef>
-              <a:buClr>
-                <a:srgbClr val="9bafb5"/>
-              </a:buClr>
-              <a:buFont typeface="Arial"/>
-              <a:buChar char="•"/>
-            </a:pPr>
-            <a:r>
-              <a:rPr b="0" lang="en-US" sz="1800" spc="-1" strike="noStrike">
-                <a:solidFill>
-                  <a:srgbClr val="262626"/>
-                </a:solidFill>
-                <a:latin typeface="Gill Sans MT"/>
-              </a:rPr>
-              <a:t>Edit Master text styles</a:t>
-            </a:r>
-            <a:endParaRPr b="0" lang="en-US" sz="1800" spc="-1" strike="noStrike">
-              <a:solidFill>
-                <a:srgbClr val="262626"/>
-              </a:solidFill>
-              <a:latin typeface="Gill Sans MT"/>
-            </a:endParaRPr>
-          </a:p>
-          <a:p>
-            <a:pPr lvl="1" marL="457200" indent="-228600">
-              <a:lnSpc>
-                <a:spcPct val="100000"/>
-              </a:lnSpc>
-              <a:spcBef>
-                <a:spcPts val="1001"/>
-              </a:spcBef>
-              <a:buClr>
-                <a:srgbClr val="9bafb5"/>
-              </a:buClr>
-              <a:buFont typeface="Arial"/>
-              <a:buChar char="•"/>
-            </a:pPr>
-            <a:r>
-              <a:rPr b="0" lang="en-US" sz="1600" spc="-1" strike="noStrike">
-                <a:solidFill>
-                  <a:srgbClr val="262626"/>
-                </a:solidFill>
-                <a:latin typeface="Gill Sans MT"/>
-              </a:rPr>
-              <a:t>Second level</a:t>
-            </a:r>
-            <a:endParaRPr b="0" lang="en-US" sz="1600" spc="-1" strike="noStrike">
-              <a:solidFill>
-                <a:srgbClr val="262626"/>
-              </a:solidFill>
-              <a:latin typeface="Gill Sans MT"/>
-            </a:endParaRPr>
-          </a:p>
-          <a:p>
-            <a:pPr lvl="2" marL="685800" indent="-228600">
-              <a:lnSpc>
-                <a:spcPct val="100000"/>
-              </a:lnSpc>
-              <a:spcBef>
-                <a:spcPts val="1001"/>
-              </a:spcBef>
-              <a:buClr>
-                <a:srgbClr val="9bafb5"/>
-              </a:buClr>
-              <a:buFont typeface="Arial"/>
-              <a:buChar char="•"/>
-            </a:pPr>
-            <a:r>
-              <a:rPr b="0" lang="en-US" sz="1600" spc="-1" strike="noStrike">
-                <a:solidFill>
-                  <a:srgbClr val="262626"/>
-                </a:solidFill>
-                <a:latin typeface="Gill Sans MT"/>
-              </a:rPr>
-              <a:t>Third level</a:t>
-            </a:r>
-            <a:endParaRPr b="0" lang="en-US" sz="1600" spc="-1" strike="noStrike">
-              <a:solidFill>
-                <a:srgbClr val="262626"/>
-              </a:solidFill>
-              <a:latin typeface="Gill Sans MT"/>
-            </a:endParaRPr>
-          </a:p>
-          <a:p>
-            <a:pPr lvl="3" marL="914400" indent="-228600">
-              <a:lnSpc>
-                <a:spcPct val="100000"/>
-              </a:lnSpc>
-              <a:spcBef>
-                <a:spcPts val="1001"/>
-              </a:spcBef>
-              <a:buClr>
-                <a:srgbClr val="9bafb5"/>
-              </a:buClr>
-              <a:buFont typeface="Arial"/>
-              <a:buChar char="•"/>
-            </a:pPr>
-            <a:r>
-              <a:rPr b="0" lang="en-US" sz="1600" spc="-1" strike="noStrike">
-                <a:solidFill>
-                  <a:srgbClr val="262626"/>
-                </a:solidFill>
-                <a:latin typeface="Gill Sans MT"/>
-              </a:rPr>
-              <a:t>Fourth level</a:t>
-            </a:r>
-            <a:endParaRPr b="0" lang="en-US" sz="1600" spc="-1" strike="noStrike">
-              <a:solidFill>
-                <a:srgbClr val="262626"/>
-              </a:solidFill>
-              <a:latin typeface="Gill Sans MT"/>
-            </a:endParaRPr>
-          </a:p>
-          <a:p>
-            <a:pPr lvl="4" marL="1143000" indent="-228600">
-              <a:lnSpc>
-                <a:spcPct val="100000"/>
-              </a:lnSpc>
-              <a:spcBef>
-                <a:spcPts val="1001"/>
-              </a:spcBef>
-              <a:buClr>
-                <a:srgbClr val="9bafb5"/>
-              </a:buClr>
-              <a:buFont typeface="Arial"/>
-              <a:buChar char="•"/>
-            </a:pPr>
-            <a:r>
-              <a:rPr b="0" lang="en-US" sz="1600" spc="-1" strike="noStrike">
-                <a:solidFill>
-                  <a:srgbClr val="262626"/>
-                </a:solidFill>
-                <a:latin typeface="Gill Sans MT"/>
-              </a:rPr>
-              <a:t>Fifth level</a:t>
-            </a:r>
-            <a:endParaRPr b="0" lang="en-US" sz="1600" spc="-1" strike="noStrike">
-              <a:solidFill>
-                <a:srgbClr val="262626"/>
-              </a:solidFill>
-              <a:latin typeface="Gill Sans MT"/>
-            </a:endParaRPr>
-          </a:p>
-        </p:txBody>
-      </p:sp>
-      <p:sp>
-        <p:nvSpPr>
-          <p:cNvPr id="43" name="PlaceHolder 3"/>
-          <p:cNvSpPr>
-            <a:spLocks noGrp="1"/>
-          </p:cNvSpPr>
-          <p:nvPr>
-            <p:ph type="dt" idx="4"/>
-          </p:nvPr>
-        </p:nvSpPr>
-        <p:spPr>
-          <a:xfrm>
-            <a:off x="5978880" y="6238800"/>
-            <a:ext cx="2064960" cy="323640"/>
-          </a:xfrm>
-          <a:prstGeom prst="rect">
-            <a:avLst/>
-          </a:prstGeom>
-          <a:noFill/>
-          <a:ln w="0">
-            <a:noFill/>
-          </a:ln>
-        </p:spPr>
-        <p:txBody>
-          <a:bodyPr anchor="ctr">
-            <a:noAutofit/>
-          </a:bodyPr>
-          <a:lstStyle>
-            <a:lvl1pPr algn="r">
-              <a:lnSpc>
-                <a:spcPct val="100000"/>
-              </a:lnSpc>
-              <a:buNone/>
-              <a:defRPr b="0" lang="en-US" sz="1000" spc="-1" strike="noStrike">
-                <a:solidFill>
-                  <a:srgbClr val="000000">
-                    <a:alpha val="70000"/>
-                  </a:srgbClr>
-                </a:solidFill>
-                <a:latin typeface="Gill Sans MT"/>
-              </a:defRPr>
-            </a:lvl1pPr>
-          </a:lstStyle>
-          <a:p>
-            <a:pPr algn="r">
-              <a:lnSpc>
-                <a:spcPct val="100000"/>
-              </a:lnSpc>
-              <a:buNone/>
-            </a:pPr>
-            <a:r>
-              <a:rPr b="0" lang="en-US" sz="1000" spc="-1" strike="noStrike">
-                <a:solidFill>
-                  <a:srgbClr val="000000">
-                    <a:alpha val="70000"/>
-                  </a:srgbClr>
-                </a:solidFill>
-                <a:latin typeface="Gill Sans MT"/>
-              </a:rPr>
-              <a:t>&lt;date/time&gt;</a:t>
-            </a:r>
-            <a:endParaRPr b="0" lang="en-US" sz="1000" spc="-1" strike="noStrike">
-              <a:latin typeface="Times New Roman"/>
-            </a:endParaRPr>
-          </a:p>
-        </p:txBody>
-      </p:sp>
-      <p:sp>
-        <p:nvSpPr>
-          <p:cNvPr id="44" name="PlaceHolder 4"/>
-          <p:cNvSpPr>
-            <a:spLocks noGrp="1"/>
-          </p:cNvSpPr>
-          <p:nvPr>
-            <p:ph type="ftr" idx="5"/>
-          </p:nvPr>
-        </p:nvSpPr>
-        <p:spPr>
-          <a:xfrm>
-            <a:off x="1102320" y="6236280"/>
-            <a:ext cx="4556160" cy="319680"/>
-          </a:xfrm>
-          <a:prstGeom prst="rect">
-            <a:avLst/>
-          </a:prstGeom>
-          <a:noFill/>
-          <a:ln w="0">
-            <a:noFill/>
-          </a:ln>
-        </p:spPr>
-        <p:txBody>
-          <a:bodyPr anchor="ctr">
-            <a:noAutofit/>
-          </a:bodyPr>
-          <a:lstStyle>
-            <a:lvl1pPr algn="ctr">
               <a:buNone/>
               <a:defRPr b="0" lang="en-US" sz="1400" spc="-1" strike="noStrike">
                 <a:latin typeface="Times New Roman"/>
@@ -7935,6 +7292,9 @@
           </a:lstStyle>
           <a:p>
             <a:pPr algn="ctr">
+              <a:lnSpc>
+                <a:spcPct val="100000"/>
+              </a:lnSpc>
               <a:buNone/>
             </a:pPr>
             <a:r>
@@ -7951,18 +7311,18 @@
       </p:sp>
       <p:sp>
         <p:nvSpPr>
-          <p:cNvPr id="45" name="PlaceHolder 5"/>
-          <p:cNvSpPr>
-            <a:spLocks noGrp="1"/>
-          </p:cNvSpPr>
-          <p:nvPr>
-            <p:ph type="sldNum" idx="6"/>
+          <p:cNvPr id="42" name="PlaceHolder 2"/>
+          <p:cNvSpPr>
+            <a:spLocks noGrp="1"/>
+          </p:cNvSpPr>
+          <p:nvPr>
+            <p:ph type="sldNum" idx="5"/>
           </p:nvPr>
         </p:nvSpPr>
         <p:spPr>
           <a:xfrm>
             <a:off x="8240040" y="6217920"/>
-            <a:ext cx="365400" cy="365400"/>
+            <a:ext cx="364680" cy="364680"/>
           </a:xfrm>
           <a:prstGeom prst="rect">
             <a:avLst/>
@@ -7977,7 +7337,7 @@
           </a:ln>
         </p:spPr>
         <p:txBody>
-          <a:bodyPr lIns="18360" rIns="18360" anchor="ctr">
+          <a:bodyPr lIns="18360" rIns="18360" tIns="45000" bIns="45000" anchor="ctr">
             <a:noAutofit/>
           </a:bodyPr>
           <a:lstStyle>
@@ -8001,7 +7361,7 @@
               </a:lnSpc>
               <a:buNone/>
             </a:pPr>
-            <a:fld id="{FDAC8EAF-D6F5-442C-8F45-2719CB40E6F4}" type="slidenum">
+            <a:fld id="{06CB3904-C1A6-4B9B-A168-07DB94642BB0}" type="slidenum">
               <a:rPr b="0" lang="en-US" sz="1100" spc="-1" strike="noStrike">
                 <a:solidFill>
                   <a:srgbClr val="ffffff"/>
@@ -8012,6 +7372,279 @@
             </a:fld>
             <a:endParaRPr b="0" lang="en-US" sz="1100" spc="-1" strike="noStrike">
               <a:latin typeface="Times New Roman"/>
+            </a:endParaRPr>
+          </a:p>
+        </p:txBody>
+      </p:sp>
+      <p:sp>
+        <p:nvSpPr>
+          <p:cNvPr id="43" name="PlaceHolder 3"/>
+          <p:cNvSpPr>
+            <a:spLocks noGrp="1"/>
+          </p:cNvSpPr>
+          <p:nvPr>
+            <p:ph type="dt" idx="6"/>
+          </p:nvPr>
+        </p:nvSpPr>
+        <p:spPr>
+          <a:xfrm>
+            <a:off x="5978880" y="6238800"/>
+            <a:ext cx="2064240" cy="322920"/>
+          </a:xfrm>
+          <a:prstGeom prst="rect">
+            <a:avLst/>
+          </a:prstGeom>
+          <a:noFill/>
+          <a:ln w="0">
+            <a:noFill/>
+          </a:ln>
+        </p:spPr>
+        <p:txBody>
+          <a:bodyPr lIns="90000" rIns="90000" tIns="45000" bIns="45000" anchor="ctr">
+            <a:noAutofit/>
+          </a:bodyPr>
+          <a:lstStyle>
+            <a:lvl1pPr>
+              <a:defRPr b="0" lang="en-US" sz="1400" spc="-1" strike="noStrike">
+                <a:latin typeface="Times New Roman"/>
+              </a:defRPr>
+            </a:lvl1pPr>
+          </a:lstStyle>
+          <a:p>
+            <a:r>
+              <a:rPr b="0" lang="en-US" sz="1400" spc="-1" strike="noStrike">
+                <a:latin typeface="Times New Roman"/>
+              </a:rPr>
+              <a:t>&lt;date/time&gt;</a:t>
+            </a:r>
+            <a:endParaRPr b="0" lang="en-US" sz="1400" spc="-1" strike="noStrike">
+              <a:latin typeface="Times New Roman"/>
+            </a:endParaRPr>
+          </a:p>
+        </p:txBody>
+      </p:sp>
+      <p:sp>
+        <p:nvSpPr>
+          <p:cNvPr id="44" name="PlaceHolder 4"/>
+          <p:cNvSpPr>
+            <a:spLocks noGrp="1"/>
+          </p:cNvSpPr>
+          <p:nvPr>
+            <p:ph type="title"/>
+          </p:nvPr>
+        </p:nvSpPr>
+        <p:spPr>
+          <a:xfrm>
+            <a:off x="457200" y="273600"/>
+            <a:ext cx="8229240" cy="1144800"/>
+          </a:xfrm>
+          <a:prstGeom prst="rect">
+            <a:avLst/>
+          </a:prstGeom>
+          <a:noFill/>
+          <a:ln w="0">
+            <a:noFill/>
+          </a:ln>
+        </p:spPr>
+        <p:txBody>
+          <a:bodyPr lIns="0" rIns="0" tIns="0" bIns="0" anchor="ctr">
+            <a:noAutofit/>
+          </a:bodyPr>
+          <a:p>
+            <a:pPr algn="ctr">
+              <a:buNone/>
+            </a:pPr>
+            <a:r>
+              <a:rPr b="0" lang="en-US" sz="4400" spc="-1" strike="noStrike">
+                <a:latin typeface="Arial"/>
+              </a:rPr>
+              <a:t>Click to edit the title text format</a:t>
+            </a:r>
+            <a:endParaRPr b="0" lang="en-US" sz="4400" spc="-1" strike="noStrike">
+              <a:latin typeface="Arial"/>
+            </a:endParaRPr>
+          </a:p>
+        </p:txBody>
+      </p:sp>
+      <p:sp>
+        <p:nvSpPr>
+          <p:cNvPr id="45" name="PlaceHolder 5"/>
+          <p:cNvSpPr>
+            <a:spLocks noGrp="1"/>
+          </p:cNvSpPr>
+          <p:nvPr>
+            <p:ph type="body"/>
+          </p:nvPr>
+        </p:nvSpPr>
+        <p:spPr>
+          <a:xfrm>
+            <a:off x="457200" y="1604520"/>
+            <a:ext cx="8229240" cy="3977280"/>
+          </a:xfrm>
+          <a:prstGeom prst="rect">
+            <a:avLst/>
+          </a:prstGeom>
+          <a:noFill/>
+          <a:ln w="0">
+            <a:noFill/>
+          </a:ln>
+        </p:spPr>
+        <p:txBody>
+          <a:bodyPr lIns="0" rIns="0" tIns="0" bIns="0" anchor="t">
+            <a:normAutofit/>
+          </a:bodyPr>
+          <a:p>
+            <a:pPr marL="432000" indent="-324000">
+              <a:spcBef>
+                <a:spcPts val="1417"/>
+              </a:spcBef>
+              <a:buClr>
+                <a:srgbClr val="000000"/>
+              </a:buClr>
+              <a:buSzPct val="45000"/>
+              <a:buFont typeface="Wingdings" charset="2"/>
+              <a:buChar char=""/>
+            </a:pPr>
+            <a:r>
+              <a:rPr b="0" lang="en-US" sz="3200" spc="-1" strike="noStrike">
+                <a:latin typeface="Arial"/>
+              </a:rPr>
+              <a:t>Click to edit the outline text format</a:t>
+            </a:r>
+            <a:endParaRPr b="0" lang="en-US" sz="3200" spc="-1" strike="noStrike">
+              <a:latin typeface="Arial"/>
+            </a:endParaRPr>
+          </a:p>
+          <a:p>
+            <a:pPr lvl="1" marL="864000" indent="-324000">
+              <a:spcBef>
+                <a:spcPts val="1134"/>
+              </a:spcBef>
+              <a:buClr>
+                <a:srgbClr val="000000"/>
+              </a:buClr>
+              <a:buSzPct val="75000"/>
+              <a:buFont typeface="Symbol" charset="2"/>
+              <a:buChar char=""/>
+            </a:pPr>
+            <a:r>
+              <a:rPr b="0" lang="en-US" sz="2800" spc="-1" strike="noStrike">
+                <a:latin typeface="Arial"/>
+              </a:rPr>
+              <a:t>Second Outline Level</a:t>
+            </a:r>
+            <a:endParaRPr b="0" lang="en-US" sz="2800" spc="-1" strike="noStrike">
+              <a:latin typeface="Arial"/>
+            </a:endParaRPr>
+          </a:p>
+          <a:p>
+            <a:pPr lvl="2" marL="1296000" indent="-288000">
+              <a:spcBef>
+                <a:spcPts val="850"/>
+              </a:spcBef>
+              <a:buClr>
+                <a:srgbClr val="000000"/>
+              </a:buClr>
+              <a:buSzPct val="45000"/>
+              <a:buFont typeface="Wingdings" charset="2"/>
+              <a:buChar char=""/>
+            </a:pPr>
+            <a:r>
+              <a:rPr b="0" lang="en-US" sz="2400" spc="-1" strike="noStrike">
+                <a:latin typeface="Arial"/>
+              </a:rPr>
+              <a:t>Third Outline Level</a:t>
+            </a:r>
+            <a:endParaRPr b="0" lang="en-US" sz="2400" spc="-1" strike="noStrike">
+              <a:latin typeface="Arial"/>
+            </a:endParaRPr>
+          </a:p>
+          <a:p>
+            <a:pPr lvl="3" marL="1728000" indent="-216000">
+              <a:spcBef>
+                <a:spcPts val="567"/>
+              </a:spcBef>
+              <a:buClr>
+                <a:srgbClr val="000000"/>
+              </a:buClr>
+              <a:buSzPct val="75000"/>
+              <a:buFont typeface="Symbol" charset="2"/>
+              <a:buChar char=""/>
+            </a:pPr>
+            <a:r>
+              <a:rPr b="0" lang="en-US" sz="2000" spc="-1" strike="noStrike">
+                <a:latin typeface="Arial"/>
+              </a:rPr>
+              <a:t>Fourth Outline Level</a:t>
+            </a:r>
+            <a:endParaRPr b="0" lang="en-US" sz="2000" spc="-1" strike="noStrike">
+              <a:latin typeface="Arial"/>
+            </a:endParaRPr>
+          </a:p>
+          <a:p>
+            <a:pPr lvl="4" marL="2160000" indent="-216000">
+              <a:spcBef>
+                <a:spcPts val="283"/>
+              </a:spcBef>
+              <a:buClr>
+                <a:srgbClr val="000000"/>
+              </a:buClr>
+              <a:buSzPct val="45000"/>
+              <a:buFont typeface="Wingdings" charset="2"/>
+              <a:buChar char=""/>
+            </a:pPr>
+            <a:r>
+              <a:rPr b="0" lang="en-US" sz="2000" spc="-1" strike="noStrike">
+                <a:latin typeface="Arial"/>
+              </a:rPr>
+              <a:t>Fifth Outline Level</a:t>
+            </a:r>
+            <a:endParaRPr b="0" lang="en-US" sz="2000" spc="-1" strike="noStrike">
+              <a:latin typeface="Arial"/>
+            </a:endParaRPr>
+          </a:p>
+          <a:p>
+            <a:pPr lvl="5" marL="2592000" indent="-216000">
+              <a:spcBef>
+                <a:spcPts val="283"/>
+              </a:spcBef>
+              <a:buClr>
+                <a:srgbClr val="000000"/>
+              </a:buClr>
+              <a:buSzPct val="45000"/>
+              <a:buFont typeface="Wingdings" charset="2"/>
+              <a:buChar char=""/>
+            </a:pPr>
+            <a:r>
+              <a:rPr b="0" lang="en-US" sz="2000" spc="-1" strike="noStrike">
+                <a:latin typeface="Arial"/>
+              </a:rPr>
+              <a:t>Sixth Outline Level</a:t>
+            </a:r>
+            <a:endParaRPr b="0" lang="en-US" sz="2000" spc="-1" strike="noStrike">
+              <a:latin typeface="Arial"/>
+            </a:endParaRPr>
+          </a:p>
+          <a:p>
+            <a:pPr lvl="6" marL="3024000" indent="-216000">
+              <a:spcBef>
+                <a:spcPts val="283"/>
+              </a:spcBef>
+              <a:buClr>
+                <a:srgbClr val="000000"/>
+              </a:buClr>
+              <a:buSzPct val="45000"/>
+              <a:buFont typeface="Wingdings" charset="2"/>
+              <a:buChar char=""/>
+            </a:pPr>
+            <a:r>
+              <a:rPr b="0" lang="en-US" sz="2000" spc="-1" strike="noStrike">
+                <a:latin typeface="Arial"/>
+              </a:rPr>
+              <a:t>Seventh Outline Level</a:t>
+            </a:r>
+            <a:endParaRPr b="0" lang="en-US" sz="2000" spc="-1" strike="noStrike">
+              <a:latin typeface="Arial"/>
             </a:endParaRPr>
           </a:p>
         </p:txBody>
@@ -8072,65 +7705,30 @@
         </p:nvSpPr>
         <p:spPr>
           <a:xfrm>
-            <a:off x="1605960" y="964800"/>
-            <a:ext cx="5937480" cy="1188360"/>
-          </a:xfrm>
-          <a:prstGeom prst="rect">
-            <a:avLst/>
-          </a:prstGeom>
-          <a:solidFill>
-            <a:srgbClr val="ffffff"/>
-          </a:solidFill>
-          <a:ln cap="sq" w="31680">
-            <a:solidFill>
-              <a:srgbClr val="404040"/>
-            </a:solidFill>
-            <a:miter/>
-          </a:ln>
-        </p:spPr>
-        <p:txBody>
-          <a:bodyPr lIns="182880" rIns="182880" tIns="182880" bIns="182880" anchor="ctr">
+            <a:off x="457200" y="273600"/>
+            <a:ext cx="8228880" cy="1144440"/>
+          </a:xfrm>
+          <a:prstGeom prst="rect">
+            <a:avLst/>
+          </a:prstGeom>
+          <a:noFill/>
+          <a:ln w="0">
+            <a:noFill/>
+          </a:ln>
+        </p:spPr>
+        <p:txBody>
+          <a:bodyPr lIns="0" rIns="0" tIns="0" bIns="0" anchor="ctr">
             <a:noAutofit/>
           </a:bodyPr>
           <a:p>
-            <a:pPr algn="ctr">
-              <a:lnSpc>
-                <a:spcPct val="90000"/>
-              </a:lnSpc>
-              <a:buNone/>
-            </a:pPr>
-            <a:r>
-              <a:rPr b="0" lang="en-US" sz="2600" spc="199" strike="noStrike" cap="all">
-                <a:solidFill>
-                  <a:srgbClr val="262626"/>
-                </a:solidFill>
-                <a:latin typeface="Gill Sans MT"/>
+            <a:r>
+              <a:rPr b="0" lang="en-US" sz="1800" spc="-1" strike="noStrike">
+                <a:latin typeface="Arial"/>
               </a:rPr>
-              <a:t>Click to </a:t>
-            </a:r>
-            <a:r>
-              <a:rPr b="0" lang="en-US" sz="2600" spc="199" strike="noStrike" cap="all">
-                <a:solidFill>
-                  <a:srgbClr val="262626"/>
-                </a:solidFill>
-                <a:latin typeface="Gill Sans MT"/>
-              </a:rPr>
-              <a:t>edit Master </a:t>
-            </a:r>
-            <a:r>
-              <a:rPr b="0" lang="en-US" sz="2600" spc="199" strike="noStrike" cap="all">
-                <a:solidFill>
-                  <a:srgbClr val="262626"/>
-                </a:solidFill>
-                <a:latin typeface="Gill Sans MT"/>
-              </a:rPr>
-              <a:t>title style</a:t>
-            </a:r>
-            <a:endParaRPr b="0" lang="en-US" sz="2600" spc="-1" strike="noStrike">
-              <a:solidFill>
-                <a:srgbClr val="000000"/>
-              </a:solidFill>
-              <a:latin typeface="Gill Sans MT"/>
+              <a:t>Click to edit the title text format</a:t>
+            </a:r>
+            <a:endParaRPr b="0" lang="en-US" sz="1800" spc="-1" strike="noStrike">
+              <a:latin typeface="Arial"/>
             </a:endParaRPr>
           </a:p>
         </p:txBody>
@@ -8142,95 +7740,31 @@
             <a:spLocks noGrp="1"/>
           </p:cNvSpPr>
           <p:nvPr>
-            <p:ph type="dt" idx="7"/>
-          </p:nvPr>
-        </p:nvSpPr>
-        <p:spPr>
-          <a:xfrm>
-            <a:off x="5978880" y="6238800"/>
-            <a:ext cx="2064960" cy="323640"/>
-          </a:xfrm>
-          <a:prstGeom prst="rect">
-            <a:avLst/>
-          </a:prstGeom>
-          <a:noFill/>
-          <a:ln w="0">
-            <a:noFill/>
-          </a:ln>
-        </p:spPr>
-        <p:txBody>
-          <a:bodyPr anchor="ctr">
+            <p:ph type="ftr" idx="7"/>
+          </p:nvPr>
+        </p:nvSpPr>
+        <p:spPr>
+          <a:xfrm>
+            <a:off x="1102320" y="6236280"/>
+            <a:ext cx="4555440" cy="318960"/>
+          </a:xfrm>
+          <a:prstGeom prst="rect">
+            <a:avLst/>
+          </a:prstGeom>
+          <a:noFill/>
+          <a:ln w="0">
+            <a:noFill/>
+          </a:ln>
+        </p:spPr>
+        <p:txBody>
+          <a:bodyPr lIns="90000" rIns="90000" tIns="45000" bIns="45000" anchor="ctr">
             <a:noAutofit/>
           </a:bodyPr>
           <a:lstStyle>
-            <a:lvl1pPr algn="r">
+            <a:lvl1pPr algn="ctr">
               <a:lnSpc>
                 <a:spcPct val="100000"/>
               </a:lnSpc>
-              <a:buNone/>
-              <a:defRPr b="0" lang="en-US" sz="1000" spc="-1" strike="noStrike">
-                <a:solidFill>
-                  <a:srgbClr val="000000">
-                    <a:alpha val="70000"/>
-                  </a:srgbClr>
-                </a:solidFill>
-                <a:latin typeface="Gill Sans MT"/>
-              </a:defRPr>
-            </a:lvl1pPr>
-          </a:lstStyle>
-          <a:p>
-            <a:pPr algn="r">
-              <a:lnSpc>
-                <a:spcPct val="100000"/>
-              </a:lnSpc>
-              <a:buNone/>
-            </a:pPr>
-            <a:r>
-              <a:rPr b="0" lang="en-US" sz="1000" spc="-1" strike="noStrike">
-                <a:solidFill>
-                  <a:srgbClr val="000000">
-                    <a:alpha val="70000"/>
-                  </a:srgbClr>
-                </a:solidFill>
-                <a:latin typeface="Gill Sans MT"/>
-              </a:rPr>
-              <a:t>&lt;date/time&gt;</a:t>
-            </a:r>
-            <a:endParaRPr b="0" lang="en-US" sz="1000" spc="-1" strike="noStrike">
-              <a:latin typeface="Times New Roman"/>
-            </a:endParaRPr>
-          </a:p>
-        </p:txBody>
-      </p:sp>
-      <p:sp>
-        <p:nvSpPr>
-          <p:cNvPr id="84" name="PlaceHolder 3"/>
-          <p:cNvSpPr>
-            <a:spLocks noGrp="1"/>
-          </p:cNvSpPr>
-          <p:nvPr>
-            <p:ph type="ftr" idx="8"/>
-          </p:nvPr>
-        </p:nvSpPr>
-        <p:spPr>
-          <a:xfrm>
-            <a:off x="1102320" y="6236280"/>
-            <a:ext cx="4556160" cy="319680"/>
-          </a:xfrm>
-          <a:prstGeom prst="rect">
-            <a:avLst/>
-          </a:prstGeom>
-          <a:noFill/>
-          <a:ln w="0">
-            <a:noFill/>
-          </a:ln>
-        </p:spPr>
-        <p:txBody>
-          <a:bodyPr anchor="ctr">
-            <a:noAutofit/>
-          </a:bodyPr>
-          <a:lstStyle>
-            <a:lvl1pPr algn="ctr">
               <a:buNone/>
               <a:defRPr b="0" lang="en-US" sz="1400" spc="-1" strike="noStrike">
                 <a:latin typeface="Times New Roman"/>
@@ -8239,6 +7773,9 @@
           </a:lstStyle>
           <a:p>
             <a:pPr algn="ctr">
+              <a:lnSpc>
+                <a:spcPct val="100000"/>
+              </a:lnSpc>
               <a:buNone/>
             </a:pPr>
             <a:r>
@@ -8255,18 +7792,18 @@
       </p:sp>
       <p:sp>
         <p:nvSpPr>
-          <p:cNvPr id="85" name="PlaceHolder 4"/>
-          <p:cNvSpPr>
-            <a:spLocks noGrp="1"/>
-          </p:cNvSpPr>
-          <p:nvPr>
-            <p:ph type="sldNum" idx="9"/>
+          <p:cNvPr id="84" name="PlaceHolder 3"/>
+          <p:cNvSpPr>
+            <a:spLocks noGrp="1"/>
+          </p:cNvSpPr>
+          <p:nvPr>
+            <p:ph type="sldNum" idx="8"/>
           </p:nvPr>
         </p:nvSpPr>
         <p:spPr>
           <a:xfrm>
             <a:off x="8240040" y="6217920"/>
-            <a:ext cx="365400" cy="365400"/>
+            <a:ext cx="364680" cy="364680"/>
           </a:xfrm>
           <a:prstGeom prst="rect">
             <a:avLst/>
@@ -8281,7 +7818,7 @@
           </a:ln>
         </p:spPr>
         <p:txBody>
-          <a:bodyPr lIns="18360" rIns="18360" anchor="ctr">
+          <a:bodyPr lIns="18360" rIns="18360" tIns="45000" bIns="45000" anchor="ctr">
             <a:noAutofit/>
           </a:bodyPr>
           <a:lstStyle>
@@ -8305,7 +7842,7 @@
               </a:lnSpc>
               <a:buNone/>
             </a:pPr>
-            <a:fld id="{BA3AC10A-1810-4ECD-8183-250BF617A398}" type="slidenum">
+            <a:fld id="{0901FA54-3749-4706-AE5D-C7C89B025015}" type="slidenum">
               <a:rPr b="0" lang="en-US" sz="1100" spc="-1" strike="noStrike">
                 <a:solidFill>
                   <a:srgbClr val="ffffff"/>
@@ -8315,6 +7852,53 @@
               <a:t>&lt;number&gt;</a:t>
             </a:fld>
             <a:endParaRPr b="0" lang="en-US" sz="1100" spc="-1" strike="noStrike">
+              <a:latin typeface="Times New Roman"/>
+            </a:endParaRPr>
+          </a:p>
+        </p:txBody>
+      </p:sp>
+      <p:sp>
+        <p:nvSpPr>
+          <p:cNvPr id="85" name="PlaceHolder 4"/>
+          <p:cNvSpPr>
+            <a:spLocks noGrp="1"/>
+          </p:cNvSpPr>
+          <p:nvPr>
+            <p:ph type="dt" idx="9"/>
+          </p:nvPr>
+        </p:nvSpPr>
+        <p:spPr>
+          <a:xfrm>
+            <a:off x="5978880" y="6238800"/>
+            <a:ext cx="2064240" cy="322920"/>
+          </a:xfrm>
+          <a:prstGeom prst="rect">
+            <a:avLst/>
+          </a:prstGeom>
+          <a:noFill/>
+          <a:ln w="0">
+            <a:noFill/>
+          </a:ln>
+        </p:spPr>
+        <p:txBody>
+          <a:bodyPr lIns="90000" rIns="90000" tIns="45000" bIns="45000" anchor="ctr">
+            <a:noAutofit/>
+          </a:bodyPr>
+          <a:lstStyle>
+            <a:lvl1pPr>
+              <a:defRPr b="0" lang="en-US" sz="1400" spc="-1" strike="noStrike">
+                <a:latin typeface="Times New Roman"/>
+              </a:defRPr>
+            </a:lvl1pPr>
+          </a:lstStyle>
+          <a:p>
+            <a:r>
+              <a:rPr b="0" lang="en-US" sz="1400" spc="-1" strike="noStrike">
+                <a:latin typeface="Times New Roman"/>
+              </a:rPr>
+              <a:t>&lt;date/time&gt;</a:t>
+            </a:r>
+            <a:endParaRPr b="0" lang="en-US" sz="1400" spc="-1" strike="noStrike">
               <a:latin typeface="Times New Roman"/>
             </a:endParaRPr>
           </a:p>
@@ -8360,19 +7944,13 @@
               <a:buChar char=""/>
             </a:pPr>
             <a:r>
-              <a:rPr b="0" lang="en-US" sz="1800" spc="-1" strike="noStrike">
-                <a:solidFill>
-                  <a:srgbClr val="262626"/>
-                </a:solidFill>
-                <a:latin typeface="Gill Sans MT"/>
+              <a:rPr b="0" lang="en-US" sz="3200" spc="-1" strike="noStrike">
+                <a:latin typeface="Arial"/>
               </a:rPr>
               <a:t>Click to edit the outline text format</a:t>
             </a:r>
-            <a:endParaRPr b="0" lang="en-US" sz="1800" spc="-1" strike="noStrike">
-              <a:solidFill>
-                <a:srgbClr val="262626"/>
-              </a:solidFill>
-              <a:latin typeface="Gill Sans MT"/>
+            <a:endParaRPr b="0" lang="en-US" sz="3200" spc="-1" strike="noStrike">
+              <a:latin typeface="Arial"/>
             </a:endParaRPr>
           </a:p>
           <a:p>
@@ -8388,19 +7966,13 @@
               <a:buChar char=""/>
             </a:pPr>
             <a:r>
-              <a:rPr b="0" lang="en-US" sz="1600" spc="-1" strike="noStrike">
-                <a:solidFill>
-                  <a:srgbClr val="262626"/>
-                </a:solidFill>
-                <a:latin typeface="Gill Sans MT"/>
+              <a:rPr b="0" lang="en-US" sz="2800" spc="-1" strike="noStrike">
+                <a:latin typeface="Arial"/>
               </a:rPr>
               <a:t>Second Outline Level</a:t>
             </a:r>
-            <a:endParaRPr b="0" lang="en-US" sz="1600" spc="-1" strike="noStrike">
-              <a:solidFill>
-                <a:srgbClr val="262626"/>
-              </a:solidFill>
-              <a:latin typeface="Gill Sans MT"/>
+            <a:endParaRPr b="0" lang="en-US" sz="2800" spc="-1" strike="noStrike">
+              <a:latin typeface="Arial"/>
             </a:endParaRPr>
           </a:p>
           <a:p>
@@ -8416,19 +7988,13 @@
               <a:buChar char=""/>
             </a:pPr>
             <a:r>
-              <a:rPr b="0" lang="en-US" sz="1600" spc="-1" strike="noStrike">
-                <a:solidFill>
-                  <a:srgbClr val="262626"/>
-                </a:solidFill>
-                <a:latin typeface="Gill Sans MT"/>
+              <a:rPr b="0" lang="en-US" sz="2400" spc="-1" strike="noStrike">
+                <a:latin typeface="Arial"/>
               </a:rPr>
               <a:t>Third Outline Level</a:t>
             </a:r>
-            <a:endParaRPr b="0" lang="en-US" sz="1600" spc="-1" strike="noStrike">
-              <a:solidFill>
-                <a:srgbClr val="262626"/>
-              </a:solidFill>
-              <a:latin typeface="Gill Sans MT"/>
+            <a:endParaRPr b="0" lang="en-US" sz="2400" spc="-1" strike="noStrike">
+              <a:latin typeface="Arial"/>
             </a:endParaRPr>
           </a:p>
           <a:p>
@@ -8444,19 +8010,13 @@
               <a:buChar char=""/>
             </a:pPr>
             <a:r>
-              <a:rPr b="0" lang="en-US" sz="1600" spc="-1" strike="noStrike">
-                <a:solidFill>
-                  <a:srgbClr val="262626"/>
-                </a:solidFill>
-                <a:latin typeface="Gill Sans MT"/>
+              <a:rPr b="0" lang="en-US" sz="2000" spc="-1" strike="noStrike">
+                <a:latin typeface="Arial"/>
               </a:rPr>
               <a:t>Fourth Outline Level</a:t>
             </a:r>
-            <a:endParaRPr b="0" lang="en-US" sz="1600" spc="-1" strike="noStrike">
-              <a:solidFill>
-                <a:srgbClr val="262626"/>
-              </a:solidFill>
-              <a:latin typeface="Gill Sans MT"/>
+            <a:endParaRPr b="0" lang="en-US" sz="2000" spc="-1" strike="noStrike">
+              <a:latin typeface="Arial"/>
             </a:endParaRPr>
           </a:p>
           <a:p>
@@ -8473,18 +8033,12 @@
             </a:pPr>
             <a:r>
               <a:rPr b="0" lang="en-US" sz="2000" spc="-1" strike="noStrike">
-                <a:solidFill>
-                  <a:srgbClr val="262626"/>
-                </a:solidFill>
-                <a:latin typeface="Gill Sans MT"/>
+                <a:latin typeface="Arial"/>
               </a:rPr>
               <a:t>Fifth Outline Level</a:t>
             </a:r>
             <a:endParaRPr b="0" lang="en-US" sz="2000" spc="-1" strike="noStrike">
-              <a:solidFill>
-                <a:srgbClr val="262626"/>
-              </a:solidFill>
-              <a:latin typeface="Gill Sans MT"/>
+              <a:latin typeface="Arial"/>
             </a:endParaRPr>
           </a:p>
           <a:p>
@@ -8501,18 +8055,12 @@
             </a:pPr>
             <a:r>
               <a:rPr b="0" lang="en-US" sz="2000" spc="-1" strike="noStrike">
-                <a:solidFill>
-                  <a:srgbClr val="262626"/>
-                </a:solidFill>
-                <a:latin typeface="Gill Sans MT"/>
+                <a:latin typeface="Arial"/>
               </a:rPr>
               <a:t>Sixth Outline Level</a:t>
             </a:r>
             <a:endParaRPr b="0" lang="en-US" sz="2000" spc="-1" strike="noStrike">
-              <a:solidFill>
-                <a:srgbClr val="262626"/>
-              </a:solidFill>
-              <a:latin typeface="Gill Sans MT"/>
+              <a:latin typeface="Arial"/>
             </a:endParaRPr>
           </a:p>
           <a:p>
@@ -8529,18 +8077,12 @@
             </a:pPr>
             <a:r>
               <a:rPr b="0" lang="en-US" sz="2000" spc="-1" strike="noStrike">
-                <a:solidFill>
-                  <a:srgbClr val="262626"/>
-                </a:solidFill>
-                <a:latin typeface="Gill Sans MT"/>
+                <a:latin typeface="Arial"/>
               </a:rPr>
               <a:t>Seventh Outline Level</a:t>
             </a:r>
             <a:endParaRPr b="0" lang="en-US" sz="2000" spc="-1" strike="noStrike">
-              <a:solidFill>
-                <a:srgbClr val="262626"/>
-              </a:solidFill>
-              <a:latin typeface="Gill Sans MT"/>
+              <a:latin typeface="Arial"/>
             </a:endParaRPr>
           </a:p>
         </p:txBody>
@@ -8595,7 +8137,7 @@
         <p:spPr>
           <a:xfrm>
             <a:off x="1102320" y="2386800"/>
-            <a:ext cx="6939000" cy="1645560"/>
+            <a:ext cx="6938280" cy="1644840"/>
           </a:xfrm>
           <a:prstGeom prst="rect">
             <a:avLst/>
@@ -8622,91 +8164,16 @@
               <a:buNone/>
             </a:pPr>
             <a:r>
-              <a:rPr b="0" lang="en-US" sz="3500" spc="199" strike="noStrike" cap="all">
+              <a:rPr b="0" lang="en-US" sz="3500" spc="194" strike="noStrike" cap="all">
                 <a:solidFill>
                   <a:srgbClr val="1e3c96"/>
                 </a:solidFill>
                 <a:latin typeface="Gill Sans MT"/>
               </a:rPr>
-              <a:t>Автомат</a:t>
-            </a:r>
-            <a:r>
-              <a:rPr b="0" lang="en-US" sz="3500" spc="199" strike="noStrike" cap="all">
-                <a:solidFill>
-                  <a:srgbClr val="1e3c96"/>
-                </a:solidFill>
-                <a:latin typeface="Gill Sans MT"/>
-              </a:rPr>
-              <a:t>изирано </a:t>
-            </a:r>
-            <a:r>
-              <a:rPr b="0" lang="en-US" sz="3500" spc="199" strike="noStrike" cap="all">
-                <a:solidFill>
-                  <a:srgbClr val="1e3c96"/>
-                </a:solidFill>
-                <a:latin typeface="Gill Sans MT"/>
-              </a:rPr>
-              <a:t>тестира</a:t>
-            </a:r>
-            <a:r>
-              <a:rPr b="0" lang="en-US" sz="3500" spc="199" strike="noStrike" cap="all">
-                <a:solidFill>
-                  <a:srgbClr val="1e3c96"/>
-                </a:solidFill>
-                <a:latin typeface="Gill Sans MT"/>
-              </a:rPr>
-              <a:t>ње на </a:t>
-            </a:r>
-            <a:r>
-              <a:rPr b="0" lang="en-US" sz="3500" spc="199" strike="noStrike" cap="all">
-                <a:solidFill>
-                  <a:srgbClr val="1e3c96"/>
-                </a:solidFill>
-                <a:latin typeface="Gill Sans MT"/>
-              </a:rPr>
-              <a:t>Spring </a:t>
-            </a:r>
-            <a:r>
-              <a:rPr b="0" lang="en-US" sz="3500" spc="199" strike="noStrike" cap="all">
-                <a:solidFill>
-                  <a:srgbClr val="1e3c96"/>
-                </a:solidFill>
-                <a:latin typeface="Gill Sans MT"/>
-              </a:rPr>
-              <a:t>Boot </a:t>
-            </a:r>
-            <a:r>
-              <a:rPr b="0" lang="en-US" sz="3500" spc="199" strike="noStrike" cap="all">
-                <a:solidFill>
-                  <a:srgbClr val="1e3c96"/>
-                </a:solidFill>
-                <a:latin typeface="Gill Sans MT"/>
-              </a:rPr>
-              <a:t>Web </a:t>
-            </a:r>
-            <a:r>
-              <a:rPr b="0" lang="en-US" sz="3500" spc="199" strike="noStrike" cap="all">
-                <a:solidFill>
-                  <a:srgbClr val="1e3c96"/>
-                </a:solidFill>
-                <a:latin typeface="Gill Sans MT"/>
-              </a:rPr>
-              <a:t>апликац</a:t>
-            </a:r>
-            <a:r>
-              <a:rPr b="0" lang="en-US" sz="3500" spc="199" strike="noStrike" cap="all">
-                <a:solidFill>
-                  <a:srgbClr val="1e3c96"/>
-                </a:solidFill>
-                <a:latin typeface="Gill Sans MT"/>
-              </a:rPr>
-              <a:t>ија</a:t>
+              <a:t>Автоматизирано тестирање на Spring Boot Web апликација</a:t>
             </a:r>
             <a:endParaRPr b="0" lang="en-US" sz="3500" spc="-1" strike="noStrike">
-              <a:solidFill>
-                <a:srgbClr val="ffffff"/>
-              </a:solidFill>
-              <a:latin typeface="Gill Sans MT"/>
+              <a:latin typeface="Arial"/>
             </a:endParaRPr>
           </a:p>
         </p:txBody>
@@ -8724,18 +8191,18 @@
         <p:spPr>
           <a:xfrm>
             <a:off x="2021400" y="4352400"/>
-            <a:ext cx="5100840" cy="1239480"/>
-          </a:xfrm>
-          <a:prstGeom prst="rect">
-            <a:avLst/>
-          </a:prstGeom>
-          <a:noFill/>
-          <a:ln w="0">
-            <a:noFill/>
-          </a:ln>
-        </p:spPr>
-        <p:txBody>
-          <a:bodyPr anchor="t">
+            <a:ext cx="5100120" cy="1238760"/>
+          </a:xfrm>
+          <a:prstGeom prst="rect">
+            <a:avLst/>
+          </a:prstGeom>
+          <a:noFill/>
+          <a:ln w="0">
+            <a:noFill/>
+          </a:ln>
+        </p:spPr>
+        <p:txBody>
+          <a:bodyPr lIns="0" rIns="0" tIns="0" bIns="0" anchor="t">
             <a:noAutofit/>
           </a:bodyPr>
           <a:p>
@@ -8758,16 +8225,7 @@
                 </a:solidFill>
                 <a:latin typeface="Gill Sans MT"/>
               </a:rPr>
-              <a:t>Студент: Ангела </a:t>
-            </a:r>
-            <a:r>
-              <a:rPr b="0" lang="en-US" sz="1900" spc="-1" strike="noStrike">
-                <a:solidFill>
-                  <a:srgbClr val="ffffff"/>
-                </a:solidFill>
-                <a:latin typeface="Gill Sans MT"/>
-              </a:rPr>
-              <a:t>Цветковска 221001</a:t>
+              <a:t>Студент: Ангела Цветковска 221001</a:t>
             </a:r>
             <a:endParaRPr b="0" lang="en-US" sz="1900" spc="-1" strike="noStrike">
               <a:latin typeface="Arial"/>
@@ -8818,7 +8276,7 @@
         <p:spPr>
           <a:xfrm>
             <a:off x="1605960" y="964800"/>
-            <a:ext cx="5937480" cy="1188360"/>
+            <a:ext cx="5936760" cy="1187640"/>
           </a:xfrm>
           <a:prstGeom prst="rect">
             <a:avLst/>
@@ -8845,7 +8303,7 @@
               <a:buNone/>
             </a:pPr>
             <a:r>
-              <a:rPr b="0" lang="en-US" sz="2600" spc="199" strike="noStrike" cap="all">
+              <a:rPr b="0" lang="en-US" sz="2600" spc="194" strike="noStrike" cap="all">
                 <a:solidFill>
                   <a:srgbClr val="1e3c96"/>
                 </a:solidFill>
@@ -8854,10 +8312,7 @@
               <a:t>Вовед</a:t>
             </a:r>
             <a:endParaRPr b="0" lang="en-US" sz="2600" spc="-1" strike="noStrike">
-              <a:solidFill>
-                <a:srgbClr val="000000"/>
-              </a:solidFill>
-              <a:latin typeface="Gill Sans MT"/>
+              <a:latin typeface="Arial"/>
             </a:endParaRPr>
           </a:p>
         </p:txBody>
@@ -8875,18 +8330,18 @@
         <p:spPr>
           <a:xfrm>
             <a:off x="1605960" y="2638080"/>
-            <a:ext cx="5937480" cy="3101760"/>
-          </a:xfrm>
-          <a:prstGeom prst="rect">
-            <a:avLst/>
-          </a:prstGeom>
-          <a:noFill/>
-          <a:ln w="0">
-            <a:noFill/>
-          </a:ln>
-        </p:spPr>
-        <p:txBody>
-          <a:bodyPr anchor="t">
+            <a:ext cx="5936760" cy="3101040"/>
+          </a:xfrm>
+          <a:prstGeom prst="rect">
+            <a:avLst/>
+          </a:prstGeom>
+          <a:noFill/>
+          <a:ln w="0">
+            <a:noFill/>
+          </a:ln>
+        </p:spPr>
+        <p:txBody>
+          <a:bodyPr lIns="90000" rIns="90000" tIns="45000" bIns="45000" anchor="t">
             <a:noAutofit/>
           </a:bodyPr>
           <a:p>
@@ -8913,10 +8368,7 @@
               <a:t>Проект изработен во рамки на предметот 'Софтверски квалитет и тестирање'.</a:t>
             </a:r>
             <a:endParaRPr b="0" lang="en-US" sz="2000" spc="-1" strike="noStrike">
-              <a:solidFill>
-                <a:srgbClr val="262626"/>
-              </a:solidFill>
-              <a:latin typeface="Gill Sans MT"/>
+              <a:latin typeface="Arial"/>
             </a:endParaRPr>
           </a:p>
           <a:p>
@@ -8943,10 +8395,7 @@
               <a:t>Цел: Демонстрација на автоматизирано тестирање на Spring Boot веб апликација.</a:t>
             </a:r>
             <a:endParaRPr b="0" lang="en-US" sz="2000" spc="-1" strike="noStrike">
-              <a:solidFill>
-                <a:srgbClr val="262626"/>
-              </a:solidFill>
-              <a:latin typeface="Gill Sans MT"/>
+              <a:latin typeface="Arial"/>
             </a:endParaRPr>
           </a:p>
           <a:p>
@@ -8970,22 +8419,10 @@
                 </a:solidFill>
                 <a:latin typeface="Gill Sans MT"/>
               </a:rPr>
-              <a:t>Тестирани се повеќе слоеви: сервис, репозиториум, контролери, UI и </a:t>
-            </a:r>
-            <a:r>
-              <a:rPr b="0" lang="en-US" sz="2000" spc="-1" strike="noStrike">
-                <a:solidFill>
-                  <a:srgbClr val="282828"/>
-                </a:solidFill>
-                <a:latin typeface="Gill Sans MT"/>
-              </a:rPr>
-              <a:t>security.</a:t>
+              <a:t>Тестирани се повеќе слоеви: сервис, репозиториум, контролери, UI и security.</a:t>
             </a:r>
             <a:endParaRPr b="0" lang="en-US" sz="2000" spc="-1" strike="noStrike">
-              <a:solidFill>
-                <a:srgbClr val="262626"/>
-              </a:solidFill>
-              <a:latin typeface="Gill Sans MT"/>
+              <a:latin typeface="Arial"/>
             </a:endParaRPr>
           </a:p>
           <a:p>
@@ -9012,10 +8449,7 @@
               <a:t>Апликација за управување со јадења (Dish) и готвачи (Chef).</a:t>
             </a:r>
             <a:endParaRPr b="0" lang="en-US" sz="2000" spc="-1" strike="noStrike">
-              <a:solidFill>
-                <a:srgbClr val="262626"/>
-              </a:solidFill>
-              <a:latin typeface="Gill Sans MT"/>
+              <a:latin typeface="Arial"/>
             </a:endParaRPr>
           </a:p>
         </p:txBody>
@@ -9063,7 +8497,7 @@
         <p:spPr>
           <a:xfrm>
             <a:off x="1605960" y="964800"/>
-            <a:ext cx="5937480" cy="1188360"/>
+            <a:ext cx="5936760" cy="1187640"/>
           </a:xfrm>
           <a:prstGeom prst="rect">
             <a:avLst/>
@@ -9090,46 +8524,16 @@
               <a:buNone/>
             </a:pPr>
             <a:r>
-              <a:rPr b="0" lang="en-US" sz="2600" spc="199" strike="noStrike" cap="all">
+              <a:rPr b="0" lang="en-US" sz="2600" spc="194" strike="noStrike" cap="all">
                 <a:solidFill>
                   <a:srgbClr val="1e3c96"/>
                 </a:solidFill>
                 <a:latin typeface="Gill Sans MT"/>
               </a:rPr>
-              <a:t>Улогите и </a:t>
-            </a:r>
-            <a:r>
-              <a:rPr b="0" lang="en-US" sz="2600" spc="199" strike="noStrike" cap="all">
-                <a:solidFill>
-                  <a:srgbClr val="1e3c96"/>
-                </a:solidFill>
-                <a:latin typeface="Gill Sans MT"/>
-              </a:rPr>
-              <a:t>нивните </a:t>
-            </a:r>
-            <a:r>
-              <a:rPr b="0" lang="en-US" sz="2600" spc="199" strike="noStrike" cap="all">
-                <a:solidFill>
-                  <a:srgbClr val="1e3c96"/>
-                </a:solidFill>
-                <a:latin typeface="Gill Sans MT"/>
-              </a:rPr>
-              <a:t>овластува</a:t>
-            </a:r>
-            <a:r>
-              <a:rPr b="0" lang="en-US" sz="2600" spc="199" strike="noStrike" cap="all">
-                <a:solidFill>
-                  <a:srgbClr val="1e3c96"/>
-                </a:solidFill>
-                <a:latin typeface="Gill Sans MT"/>
-              </a:rPr>
-              <a:t>ња</a:t>
+              <a:t>Улогите и нивните овластувања</a:t>
             </a:r>
             <a:endParaRPr b="0" lang="en-US" sz="2600" spc="-1" strike="noStrike">
-              <a:solidFill>
-                <a:srgbClr val="000000"/>
-              </a:solidFill>
-              <a:latin typeface="Gill Sans MT"/>
+              <a:latin typeface="Arial"/>
             </a:endParaRPr>
           </a:p>
         </p:txBody>
@@ -9142,7 +8546,7 @@
         </p:nvGraphicFramePr>
         <p:xfrm>
           <a:off x="457200" y="3117240"/>
-          <a:ext cx="8229240" cy="2285640"/>
+          <a:ext cx="8229240" cy="2285280"/>
         </p:xfrm>
         <a:graphic>
           <a:graphicData uri="http://schemas.openxmlformats.org/drawingml/2006/table">
@@ -9517,7 +8921,7 @@
         <p:spPr>
           <a:xfrm>
             <a:off x="1605960" y="964800"/>
-            <a:ext cx="5937480" cy="1188360"/>
+            <a:ext cx="5936760" cy="1187640"/>
           </a:xfrm>
           <a:prstGeom prst="rect">
             <a:avLst/>
@@ -9544,46 +8948,16 @@
               <a:buNone/>
             </a:pPr>
             <a:r>
-              <a:rPr b="0" lang="en-US" sz="2600" spc="199" strike="noStrike" cap="all">
+              <a:rPr b="0" lang="en-US" sz="2600" spc="194" strike="noStrike" cap="all">
                 <a:solidFill>
                   <a:srgbClr val="1e3c96"/>
                 </a:solidFill>
                 <a:latin typeface="Gill Sans MT"/>
               </a:rPr>
-              <a:t>Користени </a:t>
-            </a:r>
-            <a:r>
-              <a:rPr b="0" lang="en-US" sz="2600" spc="199" strike="noStrike" cap="all">
-                <a:solidFill>
-                  <a:srgbClr val="1e3c96"/>
-                </a:solidFill>
-                <a:latin typeface="Gill Sans MT"/>
-              </a:rPr>
-              <a:t>алатки и </a:t>
-            </a:r>
-            <a:r>
-              <a:rPr b="0" lang="en-US" sz="2600" spc="199" strike="noStrike" cap="all">
-                <a:solidFill>
-                  <a:srgbClr val="1e3c96"/>
-                </a:solidFill>
-                <a:latin typeface="Gill Sans MT"/>
-              </a:rPr>
-              <a:t>технологи</a:t>
-            </a:r>
-            <a:r>
-              <a:rPr b="0" lang="en-US" sz="2600" spc="199" strike="noStrike" cap="all">
-                <a:solidFill>
-                  <a:srgbClr val="1e3c96"/>
-                </a:solidFill>
-                <a:latin typeface="Gill Sans MT"/>
-              </a:rPr>
-              <a:t>и</a:t>
+              <a:t>Користени алатки и технологии</a:t>
             </a:r>
             <a:endParaRPr b="0" lang="en-US" sz="2600" spc="-1" strike="noStrike">
-              <a:solidFill>
-                <a:srgbClr val="000000"/>
-              </a:solidFill>
-              <a:latin typeface="Gill Sans MT"/>
+              <a:latin typeface="Arial"/>
             </a:endParaRPr>
           </a:p>
         </p:txBody>
@@ -9601,18 +8975,18 @@
         <p:spPr>
           <a:xfrm>
             <a:off x="1605960" y="2638080"/>
-            <a:ext cx="5937480" cy="3101760"/>
-          </a:xfrm>
-          <a:prstGeom prst="rect">
-            <a:avLst/>
-          </a:prstGeom>
-          <a:noFill/>
-          <a:ln w="0">
-            <a:noFill/>
-          </a:ln>
-        </p:spPr>
-        <p:txBody>
-          <a:bodyPr anchor="t">
+            <a:ext cx="5936760" cy="3101040"/>
+          </a:xfrm>
+          <a:prstGeom prst="rect">
+            <a:avLst/>
+          </a:prstGeom>
+          <a:noFill/>
+          <a:ln w="0">
+            <a:noFill/>
+          </a:ln>
+        </p:spPr>
+        <p:txBody>
+          <a:bodyPr lIns="90000" rIns="90000" tIns="45000" bIns="45000" anchor="t">
             <a:normAutofit fontScale="91000"/>
           </a:bodyPr>
           <a:p>
@@ -9636,16 +9010,7 @@
                 </a:solidFill>
                 <a:latin typeface="Gill Sans MT"/>
               </a:rPr>
-              <a:t>Spring MVC Test Framework</a:t>
-            </a:r>
-            <a:r>
-              <a:rPr b="0" lang="en-US" sz="2000" spc="-1" strike="noStrike">
-                <a:solidFill>
-                  <a:srgbClr val="282828"/>
-                </a:solidFill>
-                <a:latin typeface="Gill Sans MT"/>
-              </a:rPr>
-              <a:t> - </a:t>
+              <a:t>Spring MVC Test Framework - </a:t>
             </a:r>
             <a:r>
               <a:rPr b="0" lang="mk-MK" sz="2000" spc="-1" strike="noStrike">
@@ -9657,10 +9022,7 @@
               <a:t>Тестирање на контролери без стартување на сервер </a:t>
             </a:r>
             <a:endParaRPr b="0" lang="en-US" sz="2000" spc="-1" strike="noStrike">
-              <a:solidFill>
-                <a:srgbClr val="262626"/>
-              </a:solidFill>
-              <a:latin typeface="Gill Sans MT"/>
+              <a:latin typeface="Arial"/>
             </a:endParaRPr>
           </a:p>
           <a:p>
@@ -9723,10 +9085,7 @@
               <a:t>тестирање со вистински browser</a:t>
             </a:r>
             <a:endParaRPr b="0" lang="en-US" sz="2000" spc="-1" strike="noStrike">
-              <a:solidFill>
-                <a:srgbClr val="262626"/>
-              </a:solidFill>
-              <a:latin typeface="Gill Sans MT"/>
+              <a:latin typeface="Arial"/>
             </a:endParaRPr>
           </a:p>
           <a:p>
@@ -9771,10 +9130,7 @@
               <a:t>Интеграционо тестирање со реална PostgreSQL база во контејнер</a:t>
             </a:r>
             <a:endParaRPr b="0" lang="en-US" sz="2000" spc="-1" strike="noStrike">
-              <a:solidFill>
-                <a:srgbClr val="262626"/>
-              </a:solidFill>
-              <a:latin typeface="Gill Sans MT"/>
+              <a:latin typeface="Arial"/>
             </a:endParaRPr>
           </a:p>
           <a:p>
@@ -9837,10 +9193,7 @@
               <a:t>објекти</a:t>
             </a:r>
             <a:endParaRPr b="0" lang="en-US" sz="2000" spc="-1" strike="noStrike">
-              <a:solidFill>
-                <a:srgbClr val="262626"/>
-              </a:solidFill>
-              <a:latin typeface="Gill Sans MT"/>
+              <a:latin typeface="Arial"/>
             </a:endParaRPr>
           </a:p>
           <a:p>
@@ -9885,10 +9238,7 @@
               <a:t>Тестирање на пристап</a:t>
             </a:r>
             <a:endParaRPr b="0" lang="en-US" sz="2000" spc="-1" strike="noStrike">
-              <a:solidFill>
-                <a:srgbClr val="262626"/>
-              </a:solidFill>
-              <a:latin typeface="Gill Sans MT"/>
+              <a:latin typeface="Arial"/>
             </a:endParaRPr>
           </a:p>
         </p:txBody>
@@ -9936,7 +9286,7 @@
         <p:spPr>
           <a:xfrm>
             <a:off x="1605960" y="964800"/>
-            <a:ext cx="5937480" cy="1188360"/>
+            <a:ext cx="5936760" cy="1187640"/>
           </a:xfrm>
           <a:prstGeom prst="rect">
             <a:avLst/>
@@ -9963,28 +9313,16 @@
               <a:buNone/>
             </a:pPr>
             <a:r>
-              <a:rPr b="0" lang="en-US" sz="2600" spc="199" strike="noStrike" cap="all">
+              <a:rPr b="0" lang="en-US" sz="2600" spc="194" strike="noStrike" cap="all">
                 <a:solidFill>
                   <a:srgbClr val="1e3c96"/>
                 </a:solidFill>
                 <a:latin typeface="Gill Sans MT"/>
               </a:rPr>
-              <a:t>Типови </a:t>
-            </a:r>
-            <a:r>
-              <a:rPr b="0" lang="en-US" sz="2600" spc="199" strike="noStrike" cap="all">
-                <a:solidFill>
-                  <a:srgbClr val="1e3c96"/>
-                </a:solidFill>
-                <a:latin typeface="Gill Sans MT"/>
-              </a:rPr>
-              <a:t>тестирање</a:t>
+              <a:t>Типови тестирање</a:t>
             </a:r>
             <a:endParaRPr b="0" lang="en-US" sz="2600" spc="-1" strike="noStrike">
-              <a:solidFill>
-                <a:srgbClr val="000000"/>
-              </a:solidFill>
-              <a:latin typeface="Gill Sans MT"/>
+              <a:latin typeface="Arial"/>
             </a:endParaRPr>
           </a:p>
         </p:txBody>
@@ -9997,7 +9335,7 @@
         </p:nvGraphicFramePr>
         <p:xfrm>
           <a:off x="457200" y="2674080"/>
-          <a:ext cx="8229240" cy="2285640"/>
+          <a:ext cx="8229240" cy="3826080"/>
         </p:xfrm>
         <a:graphic>
           <a:graphicData uri="http://schemas.openxmlformats.org/drawingml/2006/table">
@@ -10597,6 +9935,9 @@
                         <a:lnSpc>
                           <a:spcPct val="100000"/>
                         </a:lnSpc>
+                        <a:spcBef>
+                          <a:spcPts val="1001"/>
+                        </a:spcBef>
                         <a:buNone/>
                       </a:pPr>
                       <a:r>
@@ -10606,7 +9947,7 @@
                           </a:solidFill>
                           <a:latin typeface="Gill Sans MT"/>
                         </a:rPr>
-                        <a:t>MockMvc</a:t>
+                        <a:t>Spring MVC Test Framework-MVC Mock</a:t>
                       </a:r>
                       <a:endParaRPr b="0" lang="en-US" sz="1800" spc="-1" strike="noStrike">
                         <a:latin typeface="Arial"/>
@@ -11161,7 +10502,7 @@
         <p:spPr>
           <a:xfrm>
             <a:off x="1605960" y="964800"/>
-            <a:ext cx="5937480" cy="1188360"/>
+            <a:ext cx="5936760" cy="1187640"/>
           </a:xfrm>
           <a:prstGeom prst="rect">
             <a:avLst/>
@@ -11188,37 +10529,16 @@
               <a:buNone/>
             </a:pPr>
             <a:r>
-              <a:rPr b="0" lang="en-US" sz="2600" spc="199" strike="noStrike" cap="all">
+              <a:rPr b="0" lang="en-US" sz="2600" spc="194" strike="noStrike" cap="all">
                 <a:solidFill>
                   <a:srgbClr val="1e3c96"/>
                 </a:solidFill>
                 <a:latin typeface="Gill Sans MT"/>
               </a:rPr>
-              <a:t>Backend </a:t>
-            </a:r>
-            <a:r>
-              <a:rPr b="0" lang="en-US" sz="2600" spc="199" strike="noStrike" cap="all">
-                <a:solidFill>
-                  <a:srgbClr val="1e3c96"/>
-                </a:solidFill>
-                <a:latin typeface="Gill Sans MT"/>
-              </a:rPr>
-              <a:t>тест </a:t>
-            </a:r>
-            <a:r>
-              <a:rPr b="0" lang="en-US" sz="2600" spc="199" strike="noStrike" cap="all">
-                <a:solidFill>
-                  <a:srgbClr val="1e3c96"/>
-                </a:solidFill>
-                <a:latin typeface="Gill Sans MT"/>
-              </a:rPr>
-              <a:t>сценарија</a:t>
+              <a:t>Backend тест сценарија</a:t>
             </a:r>
             <a:endParaRPr b="0" lang="en-US" sz="2600" spc="-1" strike="noStrike">
-              <a:solidFill>
-                <a:srgbClr val="000000"/>
-              </a:solidFill>
-              <a:latin typeface="Gill Sans MT"/>
+              <a:latin typeface="Arial"/>
             </a:endParaRPr>
           </a:p>
         </p:txBody>
@@ -11236,18 +10556,18 @@
         <p:spPr>
           <a:xfrm>
             <a:off x="1605960" y="2638080"/>
-            <a:ext cx="5937480" cy="3101760"/>
-          </a:xfrm>
-          <a:prstGeom prst="rect">
-            <a:avLst/>
-          </a:prstGeom>
-          <a:noFill/>
-          <a:ln w="0">
-            <a:noFill/>
-          </a:ln>
-        </p:spPr>
-        <p:txBody>
-          <a:bodyPr anchor="t">
+            <a:ext cx="5936760" cy="3101040"/>
+          </a:xfrm>
+          <a:prstGeom prst="rect">
+            <a:avLst/>
+          </a:prstGeom>
+          <a:noFill/>
+          <a:ln w="0">
+            <a:noFill/>
+          </a:ln>
+        </p:spPr>
+        <p:txBody>
+          <a:bodyPr lIns="90000" rIns="90000" tIns="45000" bIns="45000" anchor="t">
             <a:noAutofit/>
           </a:bodyPr>
           <a:p>
@@ -11274,10 +10594,7 @@
               <a:t>CRUD операции (Chef/Dish) преку контролер</a:t>
             </a:r>
             <a:endParaRPr b="0" lang="en-US" sz="2000" spc="-1" strike="noStrike">
-              <a:solidFill>
-                <a:srgbClr val="262626"/>
-              </a:solidFill>
-              <a:latin typeface="Gill Sans MT"/>
+              <a:latin typeface="Arial"/>
             </a:endParaRPr>
           </a:p>
           <a:p>
@@ -11304,10 +10621,7 @@
               <a:t>Забрана на CRUD за USER</a:t>
             </a:r>
             <a:endParaRPr b="0" lang="en-US" sz="2000" spc="-1" strike="noStrike">
-              <a:solidFill>
-                <a:srgbClr val="262626"/>
-              </a:solidFill>
-              <a:latin typeface="Gill Sans MT"/>
+              <a:latin typeface="Arial"/>
             </a:endParaRPr>
           </a:p>
           <a:p>
@@ -11334,10 +10648,7 @@
               <a:t>Проверка дека податоците се запишани во база</a:t>
             </a:r>
             <a:endParaRPr b="0" lang="en-US" sz="2000" spc="-1" strike="noStrike">
-              <a:solidFill>
-                <a:srgbClr val="262626"/>
-              </a:solidFill>
-              <a:latin typeface="Gill Sans MT"/>
+              <a:latin typeface="Arial"/>
             </a:endParaRPr>
           </a:p>
         </p:txBody>
@@ -11385,7 +10696,7 @@
         <p:spPr>
           <a:xfrm>
             <a:off x="1605960" y="964800"/>
-            <a:ext cx="5937480" cy="1188360"/>
+            <a:ext cx="5936760" cy="1187640"/>
           </a:xfrm>
           <a:prstGeom prst="rect">
             <a:avLst/>
@@ -11412,28 +10723,16 @@
               <a:buNone/>
             </a:pPr>
             <a:r>
-              <a:rPr b="0" lang="en-US" sz="2600" spc="199" strike="noStrike" cap="all">
+              <a:rPr b="0" lang="en-US" sz="2600" spc="194" strike="noStrike" cap="all">
                 <a:solidFill>
                   <a:srgbClr val="1e3c96"/>
                 </a:solidFill>
                 <a:latin typeface="Gill Sans MT"/>
               </a:rPr>
-              <a:t>UI тест </a:t>
-            </a:r>
-            <a:r>
-              <a:rPr b="0" lang="en-US" sz="2600" spc="199" strike="noStrike" cap="all">
-                <a:solidFill>
-                  <a:srgbClr val="1e3c96"/>
-                </a:solidFill>
-                <a:latin typeface="Gill Sans MT"/>
-              </a:rPr>
-              <a:t>сценарија</a:t>
+              <a:t>UI тест сценарија</a:t>
             </a:r>
             <a:endParaRPr b="0" lang="en-US" sz="2600" spc="-1" strike="noStrike">
-              <a:solidFill>
-                <a:srgbClr val="000000"/>
-              </a:solidFill>
-              <a:latin typeface="Gill Sans MT"/>
+              <a:latin typeface="Arial"/>
             </a:endParaRPr>
           </a:p>
         </p:txBody>
@@ -11451,18 +10750,18 @@
         <p:spPr>
           <a:xfrm>
             <a:off x="1605960" y="2638080"/>
-            <a:ext cx="5937480" cy="3101760"/>
-          </a:xfrm>
-          <a:prstGeom prst="rect">
-            <a:avLst/>
-          </a:prstGeom>
-          <a:noFill/>
-          <a:ln w="0">
-            <a:noFill/>
-          </a:ln>
-        </p:spPr>
-        <p:txBody>
-          <a:bodyPr anchor="t">
+            <a:ext cx="5936760" cy="3101040"/>
+          </a:xfrm>
+          <a:prstGeom prst="rect">
+            <a:avLst/>
+          </a:prstGeom>
+          <a:noFill/>
+          <a:ln w="0">
+            <a:noFill/>
+          </a:ln>
+        </p:spPr>
+        <p:txBody>
+          <a:bodyPr lIns="90000" rIns="90000" tIns="45000" bIns="45000" anchor="t">
             <a:noAutofit/>
           </a:bodyPr>
           <a:p>
@@ -11489,10 +10788,7 @@
               <a:t>Најава на ADMIN корисник</a:t>
             </a:r>
             <a:endParaRPr b="0" lang="en-US" sz="2000" spc="-1" strike="noStrike">
-              <a:solidFill>
-                <a:srgbClr val="262626"/>
-              </a:solidFill>
-              <a:latin typeface="Gill Sans MT"/>
+              <a:latin typeface="Arial"/>
             </a:endParaRPr>
           </a:p>
           <a:p>
@@ -11519,10 +10815,7 @@
               <a:t>Отворање форма за ново јадење</a:t>
             </a:r>
             <a:endParaRPr b="0" lang="en-US" sz="2000" spc="-1" strike="noStrike">
-              <a:solidFill>
-                <a:srgbClr val="262626"/>
-              </a:solidFill>
-              <a:latin typeface="Gill Sans MT"/>
+              <a:latin typeface="Arial"/>
             </a:endParaRPr>
           </a:p>
           <a:p>
@@ -11549,10 +10842,7 @@
               <a:t>Креирање јадење преку UI чекори</a:t>
             </a:r>
             <a:endParaRPr b="0" lang="en-US" sz="2000" spc="-1" strike="noStrike">
-              <a:solidFill>
-                <a:srgbClr val="262626"/>
-              </a:solidFill>
-              <a:latin typeface="Gill Sans MT"/>
+              <a:latin typeface="Arial"/>
             </a:endParaRPr>
           </a:p>
           <a:p>
@@ -11579,10 +10869,7 @@
               <a:t>Проверка на листа</a:t>
             </a:r>
             <a:endParaRPr b="0" lang="en-US" sz="2000" spc="-1" strike="noStrike">
-              <a:solidFill>
-                <a:srgbClr val="262626"/>
-              </a:solidFill>
-              <a:latin typeface="Gill Sans MT"/>
+              <a:latin typeface="Arial"/>
             </a:endParaRPr>
           </a:p>
           <a:p>
@@ -11609,10 +10896,7 @@
               <a:t>USER → нема Delete/Edit копчиња (role-based visibility)</a:t>
             </a:r>
             <a:endParaRPr b="0" lang="en-US" sz="2000" spc="-1" strike="noStrike">
-              <a:solidFill>
-                <a:srgbClr val="262626"/>
-              </a:solidFill>
-              <a:latin typeface="Gill Sans MT"/>
+              <a:latin typeface="Arial"/>
             </a:endParaRPr>
           </a:p>
         </p:txBody>
@@ -11660,7 +10944,7 @@
         <p:spPr>
           <a:xfrm>
             <a:off x="1605960" y="964800"/>
-            <a:ext cx="5937480" cy="1188360"/>
+            <a:ext cx="5936760" cy="1187640"/>
           </a:xfrm>
           <a:prstGeom prst="rect">
             <a:avLst/>
@@ -11687,7 +10971,7 @@
               <a:buNone/>
             </a:pPr>
             <a:r>
-              <a:rPr b="0" lang="en-US" sz="2600" spc="199" strike="noStrike" cap="all">
+              <a:rPr b="0" lang="en-US" sz="2600" spc="194" strike="noStrike" cap="all">
                 <a:solidFill>
                   <a:srgbClr val="1e3c96"/>
                 </a:solidFill>
@@ -11696,10 +10980,7 @@
               <a:t>Постигнати резултати</a:t>
             </a:r>
             <a:endParaRPr b="0" lang="en-US" sz="2600" spc="-1" strike="noStrike">
-              <a:solidFill>
-                <a:srgbClr val="000000"/>
-              </a:solidFill>
-              <a:latin typeface="Gill Sans MT"/>
+              <a:latin typeface="Arial"/>
             </a:endParaRPr>
           </a:p>
         </p:txBody>
@@ -11717,18 +10998,18 @@
         <p:spPr>
           <a:xfrm>
             <a:off x="1605960" y="2638080"/>
-            <a:ext cx="5937480" cy="3101760"/>
-          </a:xfrm>
-          <a:prstGeom prst="rect">
-            <a:avLst/>
-          </a:prstGeom>
-          <a:noFill/>
-          <a:ln w="0">
-            <a:noFill/>
-          </a:ln>
-        </p:spPr>
-        <p:txBody>
-          <a:bodyPr anchor="t">
+            <a:ext cx="5936760" cy="3101040"/>
+          </a:xfrm>
+          <a:prstGeom prst="rect">
+            <a:avLst/>
+          </a:prstGeom>
+          <a:noFill/>
+          <a:ln w="0">
+            <a:noFill/>
+          </a:ln>
+        </p:spPr>
+        <p:txBody>
+          <a:bodyPr lIns="90000" rIns="90000" tIns="45000" bIns="45000" anchor="t">
             <a:noAutofit/>
           </a:bodyPr>
           <a:p>
@@ -11755,10 +11036,7 @@
               <a:t>Сите тестови поминуваат успешно.</a:t>
             </a:r>
             <a:endParaRPr b="0" lang="en-US" sz="2000" spc="-1" strike="noStrike">
-              <a:solidFill>
-                <a:srgbClr val="262626"/>
-              </a:solidFill>
-              <a:latin typeface="Gill Sans MT"/>
+              <a:latin typeface="Arial"/>
             </a:endParaRPr>
           </a:p>
           <a:p>
@@ -11785,10 +11063,7 @@
               <a:t>Апликацијата е функционална и стабилна.</a:t>
             </a:r>
             <a:endParaRPr b="0" lang="en-US" sz="2000" spc="-1" strike="noStrike">
-              <a:solidFill>
-                <a:srgbClr val="262626"/>
-              </a:solidFill>
-              <a:latin typeface="Gill Sans MT"/>
+              <a:latin typeface="Arial"/>
             </a:endParaRPr>
           </a:p>
           <a:p>
@@ -11815,10 +11090,7 @@
               <a:t>UI интеракцијата работи правилно.</a:t>
             </a:r>
             <a:endParaRPr b="0" lang="en-US" sz="2000" spc="-1" strike="noStrike">
-              <a:solidFill>
-                <a:srgbClr val="262626"/>
-              </a:solidFill>
-              <a:latin typeface="Gill Sans MT"/>
+              <a:latin typeface="Arial"/>
             </a:endParaRPr>
           </a:p>
           <a:p>
@@ -11845,10 +11117,7 @@
               <a:t>Базата е интегрирана и сигурна.</a:t>
             </a:r>
             <a:endParaRPr b="0" lang="en-US" sz="2000" spc="-1" strike="noStrike">
-              <a:solidFill>
-                <a:srgbClr val="262626"/>
-              </a:solidFill>
-              <a:latin typeface="Gill Sans MT"/>
+              <a:latin typeface="Arial"/>
             </a:endParaRPr>
           </a:p>
           <a:p>
@@ -11875,10 +11144,7 @@
               <a:t>Role-based пристапот е потврден.</a:t>
             </a:r>
             <a:endParaRPr b="0" lang="en-US" sz="2000" spc="-1" strike="noStrike">
-              <a:solidFill>
-                <a:srgbClr val="262626"/>
-              </a:solidFill>
-              <a:latin typeface="Gill Sans MT"/>
+              <a:latin typeface="Arial"/>
             </a:endParaRPr>
           </a:p>
         </p:txBody>
@@ -11926,7 +11192,7 @@
         <p:spPr>
           <a:xfrm>
             <a:off x="1605960" y="964800"/>
-            <a:ext cx="5937480" cy="1188360"/>
+            <a:ext cx="5936760" cy="1187640"/>
           </a:xfrm>
           <a:prstGeom prst="rect">
             <a:avLst/>
@@ -11953,7 +11219,7 @@
               <a:buNone/>
             </a:pPr>
             <a:r>
-              <a:rPr b="0" lang="en-US" sz="2600" spc="199" strike="noStrike" cap="all">
+              <a:rPr b="0" lang="en-US" sz="2600" spc="194" strike="noStrike" cap="all">
                 <a:solidFill>
                   <a:srgbClr val="1e3c96"/>
                 </a:solidFill>
@@ -11962,10 +11228,7 @@
               <a:t>Заклучок</a:t>
             </a:r>
             <a:endParaRPr b="0" lang="en-US" sz="2600" spc="-1" strike="noStrike">
-              <a:solidFill>
-                <a:srgbClr val="000000"/>
-              </a:solidFill>
-              <a:latin typeface="Gill Sans MT"/>
+              <a:latin typeface="Arial"/>
             </a:endParaRPr>
           </a:p>
         </p:txBody>
@@ -11983,18 +11246,18 @@
         <p:spPr>
           <a:xfrm>
             <a:off x="1605960" y="2638080"/>
-            <a:ext cx="5937480" cy="3101760"/>
-          </a:xfrm>
-          <a:prstGeom prst="rect">
-            <a:avLst/>
-          </a:prstGeom>
-          <a:noFill/>
-          <a:ln w="0">
-            <a:noFill/>
-          </a:ln>
-        </p:spPr>
-        <p:txBody>
-          <a:bodyPr anchor="t">
+            <a:ext cx="5936760" cy="3101040"/>
+          </a:xfrm>
+          <a:prstGeom prst="rect">
+            <a:avLst/>
+          </a:prstGeom>
+          <a:noFill/>
+          <a:ln w="0">
+            <a:noFill/>
+          </a:ln>
+        </p:spPr>
+        <p:txBody>
+          <a:bodyPr lIns="90000" rIns="90000" tIns="45000" bIns="45000" anchor="t">
             <a:noAutofit/>
           </a:bodyPr>
           <a:p>
@@ -12021,10 +11284,7 @@
               <a:t>Тестирањето има клучна улога во развој на стабилен софтвер.</a:t>
             </a:r>
             <a:endParaRPr b="0" lang="en-US" sz="2000" spc="-1" strike="noStrike">
-              <a:solidFill>
-                <a:srgbClr val="262626"/>
-              </a:solidFill>
-              <a:latin typeface="Gill Sans MT"/>
+              <a:latin typeface="Arial"/>
             </a:endParaRPr>
           </a:p>
           <a:p>
@@ -12051,10 +11311,7 @@
               <a:t>Применети повеќе техники и алатки.</a:t>
             </a:r>
             <a:endParaRPr b="0" lang="en-US" sz="2000" spc="-1" strike="noStrike">
-              <a:solidFill>
-                <a:srgbClr val="262626"/>
-              </a:solidFill>
-              <a:latin typeface="Gill Sans MT"/>
+              <a:latin typeface="Arial"/>
             </a:endParaRPr>
           </a:p>
           <a:p>
@@ -12081,10 +11338,7 @@
               <a:t>Покриени се повеќе слоеви на архитектурата.</a:t>
             </a:r>
             <a:endParaRPr b="0" lang="en-US" sz="2000" spc="-1" strike="noStrike">
-              <a:solidFill>
-                <a:srgbClr val="262626"/>
-              </a:solidFill>
-              <a:latin typeface="Gill Sans MT"/>
+              <a:latin typeface="Arial"/>
             </a:endParaRPr>
           </a:p>
           <a:p>
@@ -12111,10 +11365,7 @@
               <a:t>Реални тест сценарија со UI и автентикација.</a:t>
             </a:r>
             <a:endParaRPr b="0" lang="en-US" sz="2000" spc="-1" strike="noStrike">
-              <a:solidFill>
-                <a:srgbClr val="262626"/>
-              </a:solidFill>
-              <a:latin typeface="Gill Sans MT"/>
+              <a:latin typeface="Arial"/>
             </a:endParaRPr>
           </a:p>
         </p:txBody>
